--- a/slides/05-contradiction-counterex.pptx
+++ b/slides/05-contradiction-counterex.pptx
@@ -5,7 +5,7 @@
     <p:sldMasterId id="2147483852" r:id="rId1"/>
   </p:sldMasterIdLst>
   <p:notesMasterIdLst>
-    <p:notesMasterId r:id="rId36"/>
+    <p:notesMasterId r:id="rId37"/>
   </p:notesMasterIdLst>
   <p:sldIdLst>
     <p:sldId id="256" r:id="rId2"/>
@@ -28,20 +28,21 @@
     <p:sldId id="446" r:id="rId19"/>
     <p:sldId id="447" r:id="rId20"/>
     <p:sldId id="448" r:id="rId21"/>
-    <p:sldId id="445" r:id="rId22"/>
-    <p:sldId id="457" r:id="rId23"/>
-    <p:sldId id="458" r:id="rId24"/>
-    <p:sldId id="449" r:id="rId25"/>
-    <p:sldId id="451" r:id="rId26"/>
-    <p:sldId id="452" r:id="rId27"/>
-    <p:sldId id="450" r:id="rId28"/>
-    <p:sldId id="453" r:id="rId29"/>
-    <p:sldId id="454" r:id="rId30"/>
-    <p:sldId id="459" r:id="rId31"/>
-    <p:sldId id="460" r:id="rId32"/>
-    <p:sldId id="461" r:id="rId33"/>
-    <p:sldId id="462" r:id="rId34"/>
-    <p:sldId id="463" r:id="rId35"/>
+    <p:sldId id="464" r:id="rId22"/>
+    <p:sldId id="445" r:id="rId23"/>
+    <p:sldId id="457" r:id="rId24"/>
+    <p:sldId id="458" r:id="rId25"/>
+    <p:sldId id="449" r:id="rId26"/>
+    <p:sldId id="451" r:id="rId27"/>
+    <p:sldId id="452" r:id="rId28"/>
+    <p:sldId id="450" r:id="rId29"/>
+    <p:sldId id="453" r:id="rId30"/>
+    <p:sldId id="454" r:id="rId31"/>
+    <p:sldId id="459" r:id="rId32"/>
+    <p:sldId id="460" r:id="rId33"/>
+    <p:sldId id="461" r:id="rId34"/>
+    <p:sldId id="462" r:id="rId35"/>
+    <p:sldId id="463" r:id="rId36"/>
   </p:sldIdLst>
   <p:sldSz cx="12192000" cy="6858000"/>
   <p:notesSz cx="6858000" cy="9144000"/>
@@ -230,7 +231,7 @@
           <a:p>
             <a:fld id="{3CBB8A52-8AC5-C74C-97FB-632C448F3674}" type="datetimeFigureOut">
               <a:rPr lang="en-US" smtClean="0"/>
-              <a:t>1/19/24</a:t>
+              <a:t>2/6/24</a:t>
             </a:fld>
             <a:endParaRPr lang="en-US"/>
           </a:p>
@@ -1482,7 +1483,7 @@
           <a:p>
             <a:fld id="{77F12483-E947-6F4E-A75E-B2E677827779}" type="slidenum">
               <a:rPr lang="en-US" smtClean="0"/>
-              <a:t>21</a:t>
+              <a:t>22</a:t>
             </a:fld>
             <a:endParaRPr lang="en-US"/>
           </a:p>
@@ -1650,7 +1651,7 @@
           <a:p>
             <a:fld id="{77F12483-E947-6F4E-A75E-B2E677827779}" type="slidenum">
               <a:rPr lang="en-US" smtClean="0"/>
-              <a:t>22</a:t>
+              <a:t>23</a:t>
             </a:fld>
             <a:endParaRPr lang="en-US"/>
           </a:p>
@@ -1734,7 +1735,7 @@
           <a:p>
             <a:fld id="{77F12483-E947-6F4E-A75E-B2E677827779}" type="slidenum">
               <a:rPr lang="en-US" smtClean="0"/>
-              <a:t>23</a:t>
+              <a:t>24</a:t>
             </a:fld>
             <a:endParaRPr lang="en-US"/>
           </a:p>
@@ -1818,7 +1819,7 @@
           <a:p>
             <a:fld id="{77F12483-E947-6F4E-A75E-B2E677827779}" type="slidenum">
               <a:rPr lang="en-US" smtClean="0"/>
-              <a:t>24</a:t>
+              <a:t>25</a:t>
             </a:fld>
             <a:endParaRPr lang="en-US"/>
           </a:p>
@@ -1902,7 +1903,7 @@
           <a:p>
             <a:fld id="{77F12483-E947-6F4E-A75E-B2E677827779}" type="slidenum">
               <a:rPr lang="en-US" smtClean="0"/>
-              <a:t>25</a:t>
+              <a:t>26</a:t>
             </a:fld>
             <a:endParaRPr lang="en-US"/>
           </a:p>
@@ -1986,7 +1987,7 @@
           <a:p>
             <a:fld id="{77F12483-E947-6F4E-A75E-B2E677827779}" type="slidenum">
               <a:rPr lang="en-US" smtClean="0"/>
-              <a:t>26</a:t>
+              <a:t>27</a:t>
             </a:fld>
             <a:endParaRPr lang="en-US"/>
           </a:p>
@@ -2070,7 +2071,7 @@
           <a:p>
             <a:fld id="{77F12483-E947-6F4E-A75E-B2E677827779}" type="slidenum">
               <a:rPr lang="en-US" smtClean="0"/>
-              <a:t>27</a:t>
+              <a:t>28</a:t>
             </a:fld>
             <a:endParaRPr lang="en-US"/>
           </a:p>
@@ -2154,7 +2155,7 @@
           <a:p>
             <a:fld id="{77F12483-E947-6F4E-A75E-B2E677827779}" type="slidenum">
               <a:rPr lang="en-US" smtClean="0"/>
-              <a:t>28</a:t>
+              <a:t>29</a:t>
             </a:fld>
             <a:endParaRPr lang="en-US"/>
           </a:p>
@@ -2238,7 +2239,7 @@
           <a:p>
             <a:fld id="{77F12483-E947-6F4E-A75E-B2E677827779}" type="slidenum">
               <a:rPr lang="en-US" smtClean="0"/>
-              <a:t>29</a:t>
+              <a:t>30</a:t>
             </a:fld>
             <a:endParaRPr lang="en-US"/>
           </a:p>
@@ -2322,7 +2323,7 @@
           <a:p>
             <a:fld id="{77F12483-E947-6F4E-A75E-B2E677827779}" type="slidenum">
               <a:rPr lang="en-US" smtClean="0"/>
-              <a:t>30</a:t>
+              <a:t>31</a:t>
             </a:fld>
             <a:endParaRPr lang="en-US"/>
           </a:p>
@@ -2406,7 +2407,7 @@
           <a:p>
             <a:fld id="{77F12483-E947-6F4E-A75E-B2E677827779}" type="slidenum">
               <a:rPr lang="en-US" smtClean="0"/>
-              <a:t>31</a:t>
+              <a:t>32</a:t>
             </a:fld>
             <a:endParaRPr lang="en-US"/>
           </a:p>
@@ -2574,7 +2575,7 @@
           <a:p>
             <a:fld id="{77F12483-E947-6F4E-A75E-B2E677827779}" type="slidenum">
               <a:rPr lang="en-US" smtClean="0"/>
-              <a:t>32</a:t>
+              <a:t>33</a:t>
             </a:fld>
             <a:endParaRPr lang="en-US"/>
           </a:p>
@@ -2658,7 +2659,7 @@
           <a:p>
             <a:fld id="{77F12483-E947-6F4E-A75E-B2E677827779}" type="slidenum">
               <a:rPr lang="en-US" smtClean="0"/>
-              <a:t>33</a:t>
+              <a:t>34</a:t>
             </a:fld>
             <a:endParaRPr lang="en-US"/>
           </a:p>
@@ -2742,7 +2743,7 @@
           <a:p>
             <a:fld id="{77F12483-E947-6F4E-A75E-B2E677827779}" type="slidenum">
               <a:rPr lang="en-US" smtClean="0"/>
-              <a:t>34</a:t>
+              <a:t>35</a:t>
             </a:fld>
             <a:endParaRPr lang="en-US"/>
           </a:p>
@@ -3490,7 +3491,7 @@
             <a:fld id="{5586B75A-687E-405C-8A0B-8D00578BA2C3}" type="datetimeFigureOut">
               <a:rPr lang="en-US" smtClean="0"/>
               <a:pPr/>
-              <a:t>1/19/24</a:t>
+              <a:t>2/6/24</a:t>
             </a:fld>
             <a:endParaRPr lang="en-US" dirty="0"/>
           </a:p>
@@ -3662,7 +3663,7 @@
             <a:fld id="{5586B75A-687E-405C-8A0B-8D00578BA2C3}" type="datetimeFigureOut">
               <a:rPr lang="en-US" smtClean="0"/>
               <a:pPr/>
-              <a:t>1/19/24</a:t>
+              <a:t>2/6/24</a:t>
             </a:fld>
             <a:endParaRPr lang="en-US" dirty="0"/>
           </a:p>
@@ -3844,7 +3845,7 @@
             <a:fld id="{5586B75A-687E-405C-8A0B-8D00578BA2C3}" type="datetimeFigureOut">
               <a:rPr lang="en-US" smtClean="0"/>
               <a:pPr/>
-              <a:t>1/19/24</a:t>
+              <a:t>2/6/24</a:t>
             </a:fld>
             <a:endParaRPr lang="en-US" dirty="0"/>
           </a:p>
@@ -4016,7 +4017,7 @@
             <a:fld id="{5586B75A-687E-405C-8A0B-8D00578BA2C3}" type="datetimeFigureOut">
               <a:rPr lang="en-US" smtClean="0"/>
               <a:pPr/>
-              <a:t>1/19/24</a:t>
+              <a:t>2/6/24</a:t>
             </a:fld>
             <a:endParaRPr lang="en-US" dirty="0"/>
           </a:p>
@@ -4272,7 +4273,7 @@
             <a:fld id="{5586B75A-687E-405C-8A0B-8D00578BA2C3}" type="datetimeFigureOut">
               <a:rPr lang="en-US" smtClean="0"/>
               <a:pPr/>
-              <a:t>1/19/24</a:t>
+              <a:t>2/6/24</a:t>
             </a:fld>
             <a:endParaRPr lang="en-US" dirty="0"/>
           </a:p>
@@ -4562,7 +4563,7 @@
             <a:fld id="{5586B75A-687E-405C-8A0B-8D00578BA2C3}" type="datetimeFigureOut">
               <a:rPr lang="en-US" smtClean="0"/>
               <a:pPr/>
-              <a:t>1/19/24</a:t>
+              <a:t>2/6/24</a:t>
             </a:fld>
             <a:endParaRPr lang="en-US" dirty="0"/>
           </a:p>
@@ -5006,7 +5007,7 @@
             <a:fld id="{5586B75A-687E-405C-8A0B-8D00578BA2C3}" type="datetimeFigureOut">
               <a:rPr lang="en-US" smtClean="0"/>
               <a:pPr/>
-              <a:t>1/19/24</a:t>
+              <a:t>2/6/24</a:t>
             </a:fld>
             <a:endParaRPr lang="en-US" dirty="0"/>
           </a:p>
@@ -5126,7 +5127,7 @@
             <a:fld id="{5586B75A-687E-405C-8A0B-8D00578BA2C3}" type="datetimeFigureOut">
               <a:rPr lang="en-US" smtClean="0"/>
               <a:pPr/>
-              <a:t>1/19/24</a:t>
+              <a:t>2/6/24</a:t>
             </a:fld>
             <a:endParaRPr lang="en-US" dirty="0"/>
           </a:p>
@@ -5223,7 +5224,7 @@
             <a:fld id="{5586B75A-687E-405C-8A0B-8D00578BA2C3}" type="datetimeFigureOut">
               <a:rPr lang="en-US" smtClean="0"/>
               <a:pPr/>
-              <a:t>1/19/24</a:t>
+              <a:t>2/6/24</a:t>
             </a:fld>
             <a:endParaRPr lang="en-US" dirty="0"/>
           </a:p>
@@ -5513,7 +5514,7 @@
             <a:fld id="{5586B75A-687E-405C-8A0B-8D00578BA2C3}" type="datetimeFigureOut">
               <a:rPr lang="en-US" smtClean="0"/>
               <a:pPr/>
-              <a:t>1/19/24</a:t>
+              <a:t>2/6/24</a:t>
             </a:fld>
             <a:endParaRPr lang="en-US" dirty="0"/>
           </a:p>
@@ -5788,7 +5789,7 @@
             <a:fld id="{5586B75A-687E-405C-8A0B-8D00578BA2C3}" type="datetimeFigureOut">
               <a:rPr lang="en-US" smtClean="0"/>
               <a:pPr/>
-              <a:t>1/19/24</a:t>
+              <a:t>2/6/24</a:t>
             </a:fld>
             <a:endParaRPr lang="en-US" dirty="0"/>
           </a:p>
@@ -6087,7 +6088,7 @@
             <a:fld id="{5586B75A-687E-405C-8A0B-8D00578BA2C3}" type="datetimeFigureOut">
               <a:rPr lang="en-US" smtClean="0"/>
               <a:pPr/>
-              <a:t>1/19/24</a:t>
+              <a:t>2/6/24</a:t>
             </a:fld>
             <a:endParaRPr lang="en-US" dirty="0"/>
           </a:p>
@@ -13642,8 +13643,8 @@
           </a:p>
         </p:txBody>
       </p:sp>
-      <mc:AlternateContent xmlns:mc="http://schemas.openxmlformats.org/markup-compatibility/2006" xmlns:a14="http://schemas.microsoft.com/office/drawing/2010/main">
-        <mc:Choice Requires="a14">
+      <mc:AlternateContent xmlns:mc="http://schemas.openxmlformats.org/markup-compatibility/2006">
+        <mc:Choice xmlns:a14="http://schemas.microsoft.com/office/drawing/2010/main" Requires="a14">
           <p:sp>
             <p:nvSpPr>
               <p:cNvPr id="6" name="Content Placeholder 2">
@@ -13702,7 +13703,7 @@
                     </a:solidFill>
                     <a:latin typeface="Open Sans" panose="020B0606030504020204" pitchFamily="34" charset="0"/>
                   </a:rPr>
-                  <a:t>proof by contradiction</a:t>
+                  <a:t>proof by contradiction </a:t>
                 </a:r>
                 <a:r>
                   <a:rPr lang="en-US" sz="2400" dirty="0">
@@ -13711,7 +13712,7 @@
                     </a:solidFill>
                     <a:latin typeface="Open Sans" panose="020B0606030504020204" pitchFamily="34" charset="0"/>
                   </a:rPr>
-                  <a:t>:</a:t>
+                  <a:t>(on P):</a:t>
                 </a:r>
                 <a:endParaRPr lang="en-US" sz="2200" dirty="0">
                   <a:solidFill>
@@ -13874,7 +13875,7 @@
             </p:txBody>
           </p:sp>
         </mc:Choice>
-        <mc:Fallback xmlns="">
+        <mc:Fallback>
           <p:sp>
             <p:nvSpPr>
               <p:cNvPr id="6" name="Content Placeholder 2">
@@ -13918,8 +13919,8 @@
           </p:sp>
         </mc:Fallback>
       </mc:AlternateContent>
-      <mc:AlternateContent xmlns:mc="http://schemas.openxmlformats.org/markup-compatibility/2006">
-        <mc:Choice xmlns:a14="http://schemas.microsoft.com/office/drawing/2010/main" Requires="a14">
+      <mc:AlternateContent xmlns:mc="http://schemas.openxmlformats.org/markup-compatibility/2006" xmlns:a14="http://schemas.microsoft.com/office/drawing/2010/main">
+        <mc:Choice Requires="a14">
           <p:sp>
             <p:nvSpPr>
               <p:cNvPr id="3" name="Rounded Rectangle 2">
@@ -14061,7 +14062,7 @@
             </p:txBody>
           </p:sp>
         </mc:Choice>
-        <mc:Fallback>
+        <mc:Fallback xmlns="">
           <p:sp>
             <p:nvSpPr>
               <p:cNvPr id="3" name="Rounded Rectangle 2">
@@ -14158,8 +14159,8 @@
           </a:p>
         </p:txBody>
       </p:sp>
-      <mc:AlternateContent xmlns:mc="http://schemas.openxmlformats.org/markup-compatibility/2006" xmlns:a14="http://schemas.microsoft.com/office/drawing/2010/main">
-        <mc:Choice Requires="a14">
+      <mc:AlternateContent xmlns:mc="http://schemas.openxmlformats.org/markup-compatibility/2006">
+        <mc:Choice xmlns:a14="http://schemas.microsoft.com/office/drawing/2010/main" Requires="a14">
           <p:sp>
             <p:nvSpPr>
               <p:cNvPr id="6" name="Content Placeholder 2">
@@ -14227,7 +14228,7 @@
                     </a:solidFill>
                     <a:latin typeface="Open Sans" panose="020B0606030504020204" pitchFamily="34" charset="0"/>
                   </a:rPr>
-                  <a:t>:</a:t>
+                  <a:t> (on P):</a:t>
                 </a:r>
                 <a:endParaRPr lang="en-US" sz="2200" dirty="0">
                   <a:solidFill>
@@ -14390,7 +14391,7 @@
             </p:txBody>
           </p:sp>
         </mc:Choice>
-        <mc:Fallback xmlns="">
+        <mc:Fallback>
           <p:sp>
             <p:nvSpPr>
               <p:cNvPr id="6" name="Content Placeholder 2">
@@ -14434,8 +14435,8 @@
           </p:sp>
         </mc:Fallback>
       </mc:AlternateContent>
-      <mc:AlternateContent xmlns:mc="http://schemas.openxmlformats.org/markup-compatibility/2006">
-        <mc:Choice xmlns:a14="http://schemas.microsoft.com/office/drawing/2010/main" Requires="a14">
+      <mc:AlternateContent xmlns:mc="http://schemas.openxmlformats.org/markup-compatibility/2006" xmlns:a14="http://schemas.microsoft.com/office/drawing/2010/main">
+        <mc:Choice Requires="a14">
           <p:sp>
             <p:nvSpPr>
               <p:cNvPr id="3" name="Rounded Rectangle 2">
@@ -14572,7 +14573,7 @@
             </p:txBody>
           </p:sp>
         </mc:Choice>
-        <mc:Fallback>
+        <mc:Fallback xmlns="">
           <p:sp>
             <p:nvSpPr>
               <p:cNvPr id="3" name="Rounded Rectangle 2">
@@ -14669,8 +14670,8 @@
           </a:p>
         </p:txBody>
       </p:sp>
-      <mc:AlternateContent xmlns:mc="http://schemas.openxmlformats.org/markup-compatibility/2006" xmlns:a14="http://schemas.microsoft.com/office/drawing/2010/main">
-        <mc:Choice Requires="a14">
+      <mc:AlternateContent xmlns:mc="http://schemas.openxmlformats.org/markup-compatibility/2006">
+        <mc:Choice xmlns:a14="http://schemas.microsoft.com/office/drawing/2010/main" Requires="a14">
           <p:sp>
             <p:nvSpPr>
               <p:cNvPr id="6" name="Content Placeholder 2">
@@ -14732,13 +14733,13 @@
                   <a:t>proof by contradiction</a:t>
                 </a:r>
                 <a:r>
-                  <a:rPr lang="en-US" sz="2400" dirty="0">
-                    <a:solidFill>
-                      <a:schemeClr val="tx1"/>
-                    </a:solidFill>
-                    <a:latin typeface="Open Sans" panose="020B0606030504020204" pitchFamily="34" charset="0"/>
-                  </a:rPr>
-                  <a:t>:</a:t>
+                  <a:rPr lang="en-US" sz="2000" dirty="0">
+                    <a:solidFill>
+                      <a:schemeClr val="tx1"/>
+                    </a:solidFill>
+                    <a:latin typeface="Open Sans" panose="020B0606030504020204" pitchFamily="34" charset="0"/>
+                  </a:rPr>
+                  <a:t> (on P):</a:t>
                 </a:r>
                 <a:endParaRPr lang="en-US" sz="2200" dirty="0">
                   <a:solidFill>
@@ -14901,7 +14902,7 @@
             </p:txBody>
           </p:sp>
         </mc:Choice>
-        <mc:Fallback xmlns="">
+        <mc:Fallback>
           <p:sp>
             <p:nvSpPr>
               <p:cNvPr id="6" name="Content Placeholder 2">
@@ -14945,8 +14946,8 @@
           </p:sp>
         </mc:Fallback>
       </mc:AlternateContent>
-      <mc:AlternateContent xmlns:mc="http://schemas.openxmlformats.org/markup-compatibility/2006">
-        <mc:Choice xmlns:a14="http://schemas.microsoft.com/office/drawing/2010/main" Requires="a14">
+      <mc:AlternateContent xmlns:mc="http://schemas.openxmlformats.org/markup-compatibility/2006" xmlns:a14="http://schemas.microsoft.com/office/drawing/2010/main">
+        <mc:Choice Requires="a14">
           <p:sp>
             <p:nvSpPr>
               <p:cNvPr id="3" name="Rounded Rectangle 2">
@@ -15034,7 +15035,7 @@
             </p:txBody>
           </p:sp>
         </mc:Choice>
-        <mc:Fallback>
+        <mc:Fallback xmlns="">
           <p:sp>
             <p:nvSpPr>
               <p:cNvPr id="3" name="Rounded Rectangle 2">
@@ -15230,8 +15231,8 @@
           </a:p>
         </p:txBody>
       </p:sp>
-      <mc:AlternateContent xmlns:mc="http://schemas.openxmlformats.org/markup-compatibility/2006" xmlns:a14="http://schemas.microsoft.com/office/drawing/2010/main">
-        <mc:Choice Requires="a14">
+      <mc:AlternateContent xmlns:mc="http://schemas.openxmlformats.org/markup-compatibility/2006">
+        <mc:Choice xmlns:a14="http://schemas.microsoft.com/office/drawing/2010/main" Requires="a14">
           <p:sp>
             <p:nvSpPr>
               <p:cNvPr id="6" name="Content Placeholder 2">
@@ -15293,13 +15294,13 @@
                   <a:t>proof by contradiction</a:t>
                 </a:r>
                 <a:r>
-                  <a:rPr lang="en-US" sz="2400" dirty="0">
-                    <a:solidFill>
-                      <a:schemeClr val="tx1"/>
-                    </a:solidFill>
-                    <a:latin typeface="Open Sans" panose="020B0606030504020204" pitchFamily="34" charset="0"/>
-                  </a:rPr>
-                  <a:t>:</a:t>
+                  <a:rPr lang="en-US" sz="2000" dirty="0">
+                    <a:solidFill>
+                      <a:schemeClr val="tx1"/>
+                    </a:solidFill>
+                    <a:latin typeface="Open Sans" panose="020B0606030504020204" pitchFamily="34" charset="0"/>
+                  </a:rPr>
+                  <a:t> (on P):</a:t>
                 </a:r>
                 <a:endParaRPr lang="en-US" sz="2200" dirty="0">
                   <a:solidFill>
@@ -15462,7 +15463,7 @@
             </p:txBody>
           </p:sp>
         </mc:Choice>
-        <mc:Fallback xmlns="">
+        <mc:Fallback>
           <p:sp>
             <p:nvSpPr>
               <p:cNvPr id="6" name="Content Placeholder 2">
@@ -15506,8 +15507,8 @@
           </p:sp>
         </mc:Fallback>
       </mc:AlternateContent>
-      <mc:AlternateContent xmlns:mc="http://schemas.openxmlformats.org/markup-compatibility/2006">
-        <mc:Choice xmlns:a14="http://schemas.microsoft.com/office/drawing/2010/main" Requires="a14">
+      <mc:AlternateContent xmlns:mc="http://schemas.openxmlformats.org/markup-compatibility/2006" xmlns:a14="http://schemas.microsoft.com/office/drawing/2010/main">
+        <mc:Choice Requires="a14">
           <p:sp>
             <p:nvSpPr>
               <p:cNvPr id="3" name="Rounded Rectangle 2">
@@ -15735,7 +15736,7 @@
             </p:txBody>
           </p:sp>
         </mc:Choice>
-        <mc:Fallback>
+        <mc:Fallback xmlns="">
           <p:sp>
             <p:nvSpPr>
               <p:cNvPr id="3" name="Rounded Rectangle 2">
@@ -15812,7 +15813,13 @@
       </p:grpSpPr>
       <p:sp>
         <p:nvSpPr>
-          <p:cNvPr id="2" name="Title 1"/>
+          <p:cNvPr id="2" name="Title 1">
+            <a:extLst>
+              <a:ext uri="{FF2B5EF4-FFF2-40B4-BE49-F238E27FC236}">
+                <a16:creationId xmlns:a16="http://schemas.microsoft.com/office/drawing/2014/main" id="{98DC1ED6-D873-49F8-9B94-5B50E70459AF}"/>
+              </a:ext>
+            </a:extLst>
+          </p:cNvPr>
           <p:cNvSpPr>
             <a:spLocks noGrp="1"/>
           </p:cNvSpPr>
@@ -15827,440 +15834,40 @@
           <a:p>
             <a:r>
               <a:rPr lang="en-US" dirty="0"/>
-              <a:t>Proof by Contradiction</a:t>
+              <a:t>Start here on Tuesday</a:t>
             </a:r>
           </a:p>
         </p:txBody>
       </p:sp>
-      <mc:AlternateContent xmlns:mc="http://schemas.openxmlformats.org/markup-compatibility/2006" xmlns:a14="http://schemas.microsoft.com/office/drawing/2010/main">
-        <mc:Choice Requires="a14">
-          <p:sp>
-            <p:nvSpPr>
-              <p:cNvPr id="6" name="Content Placeholder 2">
-                <a:extLst>
-                  <a:ext uri="{FF2B5EF4-FFF2-40B4-BE49-F238E27FC236}">
-                    <a16:creationId xmlns:a16="http://schemas.microsoft.com/office/drawing/2014/main" id="{5DFEF51D-F265-61A0-FAE6-BBE496D688A3}"/>
-                  </a:ext>
-                </a:extLst>
-              </p:cNvPr>
-              <p:cNvSpPr>
-                <a:spLocks noGrp="1"/>
-              </p:cNvSpPr>
-              <p:nvPr>
-                <p:ph idx="1"/>
-              </p:nvPr>
-            </p:nvSpPr>
-            <p:spPr>
-              <a:xfrm>
-                <a:off x="3515517" y="728420"/>
-                <a:ext cx="8603673" cy="6129580"/>
-              </a:xfrm>
-            </p:spPr>
-            <p:txBody>
-              <a:bodyPr anchor="t">
-                <a:normAutofit/>
-              </a:bodyPr>
-              <a:lstStyle/>
-              <a:p>
-                <a:pPr marL="0" indent="0">
-                  <a:buNone/>
-                </a:pPr>
-                <a:endParaRPr lang="en-US" sz="2400" dirty="0">
-                  <a:solidFill>
-                    <a:schemeClr val="tx1"/>
-                  </a:solidFill>
-                  <a:latin typeface="Open Sans" panose="020B0606030504020204" pitchFamily="34" charset="0"/>
-                </a:endParaRPr>
-              </a:p>
-              <a:p>
-                <a:pPr marL="0" indent="0">
-                  <a:buNone/>
-                </a:pPr>
-                <a:r>
-                  <a:rPr lang="en-US" sz="2400" dirty="0">
-                    <a:solidFill>
-                      <a:schemeClr val="tx1"/>
-                    </a:solidFill>
-                    <a:latin typeface="Open Sans" panose="020B0606030504020204" pitchFamily="34" charset="0"/>
-                  </a:rPr>
-                  <a:t>To perform a </a:t>
-                </a:r>
-                <a:r>
-                  <a:rPr lang="en-US" sz="2400" b="1" i="1" dirty="0">
-                    <a:solidFill>
-                      <a:schemeClr val="tx1"/>
-                    </a:solidFill>
-                    <a:latin typeface="Open Sans" panose="020B0606030504020204" pitchFamily="34" charset="0"/>
-                  </a:rPr>
-                  <a:t>proof by contradiction</a:t>
-                </a:r>
-                <a:r>
-                  <a:rPr lang="en-US" sz="2400" dirty="0">
-                    <a:solidFill>
-                      <a:schemeClr val="tx1"/>
-                    </a:solidFill>
-                    <a:latin typeface="Open Sans" panose="020B0606030504020204" pitchFamily="34" charset="0"/>
-                  </a:rPr>
-                  <a:t>:</a:t>
-                </a:r>
-                <a:endParaRPr lang="en-US" sz="2200" dirty="0">
-                  <a:solidFill>
-                    <a:schemeClr val="tx1"/>
-                  </a:solidFill>
-                  <a:latin typeface="Open Sans" panose="020B0606030504020204" pitchFamily="34" charset="0"/>
-                </a:endParaRPr>
-              </a:p>
-              <a:p>
-                <a:pPr marL="960120" lvl="1" indent="-457200">
-                  <a:buFont typeface="+mj-lt"/>
-                  <a:buAutoNum type="arabicPeriod"/>
-                </a:pPr>
-                <a:r>
-                  <a:rPr lang="en-US" sz="2200" dirty="0">
-                    <a:solidFill>
-                      <a:schemeClr val="tx1"/>
-                    </a:solidFill>
-                    <a:latin typeface="Open Sans" panose="020B0606030504020204" pitchFamily="34" charset="0"/>
-                  </a:rPr>
-                  <a:t>Assume </a:t>
-                </a:r>
-                <a14:m>
-                  <m:oMath xmlns:m="http://schemas.openxmlformats.org/officeDocument/2006/math">
-                    <m:r>
-                      <a:rPr lang="en-US" sz="2200" i="1" smtClean="0">
-                        <a:solidFill>
-                          <a:schemeClr val="tx1"/>
-                        </a:solidFill>
-                        <a:latin typeface="Cambria Math" panose="02040503050406030204" pitchFamily="18" charset="0"/>
-                        <a:ea typeface="Cambria Math" panose="02040503050406030204" pitchFamily="18" charset="0"/>
-                      </a:rPr>
-                      <m:t>¬</m:t>
-                    </m:r>
-                    <m:r>
-                      <a:rPr lang="en-US" sz="2200" b="0" i="1" smtClean="0">
-                        <a:solidFill>
-                          <a:schemeClr val="tx1"/>
-                        </a:solidFill>
-                        <a:latin typeface="Cambria Math" panose="02040503050406030204" pitchFamily="18" charset="0"/>
-                        <a:ea typeface="Cambria Math" panose="02040503050406030204" pitchFamily="18" charset="0"/>
-                      </a:rPr>
-                      <m:t>𝑃</m:t>
-                    </m:r>
-                  </m:oMath>
-                </a14:m>
-                <a:r>
-                  <a:rPr lang="en-US" sz="2200" dirty="0">
-                    <a:solidFill>
-                      <a:schemeClr val="tx1"/>
-                    </a:solidFill>
-                    <a:latin typeface="Open Sans" panose="020B0606030504020204" pitchFamily="34" charset="0"/>
-                  </a:rPr>
-                  <a:t> is true</a:t>
-                </a:r>
-              </a:p>
-              <a:p>
-                <a:pPr marL="960120" lvl="1" indent="-457200">
-                  <a:buFont typeface="+mj-lt"/>
-                  <a:buAutoNum type="arabicPeriod"/>
-                </a:pPr>
-                <a:r>
-                  <a:rPr lang="en-US" sz="2200" dirty="0">
-                    <a:solidFill>
-                      <a:schemeClr val="tx1"/>
-                    </a:solidFill>
-                    <a:latin typeface="Open Sans" panose="020B0606030504020204" pitchFamily="34" charset="0"/>
-                  </a:rPr>
-                  <a:t>Show that this assumption leads to a contradiction</a:t>
-                </a:r>
-              </a:p>
-              <a:p>
-                <a:pPr marL="960120" lvl="1" indent="-457200">
-                  <a:buFont typeface="+mj-lt"/>
-                  <a:buAutoNum type="arabicPeriod"/>
-                </a:pPr>
-                <a:r>
-                  <a:rPr lang="en-US" sz="2200" dirty="0">
-                    <a:solidFill>
-                      <a:schemeClr val="tx1"/>
-                    </a:solidFill>
-                    <a:latin typeface="Open Sans" panose="020B0606030504020204" pitchFamily="34" charset="0"/>
-                  </a:rPr>
-                  <a:t>As a result, the only conclusion is that </a:t>
-                </a:r>
-                <a14:m>
-                  <m:oMath xmlns:m="http://schemas.openxmlformats.org/officeDocument/2006/math">
-                    <m:r>
-                      <a:rPr lang="en-US" sz="2200" b="0" i="1" smtClean="0">
-                        <a:solidFill>
-                          <a:schemeClr val="tx1"/>
-                        </a:solidFill>
-                        <a:latin typeface="Cambria Math" panose="02040503050406030204" pitchFamily="18" charset="0"/>
-                      </a:rPr>
-                      <m:t>𝑃</m:t>
-                    </m:r>
-                  </m:oMath>
-                </a14:m>
-                <a:r>
-                  <a:rPr lang="en-US" sz="2200" dirty="0">
-                    <a:solidFill>
-                      <a:schemeClr val="tx1"/>
-                    </a:solidFill>
-                    <a:latin typeface="Open Sans" panose="020B0606030504020204" pitchFamily="34" charset="0"/>
-                  </a:rPr>
-                  <a:t> is true </a:t>
-                </a:r>
-              </a:p>
-              <a:p>
-                <a:pPr marL="502920" lvl="1" indent="0">
-                  <a:buNone/>
-                </a:pPr>
-                <a:r>
-                  <a:rPr lang="en-US" sz="2200" dirty="0">
-                    <a:solidFill>
-                      <a:schemeClr val="tx1"/>
-                    </a:solidFill>
-                    <a:latin typeface="Open Sans" panose="020B0606030504020204" pitchFamily="34" charset="0"/>
-                  </a:rPr>
-                  <a:t>	</a:t>
-                </a:r>
-                <a:r>
-                  <a:rPr lang="en-US" sz="2000" dirty="0">
-                    <a:solidFill>
-                      <a:schemeClr val="tx1"/>
-                    </a:solidFill>
-                    <a:latin typeface="Open Sans" panose="020B0606030504020204" pitchFamily="34" charset="0"/>
-                  </a:rPr>
-                  <a:t>(i.e. if it impossible for </a:t>
-                </a:r>
-                <a14:m>
-                  <m:oMath xmlns:m="http://schemas.openxmlformats.org/officeDocument/2006/math">
-                    <m:r>
-                      <a:rPr lang="en-US" sz="2000" b="0" i="1" smtClean="0">
-                        <a:solidFill>
-                          <a:schemeClr val="tx1"/>
-                        </a:solidFill>
-                        <a:latin typeface="Cambria Math" panose="02040503050406030204" pitchFamily="18" charset="0"/>
-                      </a:rPr>
-                      <m:t>𝑃</m:t>
-                    </m:r>
-                  </m:oMath>
-                </a14:m>
-                <a:r>
-                  <a:rPr lang="en-US" sz="2000" dirty="0">
-                    <a:solidFill>
-                      <a:schemeClr val="tx1"/>
-                    </a:solidFill>
-                    <a:latin typeface="Open Sans" panose="020B0606030504020204" pitchFamily="34" charset="0"/>
-                  </a:rPr>
-                  <a:t> to be false, we know it must be 	true)</a:t>
-                </a:r>
-                <a:endParaRPr lang="en-US" sz="2200" dirty="0">
-                  <a:solidFill>
-                    <a:schemeClr val="tx1"/>
-                  </a:solidFill>
-                  <a:latin typeface="Open Sans" panose="020B0606030504020204" pitchFamily="34" charset="0"/>
-                </a:endParaRPr>
-              </a:p>
-            </p:txBody>
-          </p:sp>
-        </mc:Choice>
-        <mc:Fallback xmlns="">
-          <p:sp>
-            <p:nvSpPr>
-              <p:cNvPr id="6" name="Content Placeholder 2">
-                <a:extLst>
-                  <a:ext uri="{FF2B5EF4-FFF2-40B4-BE49-F238E27FC236}">
-                    <a16:creationId xmlns:a16="http://schemas.microsoft.com/office/drawing/2014/main" id="{5DFEF51D-F265-61A0-FAE6-BBE496D688A3}"/>
-                  </a:ext>
-                </a:extLst>
-              </p:cNvPr>
-              <p:cNvSpPr>
-                <a:spLocks noGrp="1" noRot="1" noChangeAspect="1" noMove="1" noResize="1" noEditPoints="1" noAdjustHandles="1" noChangeArrowheads="1" noChangeShapeType="1" noTextEdit="1"/>
-              </p:cNvSpPr>
-              <p:nvPr>
-                <p:ph idx="1"/>
-              </p:nvPr>
-            </p:nvSpPr>
-            <p:spPr>
-              <a:xfrm>
-                <a:off x="3515517" y="728420"/>
-                <a:ext cx="8603673" cy="6129580"/>
-              </a:xfrm>
-              <a:blipFill>
-                <a:blip r:embed="rId3"/>
-                <a:stretch>
-                  <a:fillRect l="-1031"/>
-                </a:stretch>
-              </a:blipFill>
-            </p:spPr>
-            <p:txBody>
-              <a:bodyPr/>
-              <a:lstStyle/>
-              <a:p>
-                <a:r>
-                  <a:rPr lang="en-US">
-                    <a:noFill/>
-                  </a:rPr>
-                  <a:t> </a:t>
-                </a:r>
-              </a:p>
-            </p:txBody>
-          </p:sp>
-        </mc:Fallback>
-      </mc:AlternateContent>
-      <mc:AlternateContent xmlns:mc="http://schemas.openxmlformats.org/markup-compatibility/2006">
-        <mc:Choice xmlns:a14="http://schemas.microsoft.com/office/drawing/2010/main" Requires="a14">
-          <p:sp>
-            <p:nvSpPr>
-              <p:cNvPr id="3" name="Rounded Rectangle 2">
-                <a:extLst>
-                  <a:ext uri="{FF2B5EF4-FFF2-40B4-BE49-F238E27FC236}">
-                    <a16:creationId xmlns:a16="http://schemas.microsoft.com/office/drawing/2014/main" id="{38B02B74-7869-3B7A-B077-A3E3668E0719}"/>
-                  </a:ext>
-                </a:extLst>
-              </p:cNvPr>
-              <p:cNvSpPr/>
-              <p:nvPr/>
-            </p:nvSpPr>
-            <p:spPr>
-              <a:xfrm>
-                <a:off x="3515518" y="4463512"/>
-                <a:ext cx="8180288" cy="2138766"/>
-              </a:xfrm>
-              <a:prstGeom prst="roundRect">
-                <a:avLst/>
-              </a:prstGeom>
-            </p:spPr>
-            <p:style>
-              <a:lnRef idx="2">
-                <a:schemeClr val="accent5">
-                  <a:shade val="15000"/>
-                </a:schemeClr>
-              </a:lnRef>
-              <a:fillRef idx="1">
-                <a:schemeClr val="accent5"/>
-              </a:fillRef>
-              <a:effectRef idx="0">
-                <a:schemeClr val="accent5"/>
-              </a:effectRef>
-              <a:fontRef idx="minor">
-                <a:schemeClr val="lt1"/>
-              </a:fontRef>
-            </p:style>
-            <p:txBody>
-              <a:bodyPr rtlCol="0" anchor="t"/>
-              <a:lstStyle/>
-              <a:p>
-                <a:r>
-                  <a:rPr lang="en-US" sz="2400" b="1" dirty="0"/>
-                  <a:t>Practice</a:t>
-                </a:r>
-                <a:r>
-                  <a:rPr lang="en-US" sz="2400" dirty="0"/>
-                  <a:t>: Prove the following…</a:t>
-                </a:r>
-              </a:p>
-              <a:p>
-                <a:endParaRPr lang="en-US" sz="2400" dirty="0"/>
-              </a:p>
-              <a:p>
-                <a:r>
-                  <a:rPr lang="en-US" sz="2400" b="1" i="1" dirty="0"/>
-                  <a:t>Pigeonhole principle</a:t>
-                </a:r>
-                <a:r>
-                  <a:rPr lang="en-US" sz="2400" dirty="0"/>
-                  <a:t>: If more than </a:t>
-                </a:r>
-                <a14:m>
-                  <m:oMath xmlns:m="http://schemas.openxmlformats.org/officeDocument/2006/math">
-                    <m:r>
-                      <a:rPr lang="en-US" sz="2400" b="0" i="1" smtClean="0">
-                        <a:latin typeface="Cambria Math" panose="02040503050406030204" pitchFamily="18" charset="0"/>
-                      </a:rPr>
-                      <m:t>𝑛</m:t>
-                    </m:r>
-                  </m:oMath>
-                </a14:m>
-                <a:r>
-                  <a:rPr lang="en-US" sz="2400" b="0" i="0" dirty="0">
-                    <a:solidFill>
-                      <a:srgbClr val="000000"/>
-                    </a:solidFill>
-                    <a:effectLst/>
-                    <a:latin typeface="Open Sans" panose="020B0606030504020204" pitchFamily="34" charset="0"/>
-                  </a:rPr>
-                  <a:t> </a:t>
-                </a:r>
-                <a:r>
-                  <a:rPr lang="en-US" sz="2400" dirty="0"/>
-                  <a:t>pigeons fly into </a:t>
-                </a:r>
-                <a14:m>
-                  <m:oMath xmlns:m="http://schemas.openxmlformats.org/officeDocument/2006/math">
-                    <m:r>
-                      <a:rPr lang="en-US" sz="2400"/>
-                      <m:t>𝑛</m:t>
-                    </m:r>
-                  </m:oMath>
-                </a14:m>
-                <a:r>
-                  <a:rPr lang="en-US" sz="2400" dirty="0"/>
-                  <a:t> pigeonholes, than at least one pigeonhole will contain at least two pigeons. </a:t>
-                </a:r>
-              </a:p>
-            </p:txBody>
-          </p:sp>
-        </mc:Choice>
-        <mc:Fallback>
-          <p:sp>
-            <p:nvSpPr>
-              <p:cNvPr id="3" name="Rounded Rectangle 2">
-                <a:extLst>
-                  <a:ext uri="{FF2B5EF4-FFF2-40B4-BE49-F238E27FC236}">
-                    <a16:creationId xmlns:a16="http://schemas.microsoft.com/office/drawing/2014/main" id="{38B02B74-7869-3B7A-B077-A3E3668E0719}"/>
-                  </a:ext>
-                </a:extLst>
-              </p:cNvPr>
-              <p:cNvSpPr>
-                <a:spLocks noRot="1" noChangeAspect="1" noMove="1" noResize="1" noEditPoints="1" noAdjustHandles="1" noChangeArrowheads="1" noChangeShapeType="1" noTextEdit="1"/>
-              </p:cNvSpPr>
-              <p:nvPr/>
-            </p:nvSpPr>
-            <p:spPr>
-              <a:xfrm>
-                <a:off x="3515518" y="4463512"/>
-                <a:ext cx="8180288" cy="2138766"/>
-              </a:xfrm>
-              <a:prstGeom prst="roundRect">
-                <a:avLst/>
-              </a:prstGeom>
-              <a:blipFill>
-                <a:blip r:embed="rId4"/>
-                <a:stretch>
-                  <a:fillRect b="-1170"/>
-                </a:stretch>
-              </a:blipFill>
-            </p:spPr>
-            <p:txBody>
-              <a:bodyPr/>
-              <a:lstStyle/>
-              <a:p>
-                <a:r>
-                  <a:rPr lang="en-US">
-                    <a:noFill/>
-                  </a:rPr>
-                  <a:t> </a:t>
-                </a:r>
-              </a:p>
-            </p:txBody>
-          </p:sp>
-        </mc:Fallback>
-      </mc:AlternateContent>
+      <p:sp>
+        <p:nvSpPr>
+          <p:cNvPr id="3" name="Text Placeholder 2">
+            <a:extLst>
+              <a:ext uri="{FF2B5EF4-FFF2-40B4-BE49-F238E27FC236}">
+                <a16:creationId xmlns:a16="http://schemas.microsoft.com/office/drawing/2014/main" id="{3FB99319-8528-E3CF-3AA6-8E7702C7AD87}"/>
+              </a:ext>
+            </a:extLst>
+          </p:cNvPr>
+          <p:cNvSpPr>
+            <a:spLocks noGrp="1"/>
+          </p:cNvSpPr>
+          <p:nvPr>
+            <p:ph type="body" idx="1"/>
+          </p:nvPr>
+        </p:nvSpPr>
+        <p:spPr/>
+        <p:txBody>
+          <a:bodyPr/>
+          <a:lstStyle/>
+          <a:p>
+            <a:endParaRPr lang="en-US"/>
+          </a:p>
+        </p:txBody>
+      </p:sp>
     </p:spTree>
     <p:extLst>
       <p:ext uri="{BB962C8B-B14F-4D97-AF65-F5344CB8AC3E}">
-        <p14:creationId xmlns:p14="http://schemas.microsoft.com/office/powerpoint/2010/main" val="1298222862"/>
+        <p14:creationId xmlns:p14="http://schemas.microsoft.com/office/powerpoint/2010/main" val="3526871414"/>
       </p:ext>
     </p:extLst>
   </p:cSld>
@@ -16304,7 +15911,7 @@
           <a:p>
             <a:r>
               <a:rPr lang="en-US" dirty="0"/>
-              <a:t>Pigeonhole Principle</a:t>
+              <a:t>Proof by Contradiction</a:t>
             </a:r>
           </a:p>
         </p:txBody>
@@ -16342,64 +15949,6 @@
                 <a:pPr marL="0" indent="0">
                   <a:buNone/>
                 </a:pPr>
-                <a:r>
-                  <a:rPr lang="en-US" sz="2400" dirty="0">
-                    <a:solidFill>
-                      <a:schemeClr val="tx1"/>
-                    </a:solidFill>
-                    <a:latin typeface="Open Sans" panose="020B0606030504020204" pitchFamily="34" charset="0"/>
-                  </a:rPr>
-                  <a:t>If more than </a:t>
-                </a:r>
-                <a14:m>
-                  <m:oMath xmlns:m="http://schemas.openxmlformats.org/officeDocument/2006/math">
-                    <m:r>
-                      <a:rPr lang="en-US" sz="2400">
-                        <a:solidFill>
-                          <a:schemeClr val="tx1"/>
-                        </a:solidFill>
-                        <a:latin typeface="Open Sans" panose="020B0606030504020204" pitchFamily="34" charset="0"/>
-                      </a:rPr>
-                      <m:t>𝑛</m:t>
-                    </m:r>
-                  </m:oMath>
-                </a14:m>
-                <a:r>
-                  <a:rPr lang="en-US" sz="2400" dirty="0">
-                    <a:solidFill>
-                      <a:schemeClr val="tx1"/>
-                    </a:solidFill>
-                    <a:latin typeface="Open Sans" panose="020B0606030504020204" pitchFamily="34" charset="0"/>
-                  </a:rPr>
-                  <a:t> pigeons fly into </a:t>
-                </a:r>
-                <a14:m>
-                  <m:oMath xmlns:m="http://schemas.openxmlformats.org/officeDocument/2006/math">
-                    <m:r>
-                      <a:rPr lang="en-US" sz="2400">
-                        <a:solidFill>
-                          <a:schemeClr val="tx1"/>
-                        </a:solidFill>
-                        <a:latin typeface="Open Sans" panose="020B0606030504020204" pitchFamily="34" charset="0"/>
-                      </a:rPr>
-                      <m:t>𝑛</m:t>
-                    </m:r>
-                  </m:oMath>
-                </a14:m>
-                <a:r>
-                  <a:rPr lang="en-US" sz="2400" dirty="0">
-                    <a:solidFill>
-                      <a:schemeClr val="tx1"/>
-                    </a:solidFill>
-                    <a:latin typeface="Open Sans" panose="020B0606030504020204" pitchFamily="34" charset="0"/>
-                  </a:rPr>
-                  <a:t> pigeonholes, than at least one pigeonhole will contain at least two pigeons.</a:t>
-                </a:r>
-              </a:p>
-              <a:p>
-                <a:pPr marL="0" indent="0">
-                  <a:buNone/>
-                </a:pPr>
                 <a:endParaRPr lang="en-US" sz="2400" dirty="0">
                   <a:solidFill>
                     <a:schemeClr val="tx1"/>
@@ -16418,14 +15967,178 @@
                     </a:solidFill>
                     <a:latin typeface="Open Sans" panose="020B0606030504020204" pitchFamily="34" charset="0"/>
                   </a:rPr>
-                  <a:t>This principle comes up often in proofs. Now that you’ve proven it, you can use it as justification in other proofs.</a:t>
-                </a:r>
-              </a:p>
-              <a:p>
-                <a:pPr marL="0" indent="0">
+                  <a:t>To perform a </a:t>
+                </a:r>
+                <a:r>
+                  <a:rPr lang="en-US" sz="2400" b="1" i="1" dirty="0">
+                    <a:solidFill>
+                      <a:schemeClr val="tx1"/>
+                    </a:solidFill>
+                    <a:latin typeface="Open Sans" panose="020B0606030504020204" pitchFamily="34" charset="0"/>
+                  </a:rPr>
+                  <a:t>proof by contradiction</a:t>
+                </a:r>
+                <a:r>
+                  <a:rPr lang="en-US" sz="2000" dirty="0">
+                    <a:solidFill>
+                      <a:schemeClr val="tx1"/>
+                    </a:solidFill>
+                    <a:latin typeface="Open Sans" panose="020B0606030504020204" pitchFamily="34" charset="0"/>
+                  </a:rPr>
+                  <a:t> (on P):</a:t>
+                </a:r>
+                <a:endParaRPr lang="en-US" sz="2200" dirty="0">
+                  <a:solidFill>
+                    <a:schemeClr val="tx1"/>
+                  </a:solidFill>
+                  <a:latin typeface="Open Sans" panose="020B0606030504020204" pitchFamily="34" charset="0"/>
+                </a:endParaRPr>
+              </a:p>
+              <a:p>
+                <a:pPr marL="960120" lvl="1" indent="-457200">
+                  <a:buFont typeface="+mj-lt"/>
+                  <a:buAutoNum type="arabicPeriod"/>
+                </a:pPr>
+                <a:r>
+                  <a:rPr lang="en-US" sz="2200" dirty="0">
+                    <a:solidFill>
+                      <a:schemeClr val="tx1"/>
+                    </a:solidFill>
+                    <a:latin typeface="Open Sans" panose="020B0606030504020204" pitchFamily="34" charset="0"/>
+                  </a:rPr>
+                  <a:t>Assume </a:t>
+                </a:r>
+                <a14:m>
+                  <m:oMath xmlns:m="http://schemas.openxmlformats.org/officeDocument/2006/math">
+                    <m:r>
+                      <a:rPr lang="en-US" sz="2200" i="1" smtClean="0">
+                        <a:solidFill>
+                          <a:schemeClr val="tx1"/>
+                        </a:solidFill>
+                        <a:latin typeface="Cambria Math" panose="02040503050406030204" pitchFamily="18" charset="0"/>
+                        <a:ea typeface="Cambria Math" panose="02040503050406030204" pitchFamily="18" charset="0"/>
+                      </a:rPr>
+                      <m:t>¬</m:t>
+                    </m:r>
+                    <m:r>
+                      <a:rPr lang="en-US" sz="2200" b="0" i="1" smtClean="0">
+                        <a:solidFill>
+                          <a:schemeClr val="tx1"/>
+                        </a:solidFill>
+                        <a:latin typeface="Cambria Math" panose="02040503050406030204" pitchFamily="18" charset="0"/>
+                        <a:ea typeface="Cambria Math" panose="02040503050406030204" pitchFamily="18" charset="0"/>
+                      </a:rPr>
+                      <m:t>𝑃</m:t>
+                    </m:r>
+                  </m:oMath>
+                </a14:m>
+                <a:r>
+                  <a:rPr lang="en-US" sz="2200" dirty="0">
+                    <a:solidFill>
+                      <a:schemeClr val="tx1"/>
+                    </a:solidFill>
+                    <a:latin typeface="Open Sans" panose="020B0606030504020204" pitchFamily="34" charset="0"/>
+                  </a:rPr>
+                  <a:t> is true</a:t>
+                </a:r>
+              </a:p>
+              <a:p>
+                <a:pPr marL="960120" lvl="1" indent="-457200">
+                  <a:buFont typeface="+mj-lt"/>
+                  <a:buAutoNum type="arabicPeriod"/>
+                </a:pPr>
+                <a:r>
+                  <a:rPr lang="en-US" sz="2200" dirty="0">
+                    <a:solidFill>
+                      <a:schemeClr val="tx1"/>
+                    </a:solidFill>
+                    <a:latin typeface="Open Sans" panose="020B0606030504020204" pitchFamily="34" charset="0"/>
+                  </a:rPr>
+                  <a:t>Show that this assumption leads to a contradiction</a:t>
+                </a:r>
+              </a:p>
+              <a:p>
+                <a:pPr marL="960120" lvl="1" indent="-457200">
+                  <a:buFont typeface="+mj-lt"/>
+                  <a:buAutoNum type="arabicPeriod"/>
+                </a:pPr>
+                <a:r>
+                  <a:rPr lang="en-US" sz="2200" dirty="0">
+                    <a:solidFill>
+                      <a:schemeClr val="tx1"/>
+                    </a:solidFill>
+                    <a:latin typeface="Open Sans" panose="020B0606030504020204" pitchFamily="34" charset="0"/>
+                  </a:rPr>
+                  <a:t>As a result, the only conclusion is that </a:t>
+                </a:r>
+                <a14:m>
+                  <m:oMath xmlns:m="http://schemas.openxmlformats.org/officeDocument/2006/math">
+                    <m:r>
+                      <a:rPr lang="en-US" sz="2200" b="0" i="1" smtClean="0">
+                        <a:solidFill>
+                          <a:schemeClr val="tx1"/>
+                        </a:solidFill>
+                        <a:latin typeface="Cambria Math" panose="02040503050406030204" pitchFamily="18" charset="0"/>
+                      </a:rPr>
+                      <m:t>𝑃</m:t>
+                    </m:r>
+                  </m:oMath>
+                </a14:m>
+                <a:r>
+                  <a:rPr lang="en-US" sz="2200" dirty="0">
+                    <a:solidFill>
+                      <a:schemeClr val="tx1"/>
+                    </a:solidFill>
+                    <a:latin typeface="Open Sans" panose="020B0606030504020204" pitchFamily="34" charset="0"/>
+                  </a:rPr>
+                  <a:t> is true </a:t>
+                </a:r>
+              </a:p>
+              <a:p>
+                <a:pPr marL="502920" lvl="1" indent="0">
                   <a:buNone/>
                 </a:pPr>
-                <a:endParaRPr lang="en-US" sz="2400" dirty="0">
+                <a:r>
+                  <a:rPr lang="en-US" sz="2200" dirty="0">
+                    <a:solidFill>
+                      <a:schemeClr val="tx1"/>
+                    </a:solidFill>
+                    <a:latin typeface="Open Sans" panose="020B0606030504020204" pitchFamily="34" charset="0"/>
+                  </a:rPr>
+                  <a:t>	</a:t>
+                </a:r>
+                <a:r>
+                  <a:rPr lang="en-US" sz="2000" dirty="0">
+                    <a:solidFill>
+                      <a:schemeClr val="tx1"/>
+                    </a:solidFill>
+                    <a:latin typeface="Open Sans" panose="020B0606030504020204" pitchFamily="34" charset="0"/>
+                  </a:rPr>
+                  <a:t>(i.e. if it impossible for </a:t>
+                </a:r>
+                <a14:m>
+                  <m:oMath xmlns:m="http://schemas.openxmlformats.org/officeDocument/2006/math">
+                    <m:r>
+                      <a:rPr lang="en-US" sz="2000" b="0" i="1" smtClean="0">
+                        <a:solidFill>
+                          <a:schemeClr val="tx1"/>
+                        </a:solidFill>
+                        <a:latin typeface="Cambria Math" panose="02040503050406030204" pitchFamily="18" charset="0"/>
+                      </a:rPr>
+                      <m:t>𝑃</m:t>
+                    </m:r>
+                  </m:oMath>
+                </a14:m>
+                <a:r>
+                  <a:rPr lang="en-US" sz="2000" dirty="0">
+                    <a:solidFill>
+                      <a:schemeClr val="tx1"/>
+                    </a:solidFill>
+                    <a:latin typeface="Open Sans" panose="020B0606030504020204" pitchFamily="34" charset="0"/>
+                  </a:rPr>
+                  <a:t> to be false, we know it must be 	true)</a:t>
+                </a:r>
+                <a:endParaRPr lang="en-US" sz="2200" dirty="0">
                   <a:solidFill>
                     <a:schemeClr val="tx1"/>
                   </a:solidFill>
@@ -16460,7 +16173,158 @@
               <a:blipFill>
                 <a:blip r:embed="rId3"/>
                 <a:stretch>
-                  <a:fillRect l="-1031" t="-1449" r="-147"/>
+                  <a:fillRect l="-1031"/>
+                </a:stretch>
+              </a:blipFill>
+            </p:spPr>
+            <p:txBody>
+              <a:bodyPr/>
+              <a:lstStyle/>
+              <a:p>
+                <a:r>
+                  <a:rPr lang="en-US">
+                    <a:noFill/>
+                  </a:rPr>
+                  <a:t> </a:t>
+                </a:r>
+              </a:p>
+            </p:txBody>
+          </p:sp>
+        </mc:Fallback>
+      </mc:AlternateContent>
+      <mc:AlternateContent xmlns:mc="http://schemas.openxmlformats.org/markup-compatibility/2006" xmlns:a14="http://schemas.microsoft.com/office/drawing/2010/main">
+        <mc:Choice Requires="a14">
+          <p:sp>
+            <p:nvSpPr>
+              <p:cNvPr id="3" name="Rounded Rectangle 2">
+                <a:extLst>
+                  <a:ext uri="{FF2B5EF4-FFF2-40B4-BE49-F238E27FC236}">
+                    <a16:creationId xmlns:a16="http://schemas.microsoft.com/office/drawing/2014/main" id="{38B02B74-7869-3B7A-B077-A3E3668E0719}"/>
+                  </a:ext>
+                </a:extLst>
+              </p:cNvPr>
+              <p:cNvSpPr/>
+              <p:nvPr/>
+            </p:nvSpPr>
+            <p:spPr>
+              <a:xfrm>
+                <a:off x="3515518" y="4463512"/>
+                <a:ext cx="8180288" cy="2138766"/>
+              </a:xfrm>
+              <a:prstGeom prst="roundRect">
+                <a:avLst/>
+              </a:prstGeom>
+            </p:spPr>
+            <p:style>
+              <a:lnRef idx="2">
+                <a:schemeClr val="accent5">
+                  <a:shade val="15000"/>
+                </a:schemeClr>
+              </a:lnRef>
+              <a:fillRef idx="1">
+                <a:schemeClr val="accent5"/>
+              </a:fillRef>
+              <a:effectRef idx="0">
+                <a:schemeClr val="accent5"/>
+              </a:effectRef>
+              <a:fontRef idx="minor">
+                <a:schemeClr val="lt1"/>
+              </a:fontRef>
+            </p:style>
+            <p:txBody>
+              <a:bodyPr rtlCol="0" anchor="t"/>
+              <a:lstStyle/>
+              <a:p>
+                <a:r>
+                  <a:rPr lang="en-US" sz="2400" b="1" dirty="0"/>
+                  <a:t>Practice</a:t>
+                </a:r>
+                <a:r>
+                  <a:rPr lang="en-US" sz="2400" dirty="0"/>
+                  <a:t>: Prove the following…</a:t>
+                </a:r>
+              </a:p>
+              <a:p>
+                <a:endParaRPr lang="en-US" sz="2400" dirty="0"/>
+              </a:p>
+              <a:p>
+                <a:r>
+                  <a:rPr lang="en-US" sz="2400" b="1" i="1" dirty="0"/>
+                  <a:t>Pigeonhole principle</a:t>
+                </a:r>
+                <a:r>
+                  <a:rPr lang="en-US" sz="2400" dirty="0"/>
+                  <a:t>: If more than </a:t>
+                </a:r>
+                <a14:m>
+                  <m:oMath xmlns:m="http://schemas.openxmlformats.org/officeDocument/2006/math">
+                    <m:r>
+                      <a:rPr lang="en-US" sz="2400" b="0" i="1" smtClean="0">
+                        <a:latin typeface="Cambria Math" panose="02040503050406030204" pitchFamily="18" charset="0"/>
+                      </a:rPr>
+                      <m:t>𝑛</m:t>
+                    </m:r>
+                  </m:oMath>
+                </a14:m>
+                <a:r>
+                  <a:rPr lang="en-US" sz="2400" b="0" i="0" dirty="0">
+                    <a:solidFill>
+                      <a:srgbClr val="000000"/>
+                    </a:solidFill>
+                    <a:effectLst/>
+                    <a:latin typeface="Open Sans" panose="020B0606030504020204" pitchFamily="34" charset="0"/>
+                  </a:rPr>
+                  <a:t> </a:t>
+                </a:r>
+                <a:r>
+                  <a:rPr lang="en-US" sz="2400" dirty="0"/>
+                  <a:t>pigeons fly into </a:t>
+                </a:r>
+                <a14:m>
+                  <m:oMath xmlns:m="http://schemas.openxmlformats.org/officeDocument/2006/math">
+                    <m:r>
+                      <a:rPr lang="en-US" sz="2400">
+                        <a:latin typeface="Cambria Math" panose="02040503050406030204" pitchFamily="18" charset="0"/>
+                      </a:rPr>
+                      <m:t>𝑛</m:t>
+                    </m:r>
+                  </m:oMath>
+                </a14:m>
+                <a:r>
+                  <a:rPr lang="en-US" sz="2400" dirty="0"/>
+                  <a:t> pigeonholes, than at least one pigeonhole will contain at least two pigeons. </a:t>
+                </a:r>
+              </a:p>
+            </p:txBody>
+          </p:sp>
+        </mc:Choice>
+        <mc:Fallback xmlns="">
+          <p:sp>
+            <p:nvSpPr>
+              <p:cNvPr id="3" name="Rounded Rectangle 2">
+                <a:extLst>
+                  <a:ext uri="{FF2B5EF4-FFF2-40B4-BE49-F238E27FC236}">
+                    <a16:creationId xmlns:a16="http://schemas.microsoft.com/office/drawing/2014/main" id="{38B02B74-7869-3B7A-B077-A3E3668E0719}"/>
+                  </a:ext>
+                </a:extLst>
+              </p:cNvPr>
+              <p:cNvSpPr>
+                <a:spLocks noRot="1" noChangeAspect="1" noMove="1" noResize="1" noEditPoints="1" noAdjustHandles="1" noChangeArrowheads="1" noChangeShapeType="1" noTextEdit="1"/>
+              </p:cNvSpPr>
+              <p:nvPr/>
+            </p:nvSpPr>
+            <p:spPr>
+              <a:xfrm>
+                <a:off x="3515518" y="4463512"/>
+                <a:ext cx="8180288" cy="2138766"/>
+              </a:xfrm>
+              <a:prstGeom prst="roundRect">
+                <a:avLst/>
+              </a:prstGeom>
+              <a:blipFill>
+                <a:blip r:embed="rId4"/>
+                <a:stretch>
+                  <a:fillRect b="-1170"/>
                 </a:stretch>
               </a:blipFill>
             </p:spPr>
@@ -16482,7 +16346,7 @@
     </p:spTree>
     <p:extLst>
       <p:ext uri="{BB962C8B-B14F-4D97-AF65-F5344CB8AC3E}">
-        <p14:creationId xmlns:p14="http://schemas.microsoft.com/office/powerpoint/2010/main" val="4226153303"/>
+        <p14:creationId xmlns:p14="http://schemas.microsoft.com/office/powerpoint/2010/main" val="1298222862"/>
       </p:ext>
     </p:extLst>
   </p:cSld>
@@ -16531,8 +16395,8 @@
           </a:p>
         </p:txBody>
       </p:sp>
-      <mc:AlternateContent xmlns:mc="http://schemas.openxmlformats.org/markup-compatibility/2006">
-        <mc:Choice xmlns:a14="http://schemas.microsoft.com/office/drawing/2010/main" Requires="a14">
+      <mc:AlternateContent xmlns:mc="http://schemas.openxmlformats.org/markup-compatibility/2006" xmlns:a14="http://schemas.microsoft.com/office/drawing/2010/main">
+        <mc:Choice Requires="a14">
           <p:sp>
             <p:nvSpPr>
               <p:cNvPr id="6" name="Content Placeholder 2">
@@ -16580,7 +16444,7 @@
                         <a:solidFill>
                           <a:schemeClr val="tx1"/>
                         </a:solidFill>
-                        <a:latin typeface="Open Sans" panose="020B0606030504020204" pitchFamily="34" charset="0"/>
+                        <a:latin typeface="Cambria Math" panose="02040503050406030204" pitchFamily="18" charset="0"/>
                       </a:rPr>
                       <m:t>𝑛</m:t>
                     </m:r>
@@ -16602,7 +16466,7 @@
                         <a:solidFill>
                           <a:schemeClr val="tx1"/>
                         </a:solidFill>
-                        <a:latin typeface="Open Sans" panose="020B0606030504020204" pitchFamily="34" charset="0"/>
+                        <a:latin typeface="Cambria Math" panose="02040503050406030204" pitchFamily="18" charset="0"/>
                       </a:rPr>
                       <m:t>𝑛</m:t>
                     </m:r>
@@ -16654,6 +16518,134 @@
                   <a:latin typeface="Open Sans" panose="020B0606030504020204" pitchFamily="34" charset="0"/>
                 </a:endParaRPr>
               </a:p>
+            </p:txBody>
+          </p:sp>
+        </mc:Choice>
+        <mc:Fallback xmlns="">
+          <p:sp>
+            <p:nvSpPr>
+              <p:cNvPr id="6" name="Content Placeholder 2">
+                <a:extLst>
+                  <a:ext uri="{FF2B5EF4-FFF2-40B4-BE49-F238E27FC236}">
+                    <a16:creationId xmlns:a16="http://schemas.microsoft.com/office/drawing/2014/main" id="{5DFEF51D-F265-61A0-FAE6-BBE496D688A3}"/>
+                  </a:ext>
+                </a:extLst>
+              </p:cNvPr>
+              <p:cNvSpPr>
+                <a:spLocks noGrp="1" noRot="1" noChangeAspect="1" noMove="1" noResize="1" noEditPoints="1" noAdjustHandles="1" noChangeArrowheads="1" noChangeShapeType="1" noTextEdit="1"/>
+              </p:cNvSpPr>
+              <p:nvPr>
+                <p:ph idx="1"/>
+              </p:nvPr>
+            </p:nvSpPr>
+            <p:spPr>
+              <a:xfrm>
+                <a:off x="3515517" y="728420"/>
+                <a:ext cx="8603673" cy="6129580"/>
+              </a:xfrm>
+              <a:blipFill>
+                <a:blip r:embed="rId3"/>
+                <a:stretch>
+                  <a:fillRect l="-1031" t="-1449" r="-147"/>
+                </a:stretch>
+              </a:blipFill>
+            </p:spPr>
+            <p:txBody>
+              <a:bodyPr/>
+              <a:lstStyle/>
+              <a:p>
+                <a:r>
+                  <a:rPr lang="en-US">
+                    <a:noFill/>
+                  </a:rPr>
+                  <a:t> </a:t>
+                </a:r>
+              </a:p>
+            </p:txBody>
+          </p:sp>
+        </mc:Fallback>
+      </mc:AlternateContent>
+    </p:spTree>
+    <p:extLst>
+      <p:ext uri="{BB962C8B-B14F-4D97-AF65-F5344CB8AC3E}">
+        <p14:creationId xmlns:p14="http://schemas.microsoft.com/office/powerpoint/2010/main" val="4226153303"/>
+      </p:ext>
+    </p:extLst>
+  </p:cSld>
+  <p:clrMapOvr>
+    <a:masterClrMapping/>
+  </p:clrMapOvr>
+</p:sld>
+</file>
+
+<file path=ppt/slides/slide24.xml><?xml version="1.0" encoding="utf-8"?>
+<p:sld xmlns:a="http://schemas.openxmlformats.org/drawingml/2006/main" xmlns:r="http://schemas.openxmlformats.org/officeDocument/2006/relationships" xmlns:p="http://schemas.openxmlformats.org/presentationml/2006/main">
+  <p:cSld>
+    <p:spTree>
+      <p:nvGrpSpPr>
+        <p:cNvPr id="1" name=""/>
+        <p:cNvGrpSpPr/>
+        <p:nvPr/>
+      </p:nvGrpSpPr>
+      <p:grpSpPr>
+        <a:xfrm>
+          <a:off x="0" y="0"/>
+          <a:ext cx="0" cy="0"/>
+          <a:chOff x="0" y="0"/>
+          <a:chExt cx="0" cy="0"/>
+        </a:xfrm>
+      </p:grpSpPr>
+      <p:sp>
+        <p:nvSpPr>
+          <p:cNvPr id="2" name="Title 1"/>
+          <p:cNvSpPr>
+            <a:spLocks noGrp="1"/>
+          </p:cNvSpPr>
+          <p:nvPr>
+            <p:ph type="title"/>
+          </p:nvPr>
+        </p:nvSpPr>
+        <p:spPr/>
+        <p:txBody>
+          <a:bodyPr/>
+          <a:lstStyle/>
+          <a:p>
+            <a:r>
+              <a:rPr lang="en-US" dirty="0"/>
+              <a:t>Pigeonhole Principle</a:t>
+            </a:r>
+          </a:p>
+        </p:txBody>
+      </p:sp>
+      <mc:AlternateContent xmlns:mc="http://schemas.openxmlformats.org/markup-compatibility/2006" xmlns:a14="http://schemas.microsoft.com/office/drawing/2010/main">
+        <mc:Choice Requires="a14">
+          <p:sp>
+            <p:nvSpPr>
+              <p:cNvPr id="6" name="Content Placeholder 2">
+                <a:extLst>
+                  <a:ext uri="{FF2B5EF4-FFF2-40B4-BE49-F238E27FC236}">
+                    <a16:creationId xmlns:a16="http://schemas.microsoft.com/office/drawing/2014/main" id="{5DFEF51D-F265-61A0-FAE6-BBE496D688A3}"/>
+                  </a:ext>
+                </a:extLst>
+              </p:cNvPr>
+              <p:cNvSpPr>
+                <a:spLocks noGrp="1"/>
+              </p:cNvSpPr>
+              <p:nvPr>
+                <p:ph idx="1"/>
+              </p:nvPr>
+            </p:nvSpPr>
+            <p:spPr>
+              <a:xfrm>
+                <a:off x="3515517" y="728420"/>
+                <a:ext cx="8603673" cy="6129580"/>
+              </a:xfrm>
+            </p:spPr>
+            <p:txBody>
+              <a:bodyPr anchor="t">
+                <a:normAutofit/>
+              </a:bodyPr>
+              <a:lstStyle/>
               <a:p>
                 <a:pPr marL="0" indent="0">
                   <a:buNone/>
@@ -16665,13 +16657,107 @@
                     </a:solidFill>
                     <a:latin typeface="Open Sans" panose="020B0606030504020204" pitchFamily="34" charset="0"/>
                   </a:rPr>
+                  <a:t>If more than </a:t>
+                </a:r>
+                <a14:m>
+                  <m:oMath xmlns:m="http://schemas.openxmlformats.org/officeDocument/2006/math">
+                    <m:r>
+                      <a:rPr lang="en-US" sz="2400">
+                        <a:solidFill>
+                          <a:schemeClr val="tx1"/>
+                        </a:solidFill>
+                        <a:latin typeface="Cambria Math" panose="02040503050406030204" pitchFamily="18" charset="0"/>
+                      </a:rPr>
+                      <m:t>𝑛</m:t>
+                    </m:r>
+                  </m:oMath>
+                </a14:m>
+                <a:r>
+                  <a:rPr lang="en-US" sz="2400" dirty="0">
+                    <a:solidFill>
+                      <a:schemeClr val="tx1"/>
+                    </a:solidFill>
+                    <a:latin typeface="Open Sans" panose="020B0606030504020204" pitchFamily="34" charset="0"/>
+                  </a:rPr>
+                  <a:t> pigeons fly into </a:t>
+                </a:r>
+                <a14:m>
+                  <m:oMath xmlns:m="http://schemas.openxmlformats.org/officeDocument/2006/math">
+                    <m:r>
+                      <a:rPr lang="en-US" sz="2400">
+                        <a:solidFill>
+                          <a:schemeClr val="tx1"/>
+                        </a:solidFill>
+                        <a:latin typeface="Cambria Math" panose="02040503050406030204" pitchFamily="18" charset="0"/>
+                      </a:rPr>
+                      <m:t>𝑛</m:t>
+                    </m:r>
+                  </m:oMath>
+                </a14:m>
+                <a:r>
+                  <a:rPr lang="en-US" sz="2400" dirty="0">
+                    <a:solidFill>
+                      <a:schemeClr val="tx1"/>
+                    </a:solidFill>
+                    <a:latin typeface="Open Sans" panose="020B0606030504020204" pitchFamily="34" charset="0"/>
+                  </a:rPr>
+                  <a:t> pigeonholes, than at least one pigeonhole will contain at least two pigeons.</a:t>
+                </a:r>
+              </a:p>
+              <a:p>
+                <a:pPr marL="0" indent="0">
+                  <a:buNone/>
+                </a:pPr>
+                <a:endParaRPr lang="en-US" sz="2400" dirty="0">
+                  <a:solidFill>
+                    <a:schemeClr val="tx1"/>
+                  </a:solidFill>
+                  <a:latin typeface="Open Sans" panose="020B0606030504020204" pitchFamily="34" charset="0"/>
+                </a:endParaRPr>
+              </a:p>
+              <a:p>
+                <a:pPr marL="0" indent="0">
+                  <a:buNone/>
+                </a:pPr>
+                <a:r>
+                  <a:rPr lang="en-US" sz="2400" dirty="0">
+                    <a:solidFill>
+                      <a:schemeClr val="tx1"/>
+                    </a:solidFill>
+                    <a:latin typeface="Open Sans" panose="020B0606030504020204" pitchFamily="34" charset="0"/>
+                  </a:rPr>
+                  <a:t>This principle comes up often in proofs. Now that you’ve proven it, you can use it as justification in other proofs.</a:t>
+                </a:r>
+              </a:p>
+              <a:p>
+                <a:pPr marL="0" indent="0">
+                  <a:buNone/>
+                </a:pPr>
+                <a:endParaRPr lang="en-US" sz="2400" dirty="0">
+                  <a:solidFill>
+                    <a:schemeClr val="tx1"/>
+                  </a:solidFill>
+                  <a:latin typeface="Open Sans" panose="020B0606030504020204" pitchFamily="34" charset="0"/>
+                </a:endParaRPr>
+              </a:p>
+              <a:p>
+                <a:pPr marL="0" indent="0">
+                  <a:buNone/>
+                </a:pPr>
+                <a:r>
+                  <a:rPr lang="en-US" sz="2400" dirty="0">
+                    <a:solidFill>
+                      <a:schemeClr val="tx1"/>
+                    </a:solidFill>
+                    <a:latin typeface="Open Sans" panose="020B0606030504020204" pitchFamily="34" charset="0"/>
+                  </a:rPr>
                   <a:t>This is true of all properties, principles, theorems, etc. you’ve proven before. They are fair game for future proofs. (Unless the property/principle/theorem/etc. is what you’re being asked to prove.)  </a:t>
                 </a:r>
               </a:p>
             </p:txBody>
           </p:sp>
         </mc:Choice>
-        <mc:Fallback>
+        <mc:Fallback xmlns="">
           <p:sp>
             <p:nvSpPr>
               <p:cNvPr id="6" name="Content Placeholder 2">
@@ -16728,7 +16814,7 @@
 </p:sld>
 </file>
 
-<file path=ppt/slides/slide24.xml><?xml version="1.0" encoding="utf-8"?>
+<file path=ppt/slides/slide25.xml><?xml version="1.0" encoding="utf-8"?>
 <p:sld xmlns:a="http://schemas.openxmlformats.org/drawingml/2006/main" xmlns:r="http://schemas.openxmlformats.org/officeDocument/2006/relationships" xmlns:p="http://schemas.openxmlformats.org/presentationml/2006/main">
   <p:cSld>
     <p:spTree>
@@ -16843,287 +16929,6 @@
 </p:sld>
 </file>
 
-<file path=ppt/slides/slide25.xml><?xml version="1.0" encoding="utf-8"?>
-<p:sld xmlns:a="http://schemas.openxmlformats.org/drawingml/2006/main" xmlns:r="http://schemas.openxmlformats.org/officeDocument/2006/relationships" xmlns:p="http://schemas.openxmlformats.org/presentationml/2006/main">
-  <p:cSld>
-    <p:spTree>
-      <p:nvGrpSpPr>
-        <p:cNvPr id="1" name=""/>
-        <p:cNvGrpSpPr/>
-        <p:nvPr/>
-      </p:nvGrpSpPr>
-      <p:grpSpPr>
-        <a:xfrm>
-          <a:off x="0" y="0"/>
-          <a:ext cx="0" cy="0"/>
-          <a:chOff x="0" y="0"/>
-          <a:chExt cx="0" cy="0"/>
-        </a:xfrm>
-      </p:grpSpPr>
-      <p:sp>
-        <p:nvSpPr>
-          <p:cNvPr id="2" name="Title 1"/>
-          <p:cNvSpPr>
-            <a:spLocks noGrp="1"/>
-          </p:cNvSpPr>
-          <p:nvPr>
-            <p:ph type="title"/>
-          </p:nvPr>
-        </p:nvSpPr>
-        <p:spPr/>
-        <p:txBody>
-          <a:bodyPr/>
-          <a:lstStyle/>
-          <a:p>
-            <a:r>
-              <a:rPr lang="en-US" dirty="0"/>
-              <a:t>Proof by Counter Example</a:t>
-            </a:r>
-          </a:p>
-        </p:txBody>
-      </p:sp>
-      <mc:AlternateContent xmlns:mc="http://schemas.openxmlformats.org/markup-compatibility/2006">
-        <mc:Choice xmlns:a14="http://schemas.microsoft.com/office/drawing/2010/main" Requires="a14">
-          <p:sp>
-            <p:nvSpPr>
-              <p:cNvPr id="6" name="Content Placeholder 2">
-                <a:extLst>
-                  <a:ext uri="{FF2B5EF4-FFF2-40B4-BE49-F238E27FC236}">
-                    <a16:creationId xmlns:a16="http://schemas.microsoft.com/office/drawing/2014/main" id="{5DFEF51D-F265-61A0-FAE6-BBE496D688A3}"/>
-                  </a:ext>
-                </a:extLst>
-              </p:cNvPr>
-              <p:cNvSpPr>
-                <a:spLocks noGrp="1"/>
-              </p:cNvSpPr>
-              <p:nvPr>
-                <p:ph idx="1"/>
-              </p:nvPr>
-            </p:nvSpPr>
-            <p:spPr>
-              <a:xfrm>
-                <a:off x="3515517" y="728420"/>
-                <a:ext cx="8603673" cy="6129580"/>
-              </a:xfrm>
-            </p:spPr>
-            <p:txBody>
-              <a:bodyPr anchor="t">
-                <a:normAutofit/>
-              </a:bodyPr>
-              <a:lstStyle/>
-              <a:p>
-                <a:pPr marL="0" indent="0">
-                  <a:buNone/>
-                </a:pPr>
-                <a:r>
-                  <a:rPr lang="en-US" sz="2400" b="1" i="1" dirty="0">
-                    <a:solidFill>
-                      <a:schemeClr val="tx1"/>
-                    </a:solidFill>
-                    <a:latin typeface="Open Sans" panose="020B0606030504020204" pitchFamily="34" charset="0"/>
-                  </a:rPr>
-                  <a:t>Proof by counter example</a:t>
-                </a:r>
-                <a:r>
-                  <a:rPr lang="en-US" sz="2400" dirty="0">
-                    <a:solidFill>
-                      <a:schemeClr val="tx1"/>
-                    </a:solidFill>
-                    <a:latin typeface="Open Sans" panose="020B0606030504020204" pitchFamily="34" charset="0"/>
-                  </a:rPr>
-                  <a:t> is a useful method for showing something is false. </a:t>
-                </a:r>
-              </a:p>
-              <a:p>
-                <a:pPr marL="0" indent="0">
-                  <a:buNone/>
-                </a:pPr>
-                <a:endParaRPr lang="en-US" sz="2400" b="1" i="1" dirty="0">
-                  <a:solidFill>
-                    <a:schemeClr val="tx1"/>
-                  </a:solidFill>
-                  <a:latin typeface="Open Sans" panose="020B0606030504020204" pitchFamily="34" charset="0"/>
-                </a:endParaRPr>
-              </a:p>
-              <a:p>
-                <a:pPr marL="0" indent="0">
-                  <a:buNone/>
-                </a:pPr>
-                <a:r>
-                  <a:rPr lang="en-US" sz="2400" dirty="0">
-                    <a:solidFill>
-                      <a:schemeClr val="tx1"/>
-                    </a:solidFill>
-                    <a:latin typeface="Open Sans" panose="020B0606030504020204" pitchFamily="34" charset="0"/>
-                  </a:rPr>
-                  <a:t>You CANNOT show a statement of the form </a:t>
-                </a:r>
-                <a14:m>
-                  <m:oMath xmlns:m="http://schemas.openxmlformats.org/officeDocument/2006/math">
-                    <m:r>
-                      <a:rPr lang="en-US" sz="2400" i="1" smtClean="0">
-                        <a:solidFill>
-                          <a:schemeClr val="tx1"/>
-                        </a:solidFill>
-                        <a:latin typeface="Cambria Math" panose="02040503050406030204" pitchFamily="18" charset="0"/>
-                        <a:ea typeface="Cambria Math" panose="02040503050406030204" pitchFamily="18" charset="0"/>
-                      </a:rPr>
-                      <m:t>∀</m:t>
-                    </m:r>
-                    <m:r>
-                      <a:rPr lang="en-US" sz="2400" b="0" i="1" smtClean="0">
-                        <a:solidFill>
-                          <a:schemeClr val="tx1"/>
-                        </a:solidFill>
-                        <a:latin typeface="Cambria Math" panose="02040503050406030204" pitchFamily="18" charset="0"/>
-                        <a:ea typeface="Cambria Math" panose="02040503050406030204" pitchFamily="18" charset="0"/>
-                      </a:rPr>
-                      <m:t>𝑥</m:t>
-                    </m:r>
-                    <m:r>
-                      <a:rPr lang="en-US" sz="2400" b="0" i="1" smtClean="0">
-                        <a:solidFill>
-                          <a:schemeClr val="tx1"/>
-                        </a:solidFill>
-                        <a:latin typeface="Cambria Math" panose="02040503050406030204" pitchFamily="18" charset="0"/>
-                        <a:ea typeface="Cambria Math" panose="02040503050406030204" pitchFamily="18" charset="0"/>
-                      </a:rPr>
-                      <m:t> </m:t>
-                    </m:r>
-                    <m:r>
-                      <a:rPr lang="en-US" sz="2400" b="0" i="1" smtClean="0">
-                        <a:solidFill>
-                          <a:schemeClr val="tx1"/>
-                        </a:solidFill>
-                        <a:latin typeface="Cambria Math" panose="02040503050406030204" pitchFamily="18" charset="0"/>
-                        <a:ea typeface="Cambria Math" panose="02040503050406030204" pitchFamily="18" charset="0"/>
-                      </a:rPr>
-                      <m:t>𝑃</m:t>
-                    </m:r>
-                    <m:r>
-                      <a:rPr lang="en-US" sz="2400" b="0" i="1" smtClean="0">
-                        <a:solidFill>
-                          <a:schemeClr val="tx1"/>
-                        </a:solidFill>
-                        <a:latin typeface="Cambria Math" panose="02040503050406030204" pitchFamily="18" charset="0"/>
-                        <a:ea typeface="Cambria Math" panose="02040503050406030204" pitchFamily="18" charset="0"/>
-                      </a:rPr>
-                      <m:t>(</m:t>
-                    </m:r>
-                    <m:r>
-                      <a:rPr lang="en-US" sz="2400" b="0" i="1" smtClean="0">
-                        <a:solidFill>
-                          <a:schemeClr val="tx1"/>
-                        </a:solidFill>
-                        <a:latin typeface="Cambria Math" panose="02040503050406030204" pitchFamily="18" charset="0"/>
-                        <a:ea typeface="Cambria Math" panose="02040503050406030204" pitchFamily="18" charset="0"/>
-                      </a:rPr>
-                      <m:t>𝑥</m:t>
-                    </m:r>
-                    <m:r>
-                      <a:rPr lang="en-US" sz="2400" b="0" i="1" smtClean="0">
-                        <a:solidFill>
-                          <a:schemeClr val="tx1"/>
-                        </a:solidFill>
-                        <a:latin typeface="Cambria Math" panose="02040503050406030204" pitchFamily="18" charset="0"/>
-                        <a:ea typeface="Cambria Math" panose="02040503050406030204" pitchFamily="18" charset="0"/>
-                      </a:rPr>
-                      <m:t>)</m:t>
-                    </m:r>
-                  </m:oMath>
-                </a14:m>
-                <a:r>
-                  <a:rPr lang="en-US" sz="2400" dirty="0">
-                    <a:solidFill>
-                      <a:schemeClr val="tx1"/>
-                    </a:solidFill>
-                    <a:latin typeface="Open Sans" panose="020B0606030504020204" pitchFamily="34" charset="0"/>
-                  </a:rPr>
-                  <a:t> is true with only one example. </a:t>
-                </a:r>
-              </a:p>
-              <a:p>
-                <a:pPr marL="0" indent="0">
-                  <a:buNone/>
-                </a:pPr>
-                <a:endParaRPr lang="en-US" sz="2400" dirty="0">
-                  <a:solidFill>
-                    <a:schemeClr val="tx1"/>
-                  </a:solidFill>
-                  <a:latin typeface="Open Sans" panose="020B0606030504020204" pitchFamily="34" charset="0"/>
-                </a:endParaRPr>
-              </a:p>
-              <a:p>
-                <a:pPr marL="0" indent="0">
-                  <a:buNone/>
-                </a:pPr>
-                <a:endParaRPr lang="en-US" sz="2400" dirty="0">
-                  <a:solidFill>
-                    <a:schemeClr val="tx1"/>
-                  </a:solidFill>
-                  <a:latin typeface="Open Sans" panose="020B0606030504020204" pitchFamily="34" charset="0"/>
-                </a:endParaRPr>
-              </a:p>
-            </p:txBody>
-          </p:sp>
-        </mc:Choice>
-        <mc:Fallback>
-          <p:sp>
-            <p:nvSpPr>
-              <p:cNvPr id="6" name="Content Placeholder 2">
-                <a:extLst>
-                  <a:ext uri="{FF2B5EF4-FFF2-40B4-BE49-F238E27FC236}">
-                    <a16:creationId xmlns:a16="http://schemas.microsoft.com/office/drawing/2014/main" id="{5DFEF51D-F265-61A0-FAE6-BBE496D688A3}"/>
-                  </a:ext>
-                </a:extLst>
-              </p:cNvPr>
-              <p:cNvSpPr>
-                <a:spLocks noGrp="1" noRot="1" noChangeAspect="1" noMove="1" noResize="1" noEditPoints="1" noAdjustHandles="1" noChangeArrowheads="1" noChangeShapeType="1" noTextEdit="1"/>
-              </p:cNvSpPr>
-              <p:nvPr>
-                <p:ph idx="1"/>
-              </p:nvPr>
-            </p:nvSpPr>
-            <p:spPr>
-              <a:xfrm>
-                <a:off x="3515517" y="728420"/>
-                <a:ext cx="8603673" cy="6129580"/>
-              </a:xfrm>
-              <a:blipFill>
-                <a:blip r:embed="rId3"/>
-                <a:stretch>
-                  <a:fillRect l="-1031" t="-1449"/>
-                </a:stretch>
-              </a:blipFill>
-            </p:spPr>
-            <p:txBody>
-              <a:bodyPr/>
-              <a:lstStyle/>
-              <a:p>
-                <a:r>
-                  <a:rPr lang="en-US">
-                    <a:noFill/>
-                  </a:rPr>
-                  <a:t> </a:t>
-                </a:r>
-              </a:p>
-            </p:txBody>
-          </p:sp>
-        </mc:Fallback>
-      </mc:AlternateContent>
-    </p:spTree>
-    <p:extLst>
-      <p:ext uri="{BB962C8B-B14F-4D97-AF65-F5344CB8AC3E}">
-        <p14:creationId xmlns:p14="http://schemas.microsoft.com/office/powerpoint/2010/main" val="3272428453"/>
-      </p:ext>
-    </p:extLst>
-  </p:cSld>
-  <p:clrMapOvr>
-    <a:masterClrMapping/>
-  </p:clrMapOvr>
-</p:sld>
-</file>
-
 <file path=ppt/slides/slide26.xml><?xml version="1.0" encoding="utf-8"?>
 <p:sld xmlns:a="http://schemas.openxmlformats.org/drawingml/2006/main" xmlns:r="http://schemas.openxmlformats.org/officeDocument/2006/relationships" xmlns:p="http://schemas.openxmlformats.org/presentationml/2006/main">
   <p:cSld>
@@ -17163,8 +16968,8 @@
           </a:p>
         </p:txBody>
       </p:sp>
-      <mc:AlternateContent xmlns:mc="http://schemas.openxmlformats.org/markup-compatibility/2006">
-        <mc:Choice xmlns:a14="http://schemas.microsoft.com/office/drawing/2010/main" Requires="a14">
+      <mc:AlternateContent xmlns:mc="http://schemas.openxmlformats.org/markup-compatibility/2006" xmlns:a14="http://schemas.microsoft.com/office/drawing/2010/main">
+        <mc:Choice Requires="a14">
           <p:sp>
             <p:nvSpPr>
               <p:cNvPr id="6" name="Content Placeholder 2">
@@ -17338,103 +17143,6 @@
                 <a:pPr marL="0" indent="0">
                   <a:buNone/>
                 </a:pPr>
-                <a:r>
-                  <a:rPr lang="en-US" sz="2400" dirty="0">
-                    <a:solidFill>
-                      <a:schemeClr val="tx1"/>
-                    </a:solidFill>
-                    <a:latin typeface="Open Sans" panose="020B0606030504020204" pitchFamily="34" charset="0"/>
-                  </a:rPr>
-                  <a:t>But you can prove a statement of the form </a:t>
-                </a:r>
-                <a14:m>
-                  <m:oMath xmlns:m="http://schemas.openxmlformats.org/officeDocument/2006/math">
-                    <m:r>
-                      <a:rPr lang="en-US" sz="2400" i="1" smtClean="0">
-                        <a:solidFill>
-                          <a:schemeClr val="tx1"/>
-                        </a:solidFill>
-                        <a:latin typeface="Cambria Math" panose="02040503050406030204" pitchFamily="18" charset="0"/>
-                        <a:ea typeface="Cambria Math" panose="02040503050406030204" pitchFamily="18" charset="0"/>
-                      </a:rPr>
-                      <m:t>∀</m:t>
-                    </m:r>
-                    <m:r>
-                      <a:rPr lang="en-US" sz="2400" b="0" i="1" smtClean="0">
-                        <a:solidFill>
-                          <a:schemeClr val="tx1"/>
-                        </a:solidFill>
-                        <a:latin typeface="Cambria Math" panose="02040503050406030204" pitchFamily="18" charset="0"/>
-                        <a:ea typeface="Cambria Math" panose="02040503050406030204" pitchFamily="18" charset="0"/>
-                      </a:rPr>
-                      <m:t>𝑥</m:t>
-                    </m:r>
-                    <m:r>
-                      <a:rPr lang="en-US" sz="2400" b="0" i="1" smtClean="0">
-                        <a:solidFill>
-                          <a:schemeClr val="tx1"/>
-                        </a:solidFill>
-                        <a:latin typeface="Cambria Math" panose="02040503050406030204" pitchFamily="18" charset="0"/>
-                        <a:ea typeface="Cambria Math" panose="02040503050406030204" pitchFamily="18" charset="0"/>
-                      </a:rPr>
-                      <m:t> </m:t>
-                    </m:r>
-                    <m:r>
-                      <a:rPr lang="en-US" sz="2400" b="0" i="1" smtClean="0">
-                        <a:solidFill>
-                          <a:schemeClr val="tx1"/>
-                        </a:solidFill>
-                        <a:latin typeface="Cambria Math" panose="02040503050406030204" pitchFamily="18" charset="0"/>
-                        <a:ea typeface="Cambria Math" panose="02040503050406030204" pitchFamily="18" charset="0"/>
-                      </a:rPr>
-                      <m:t>𝑃</m:t>
-                    </m:r>
-                    <m:r>
-                      <a:rPr lang="en-US" sz="2400" b="0" i="1" smtClean="0">
-                        <a:solidFill>
-                          <a:schemeClr val="tx1"/>
-                        </a:solidFill>
-                        <a:latin typeface="Cambria Math" panose="02040503050406030204" pitchFamily="18" charset="0"/>
-                        <a:ea typeface="Cambria Math" panose="02040503050406030204" pitchFamily="18" charset="0"/>
-                      </a:rPr>
-                      <m:t>(</m:t>
-                    </m:r>
-                    <m:r>
-                      <a:rPr lang="en-US" sz="2400" b="0" i="1" smtClean="0">
-                        <a:solidFill>
-                          <a:schemeClr val="tx1"/>
-                        </a:solidFill>
-                        <a:latin typeface="Cambria Math" panose="02040503050406030204" pitchFamily="18" charset="0"/>
-                        <a:ea typeface="Cambria Math" panose="02040503050406030204" pitchFamily="18" charset="0"/>
-                      </a:rPr>
-                      <m:t>𝑥</m:t>
-                    </m:r>
-                    <m:r>
-                      <a:rPr lang="en-US" sz="2400" b="0" i="1" smtClean="0">
-                        <a:solidFill>
-                          <a:schemeClr val="tx1"/>
-                        </a:solidFill>
-                        <a:latin typeface="Cambria Math" panose="02040503050406030204" pitchFamily="18" charset="0"/>
-                        <a:ea typeface="Cambria Math" panose="02040503050406030204" pitchFamily="18" charset="0"/>
-                      </a:rPr>
-                      <m:t>)</m:t>
-                    </m:r>
-                  </m:oMath>
-                </a14:m>
-                <a:r>
-                  <a:rPr lang="en-US" sz="2400" dirty="0">
-                    <a:solidFill>
-                      <a:schemeClr val="tx1"/>
-                    </a:solidFill>
-                    <a:latin typeface="Open Sans" panose="020B0606030504020204" pitchFamily="34" charset="0"/>
-                  </a:rPr>
-                  <a:t> is false by providing a counter example. </a:t>
-                </a:r>
-              </a:p>
-              <a:p>
-                <a:pPr marL="0" indent="0">
-                  <a:buNone/>
-                </a:pPr>
                 <a:endParaRPr lang="en-US" sz="2400" dirty="0">
                   <a:solidFill>
                     <a:schemeClr val="tx1"/>
@@ -17445,7 +17153,7 @@
             </p:txBody>
           </p:sp>
         </mc:Choice>
-        <mc:Fallback>
+        <mc:Fallback xmlns="">
           <p:sp>
             <p:nvSpPr>
               <p:cNvPr id="6" name="Content Placeholder 2">
@@ -17492,7 +17200,7 @@
     </p:spTree>
     <p:extLst>
       <p:ext uri="{BB962C8B-B14F-4D97-AF65-F5344CB8AC3E}">
-        <p14:creationId xmlns:p14="http://schemas.microsoft.com/office/powerpoint/2010/main" val="764914816"/>
+        <p14:creationId xmlns:p14="http://schemas.microsoft.com/office/powerpoint/2010/main" val="3272428453"/>
       </p:ext>
     </p:extLst>
   </p:cSld>
@@ -17541,8 +17249,8 @@
           </a:p>
         </p:txBody>
       </p:sp>
-      <mc:AlternateContent xmlns:mc="http://schemas.openxmlformats.org/markup-compatibility/2006">
-        <mc:Choice xmlns:a14="http://schemas.microsoft.com/office/drawing/2010/main" Requires="a14">
+      <mc:AlternateContent xmlns:mc="http://schemas.openxmlformats.org/markup-compatibility/2006" xmlns:a14="http://schemas.microsoft.com/office/drawing/2010/main">
+        <mc:Choice Requires="a14">
           <p:sp>
             <p:nvSpPr>
               <p:cNvPr id="6" name="Content Placeholder 2">
@@ -17820,78 +17528,10 @@
                   <a:latin typeface="Open Sans" panose="020B0606030504020204" pitchFamily="34" charset="0"/>
                 </a:endParaRPr>
               </a:p>
-              <a:p>
-                <a:pPr marL="0" indent="0">
-                  <a:buNone/>
-                </a:pPr>
-                <a:r>
-                  <a:rPr lang="en-US" sz="2400" dirty="0">
-                    <a:solidFill>
-                      <a:schemeClr val="tx1"/>
-                    </a:solidFill>
-                    <a:latin typeface="Open Sans" panose="020B0606030504020204" pitchFamily="34" charset="0"/>
-                  </a:rPr>
-                  <a:t>To perform a </a:t>
-                </a:r>
-                <a:r>
-                  <a:rPr lang="en-US" sz="2400" b="1" i="1" dirty="0">
-                    <a:solidFill>
-                      <a:schemeClr val="tx1"/>
-                    </a:solidFill>
-                    <a:latin typeface="Open Sans" panose="020B0606030504020204" pitchFamily="34" charset="0"/>
-                  </a:rPr>
-                  <a:t>proof by counter example</a:t>
-                </a:r>
-                <a:r>
-                  <a:rPr lang="en-US" sz="2400" dirty="0">
-                    <a:solidFill>
-                      <a:schemeClr val="tx1"/>
-                    </a:solidFill>
-                    <a:latin typeface="Open Sans" panose="020B0606030504020204" pitchFamily="34" charset="0"/>
-                  </a:rPr>
-                  <a:t>:</a:t>
-                </a:r>
-                <a:endParaRPr lang="en-US" sz="2200" dirty="0">
-                  <a:solidFill>
-                    <a:schemeClr val="tx1"/>
-                  </a:solidFill>
-                  <a:latin typeface="Open Sans" panose="020B0606030504020204" pitchFamily="34" charset="0"/>
-                </a:endParaRPr>
-              </a:p>
-              <a:p>
-                <a:pPr marL="960120" lvl="1" indent="-457200">
-                  <a:buFont typeface="+mj-lt"/>
-                  <a:buAutoNum type="arabicPeriod"/>
-                </a:pPr>
-                <a:r>
-                  <a:rPr lang="en-US" sz="2200" dirty="0">
-                    <a:solidFill>
-                      <a:schemeClr val="tx1"/>
-                    </a:solidFill>
-                    <a:latin typeface="Open Sans" panose="020B0606030504020204" pitchFamily="34" charset="0"/>
-                  </a:rPr>
-                  <a:t>Make sure you’re trying to show something is false</a:t>
-                </a:r>
-              </a:p>
-              <a:p>
-                <a:pPr marL="960120" lvl="1" indent="-457200">
-                  <a:buFont typeface="+mj-lt"/>
-                  <a:buAutoNum type="arabicPeriod"/>
-                </a:pPr>
-                <a:r>
-                  <a:rPr lang="en-US" sz="2200" dirty="0">
-                    <a:solidFill>
-                      <a:schemeClr val="tx1"/>
-                    </a:solidFill>
-                    <a:latin typeface="Open Sans" panose="020B0606030504020204" pitchFamily="34" charset="0"/>
-                  </a:rPr>
-                  <a:t>Find an exception to the statement </a:t>
-                </a:r>
-              </a:p>
             </p:txBody>
           </p:sp>
         </mc:Choice>
-        <mc:Fallback>
+        <mc:Fallback xmlns="">
           <p:sp>
             <p:nvSpPr>
               <p:cNvPr id="6" name="Content Placeholder 2">
@@ -17938,7 +17578,7 @@
     </p:spTree>
     <p:extLst>
       <p:ext uri="{BB962C8B-B14F-4D97-AF65-F5344CB8AC3E}">
-        <p14:creationId xmlns:p14="http://schemas.microsoft.com/office/powerpoint/2010/main" val="1064910976"/>
+        <p14:creationId xmlns:p14="http://schemas.microsoft.com/office/powerpoint/2010/main" val="764914816"/>
       </p:ext>
     </p:extLst>
   </p:cSld>
@@ -17987,8 +17627,8 @@
           </a:p>
         </p:txBody>
       </p:sp>
-      <mc:AlternateContent xmlns:mc="http://schemas.openxmlformats.org/markup-compatibility/2006">
-        <mc:Choice xmlns:a14="http://schemas.microsoft.com/office/drawing/2010/main" Requires="a14">
+      <mc:AlternateContent xmlns:mc="http://schemas.openxmlformats.org/markup-compatibility/2006" xmlns:a14="http://schemas.microsoft.com/office/drawing/2010/main">
+        <mc:Choice Requires="a14">
           <p:sp>
             <p:nvSpPr>
               <p:cNvPr id="6" name="Content Placeholder 2">
@@ -18027,7 +17667,7 @@
                     </a:solidFill>
                     <a:latin typeface="Open Sans" panose="020B0606030504020204" pitchFamily="34" charset="0"/>
                   </a:rPr>
-                  <a:t>Proof: </a:t>
+                  <a:t>Proof by counter example</a:t>
                 </a:r>
                 <a:r>
                   <a:rPr lang="en-US" sz="2400" dirty="0">
@@ -18036,141 +17676,267 @@
                     </a:solidFill>
                     <a:latin typeface="Open Sans" panose="020B0606030504020204" pitchFamily="34" charset="0"/>
                   </a:rPr>
-                  <a:t>We will show that the statement for all integers </a:t>
+                  <a:t> is a useful method for showing something is false. </a:t>
+                </a:r>
+              </a:p>
+              <a:p>
+                <a:pPr marL="0" indent="0">
+                  <a:buNone/>
+                </a:pPr>
+                <a:endParaRPr lang="en-US" sz="2400" b="1" i="1" dirty="0">
+                  <a:solidFill>
+                    <a:schemeClr val="tx1"/>
+                  </a:solidFill>
+                  <a:latin typeface="Open Sans" panose="020B0606030504020204" pitchFamily="34" charset="0"/>
+                </a:endParaRPr>
+              </a:p>
+              <a:p>
+                <a:pPr marL="0" indent="0">
+                  <a:buNone/>
+                </a:pPr>
+                <a:r>
+                  <a:rPr lang="en-US" sz="2400" dirty="0">
+                    <a:solidFill>
+                      <a:schemeClr val="tx1"/>
+                    </a:solidFill>
+                    <a:latin typeface="Open Sans" panose="020B0606030504020204" pitchFamily="34" charset="0"/>
+                  </a:rPr>
+                  <a:t>You CANNOT show a statement of the form </a:t>
                 </a:r>
                 <a14:m>
                   <m:oMath xmlns:m="http://schemas.openxmlformats.org/officeDocument/2006/math">
+                    <m:r>
+                      <a:rPr lang="en-US" sz="2400" i="1" smtClean="0">
+                        <a:solidFill>
+                          <a:schemeClr val="tx1"/>
+                        </a:solidFill>
+                        <a:latin typeface="Cambria Math" panose="02040503050406030204" pitchFamily="18" charset="0"/>
+                        <a:ea typeface="Cambria Math" panose="02040503050406030204" pitchFamily="18" charset="0"/>
+                      </a:rPr>
+                      <m:t>∀</m:t>
+                    </m:r>
                     <m:r>
                       <a:rPr lang="en-US" sz="2400" b="0" i="1" smtClean="0">
                         <a:solidFill>
                           <a:schemeClr val="tx1"/>
                         </a:solidFill>
                         <a:latin typeface="Cambria Math" panose="02040503050406030204" pitchFamily="18" charset="0"/>
-                      </a:rPr>
-                      <m:t>𝑎</m:t>
-                    </m:r>
-                  </m:oMath>
-                </a14:m>
-                <a:r>
-                  <a:rPr lang="en-US" sz="2200" dirty="0">
-                    <a:solidFill>
-                      <a:schemeClr val="tx1"/>
-                    </a:solidFill>
-                    <a:latin typeface="Open Sans" panose="020B0606030504020204" pitchFamily="34" charset="0"/>
-                  </a:rPr>
-                  <a:t> and </a:t>
-                </a:r>
-                <a14:m>
-                  <m:oMath xmlns:m="http://schemas.openxmlformats.org/officeDocument/2006/math">
-                    <m:r>
-                      <a:rPr lang="en-US" sz="2200" b="0" i="1" smtClean="0">
+                        <a:ea typeface="Cambria Math" panose="02040503050406030204" pitchFamily="18" charset="0"/>
+                      </a:rPr>
+                      <m:t>𝑥</m:t>
+                    </m:r>
+                    <m:r>
+                      <a:rPr lang="en-US" sz="2400" b="0" i="1" smtClean="0">
                         <a:solidFill>
                           <a:schemeClr val="tx1"/>
                         </a:solidFill>
                         <a:latin typeface="Cambria Math" panose="02040503050406030204" pitchFamily="18" charset="0"/>
-                      </a:rPr>
-                      <m:t>𝑏</m:t>
-                    </m:r>
-                  </m:oMath>
-                </a14:m>
-                <a:r>
-                  <a:rPr lang="en-US" sz="2200" dirty="0">
-                    <a:solidFill>
-                      <a:schemeClr val="tx1"/>
-                    </a:solidFill>
-                    <a:latin typeface="Open Sans" panose="020B0606030504020204" pitchFamily="34" charset="0"/>
-                  </a:rPr>
-                  <a:t>, if </a:t>
-                </a:r>
-                <a14:m>
-                  <m:oMath xmlns:m="http://schemas.openxmlformats.org/officeDocument/2006/math">
-                    <m:r>
-                      <a:rPr lang="en-US" sz="2200" b="0" i="1" smtClean="0">
+                        <a:ea typeface="Cambria Math" panose="02040503050406030204" pitchFamily="18" charset="0"/>
+                      </a:rPr>
+                      <m:t> </m:t>
+                    </m:r>
+                    <m:r>
+                      <a:rPr lang="en-US" sz="2400" b="0" i="1" smtClean="0">
                         <a:solidFill>
                           <a:schemeClr val="tx1"/>
                         </a:solidFill>
                         <a:latin typeface="Cambria Math" panose="02040503050406030204" pitchFamily="18" charset="0"/>
-                      </a:rPr>
-                      <m:t>𝑎</m:t>
-                    </m:r>
-                  </m:oMath>
-                </a14:m>
-                <a:r>
-                  <a:rPr lang="en-US" sz="2200" dirty="0">
-                    <a:solidFill>
-                      <a:schemeClr val="tx1"/>
-                    </a:solidFill>
-                    <a:latin typeface="Open Sans" panose="020B0606030504020204" pitchFamily="34" charset="0"/>
-                  </a:rPr>
-                  <a:t> is odd or </a:t>
-                </a:r>
-                <a14:m>
-                  <m:oMath xmlns:m="http://schemas.openxmlformats.org/officeDocument/2006/math">
-                    <m:r>
-                      <a:rPr lang="en-US" sz="2200" b="0" i="1" smtClean="0">
+                        <a:ea typeface="Cambria Math" panose="02040503050406030204" pitchFamily="18" charset="0"/>
+                      </a:rPr>
+                      <m:t>𝑃</m:t>
+                    </m:r>
+                    <m:r>
+                      <a:rPr lang="en-US" sz="2400" b="0" i="1" smtClean="0">
                         <a:solidFill>
                           <a:schemeClr val="tx1"/>
                         </a:solidFill>
                         <a:latin typeface="Cambria Math" panose="02040503050406030204" pitchFamily="18" charset="0"/>
-                      </a:rPr>
-                      <m:t>𝑏</m:t>
-                    </m:r>
-                  </m:oMath>
-                </a14:m>
-                <a:r>
-                  <a:rPr lang="en-US" sz="2200" dirty="0">
-                    <a:solidFill>
-                      <a:schemeClr val="tx1"/>
-                    </a:solidFill>
-                    <a:latin typeface="Open Sans" panose="020B0606030504020204" pitchFamily="34" charset="0"/>
-                  </a:rPr>
-                  <a:t> is odd, then </a:t>
-                </a:r>
-                <a14:m>
-                  <m:oMath xmlns:m="http://schemas.openxmlformats.org/officeDocument/2006/math">
-                    <m:r>
-                      <a:rPr lang="en-US" sz="2200" b="0" i="1" smtClean="0">
+                        <a:ea typeface="Cambria Math" panose="02040503050406030204" pitchFamily="18" charset="0"/>
+                      </a:rPr>
+                      <m:t>(</m:t>
+                    </m:r>
+                    <m:r>
+                      <a:rPr lang="en-US" sz="2400" b="0" i="1" smtClean="0">
                         <a:solidFill>
                           <a:schemeClr val="tx1"/>
                         </a:solidFill>
                         <a:latin typeface="Cambria Math" panose="02040503050406030204" pitchFamily="18" charset="0"/>
-                      </a:rPr>
-                      <m:t>𝑎</m:t>
-                    </m:r>
-                    <m:r>
-                      <a:rPr lang="en-US" sz="2200" b="0" i="1" smtClean="0">
+                        <a:ea typeface="Cambria Math" panose="02040503050406030204" pitchFamily="18" charset="0"/>
+                      </a:rPr>
+                      <m:t>𝑥</m:t>
+                    </m:r>
+                    <m:r>
+                      <a:rPr lang="en-US" sz="2400" b="0" i="1" smtClean="0">
                         <a:solidFill>
                           <a:schemeClr val="tx1"/>
                         </a:solidFill>
                         <a:latin typeface="Cambria Math" panose="02040503050406030204" pitchFamily="18" charset="0"/>
-                      </a:rPr>
-                      <m:t>+</m:t>
-                    </m:r>
-                    <m:r>
-                      <a:rPr lang="en-US" sz="2200" b="0" i="1" smtClean="0">
+                        <a:ea typeface="Cambria Math" panose="02040503050406030204" pitchFamily="18" charset="0"/>
+                      </a:rPr>
+                      <m:t>)</m:t>
+                    </m:r>
+                  </m:oMath>
+                </a14:m>
+                <a:r>
+                  <a:rPr lang="en-US" sz="2400" dirty="0">
+                    <a:solidFill>
+                      <a:schemeClr val="tx1"/>
+                    </a:solidFill>
+                    <a:latin typeface="Open Sans" panose="020B0606030504020204" pitchFamily="34" charset="0"/>
+                  </a:rPr>
+                  <a:t> is true with only one example. </a:t>
+                </a:r>
+              </a:p>
+              <a:p>
+                <a:pPr marL="0" indent="0">
+                  <a:buNone/>
+                </a:pPr>
+                <a:endParaRPr lang="en-US" sz="2400" dirty="0">
+                  <a:solidFill>
+                    <a:schemeClr val="tx1"/>
+                  </a:solidFill>
+                  <a:latin typeface="Open Sans" panose="020B0606030504020204" pitchFamily="34" charset="0"/>
+                </a:endParaRPr>
+              </a:p>
+              <a:p>
+                <a:pPr marL="0" indent="0">
+                  <a:buNone/>
+                </a:pPr>
+                <a:r>
+                  <a:rPr lang="en-US" sz="2400" dirty="0">
+                    <a:solidFill>
+                      <a:schemeClr val="tx1"/>
+                    </a:solidFill>
+                    <a:latin typeface="Open Sans" panose="020B0606030504020204" pitchFamily="34" charset="0"/>
+                  </a:rPr>
+                  <a:t>But you can prove a statement of the form </a:t>
+                </a:r>
+                <a14:m>
+                  <m:oMath xmlns:m="http://schemas.openxmlformats.org/officeDocument/2006/math">
+                    <m:r>
+                      <a:rPr lang="en-US" sz="2400" i="1" smtClean="0">
                         <a:solidFill>
                           <a:schemeClr val="tx1"/>
                         </a:solidFill>
                         <a:latin typeface="Cambria Math" panose="02040503050406030204" pitchFamily="18" charset="0"/>
-                      </a:rPr>
-                      <m:t>𝑏</m:t>
+                        <a:ea typeface="Cambria Math" panose="02040503050406030204" pitchFamily="18" charset="0"/>
+                      </a:rPr>
+                      <m:t>∀</m:t>
+                    </m:r>
+                    <m:r>
+                      <a:rPr lang="en-US" sz="2400" b="0" i="1" smtClean="0">
+                        <a:solidFill>
+                          <a:schemeClr val="tx1"/>
+                        </a:solidFill>
+                        <a:latin typeface="Cambria Math" panose="02040503050406030204" pitchFamily="18" charset="0"/>
+                        <a:ea typeface="Cambria Math" panose="02040503050406030204" pitchFamily="18" charset="0"/>
+                      </a:rPr>
+                      <m:t>𝑥</m:t>
+                    </m:r>
+                    <m:r>
+                      <a:rPr lang="en-US" sz="2400" b="0" i="1" smtClean="0">
+                        <a:solidFill>
+                          <a:schemeClr val="tx1"/>
+                        </a:solidFill>
+                        <a:latin typeface="Cambria Math" panose="02040503050406030204" pitchFamily="18" charset="0"/>
+                        <a:ea typeface="Cambria Math" panose="02040503050406030204" pitchFamily="18" charset="0"/>
+                      </a:rPr>
+                      <m:t> </m:t>
+                    </m:r>
+                    <m:r>
+                      <a:rPr lang="en-US" sz="2400" b="0" i="1" smtClean="0">
+                        <a:solidFill>
+                          <a:schemeClr val="tx1"/>
+                        </a:solidFill>
+                        <a:latin typeface="Cambria Math" panose="02040503050406030204" pitchFamily="18" charset="0"/>
+                        <a:ea typeface="Cambria Math" panose="02040503050406030204" pitchFamily="18" charset="0"/>
+                      </a:rPr>
+                      <m:t>𝑃</m:t>
+                    </m:r>
+                    <m:r>
+                      <a:rPr lang="en-US" sz="2400" b="0" i="1" smtClean="0">
+                        <a:solidFill>
+                          <a:schemeClr val="tx1"/>
+                        </a:solidFill>
+                        <a:latin typeface="Cambria Math" panose="02040503050406030204" pitchFamily="18" charset="0"/>
+                        <a:ea typeface="Cambria Math" panose="02040503050406030204" pitchFamily="18" charset="0"/>
+                      </a:rPr>
+                      <m:t>(</m:t>
+                    </m:r>
+                    <m:r>
+                      <a:rPr lang="en-US" sz="2400" b="0" i="1" smtClean="0">
+                        <a:solidFill>
+                          <a:schemeClr val="tx1"/>
+                        </a:solidFill>
+                        <a:latin typeface="Cambria Math" panose="02040503050406030204" pitchFamily="18" charset="0"/>
+                        <a:ea typeface="Cambria Math" panose="02040503050406030204" pitchFamily="18" charset="0"/>
+                      </a:rPr>
+                      <m:t>𝑥</m:t>
+                    </m:r>
+                    <m:r>
+                      <a:rPr lang="en-US" sz="2400" b="0" i="1" smtClean="0">
+                        <a:solidFill>
+                          <a:schemeClr val="tx1"/>
+                        </a:solidFill>
+                        <a:latin typeface="Cambria Math" panose="02040503050406030204" pitchFamily="18" charset="0"/>
+                        <a:ea typeface="Cambria Math" panose="02040503050406030204" pitchFamily="18" charset="0"/>
+                      </a:rPr>
+                      <m:t>)</m:t>
                     </m:r>
                   </m:oMath>
                 </a14:m>
                 <a:r>
-                  <a:rPr lang="en-US" sz="2200" dirty="0">
-                    <a:solidFill>
-                      <a:schemeClr val="tx1"/>
-                    </a:solidFill>
-                    <a:latin typeface="Open Sans" panose="020B0606030504020204" pitchFamily="34" charset="0"/>
-                  </a:rPr>
-                  <a:t> is odd. </a:t>
+                  <a:rPr lang="en-US" sz="2400" dirty="0">
+                    <a:solidFill>
+                      <a:schemeClr val="tx1"/>
+                    </a:solidFill>
+                    <a:latin typeface="Open Sans" panose="020B0606030504020204" pitchFamily="34" charset="0"/>
+                  </a:rPr>
+                  <a:t> is false by providing a counter example. </a:t>
                 </a:r>
               </a:p>
               <a:p>
                 <a:pPr marL="0" indent="0">
                   <a:buNone/>
                 </a:pPr>
+                <a:endParaRPr lang="en-US" sz="2400" dirty="0">
+                  <a:solidFill>
+                    <a:schemeClr val="tx1"/>
+                  </a:solidFill>
+                  <a:latin typeface="Open Sans" panose="020B0606030504020204" pitchFamily="34" charset="0"/>
+                </a:endParaRPr>
+              </a:p>
+              <a:p>
+                <a:pPr marL="0" indent="0">
+                  <a:buNone/>
+                </a:pPr>
+                <a:r>
+                  <a:rPr lang="en-US" sz="2400" dirty="0">
+                    <a:solidFill>
+                      <a:schemeClr val="tx1"/>
+                    </a:solidFill>
+                    <a:latin typeface="Open Sans" panose="020B0606030504020204" pitchFamily="34" charset="0"/>
+                  </a:rPr>
+                  <a:t>To perform a </a:t>
+                </a:r>
+                <a:r>
+                  <a:rPr lang="en-US" sz="2400" b="1" i="1" dirty="0">
+                    <a:solidFill>
+                      <a:schemeClr val="tx1"/>
+                    </a:solidFill>
+                    <a:latin typeface="Open Sans" panose="020B0606030504020204" pitchFamily="34" charset="0"/>
+                  </a:rPr>
+                  <a:t>proof by counter example</a:t>
+                </a:r>
+                <a:r>
+                  <a:rPr lang="en-US" sz="2400" dirty="0">
+                    <a:solidFill>
+                      <a:schemeClr val="tx1"/>
+                    </a:solidFill>
+                    <a:latin typeface="Open Sans" panose="020B0606030504020204" pitchFamily="34" charset="0"/>
+                  </a:rPr>
+                  <a:t>:</a:t>
+                </a:r>
                 <a:endParaRPr lang="en-US" sz="2200" dirty="0">
                   <a:solidFill>
                     <a:schemeClr val="tx1"/>
@@ -18179,8 +17945,9 @@
                 </a:endParaRPr>
               </a:p>
               <a:p>
-                <a:pPr marL="0" indent="0">
-                  <a:buNone/>
+                <a:pPr marL="960120" lvl="1" indent="-457200">
+                  <a:buFont typeface="+mj-lt"/>
+                  <a:buAutoNum type="arabicPeriod"/>
                 </a:pPr>
                 <a:r>
                   <a:rPr lang="en-US" sz="2200" dirty="0">
@@ -18189,30 +17956,14 @@
                     </a:solidFill>
                     <a:latin typeface="Open Sans" panose="020B0606030504020204" pitchFamily="34" charset="0"/>
                   </a:rPr>
-                  <a:t>Let </a:t>
-                </a:r>
-                <a14:m>
-                  <m:oMath xmlns:m="http://schemas.openxmlformats.org/officeDocument/2006/math">
-                    <m:r>
-                      <a:rPr lang="en-US" sz="2200" b="0" i="1" smtClean="0">
-                        <a:solidFill>
-                          <a:schemeClr val="tx1"/>
-                        </a:solidFill>
-                        <a:latin typeface="Cambria Math" panose="02040503050406030204" pitchFamily="18" charset="0"/>
-                      </a:rPr>
-                      <m:t>𝑎</m:t>
-                    </m:r>
-                    <m:r>
-                      <a:rPr lang="en-US" sz="2200" b="0" i="1" smtClean="0">
-                        <a:solidFill>
-                          <a:schemeClr val="tx1"/>
-                        </a:solidFill>
-                        <a:latin typeface="Cambria Math" panose="02040503050406030204" pitchFamily="18" charset="0"/>
-                      </a:rPr>
-                      <m:t>=1</m:t>
-                    </m:r>
-                  </m:oMath>
-                </a14:m>
+                  <a:t>Make sure you’re trying to show something is false</a:t>
+                </a:r>
+              </a:p>
+              <a:p>
+                <a:pPr marL="960120" lvl="1" indent="-457200">
+                  <a:buFont typeface="+mj-lt"/>
+                  <a:buAutoNum type="arabicPeriod"/>
+                </a:pPr>
                 <a:r>
                   <a:rPr lang="en-US" sz="2200" dirty="0">
                     <a:solidFill>
@@ -18220,154 +17971,13 @@
                     </a:solidFill>
                     <a:latin typeface="Open Sans" panose="020B0606030504020204" pitchFamily="34" charset="0"/>
                   </a:rPr>
-                  <a:t>, and </a:t>
-                </a:r>
-                <a14:m>
-                  <m:oMath xmlns:m="http://schemas.openxmlformats.org/officeDocument/2006/math">
-                    <m:r>
-                      <a:rPr lang="en-US" sz="2200" b="0" i="1" smtClean="0">
-                        <a:solidFill>
-                          <a:schemeClr val="tx1"/>
-                        </a:solidFill>
-                        <a:latin typeface="Cambria Math" panose="02040503050406030204" pitchFamily="18" charset="0"/>
-                      </a:rPr>
-                      <m:t>𝑏</m:t>
-                    </m:r>
-                    <m:r>
-                      <a:rPr lang="en-US" sz="2200" b="0" i="1" smtClean="0">
-                        <a:solidFill>
-                          <a:schemeClr val="tx1"/>
-                        </a:solidFill>
-                        <a:latin typeface="Cambria Math" panose="02040503050406030204" pitchFamily="18" charset="0"/>
-                      </a:rPr>
-                      <m:t>=3</m:t>
-                    </m:r>
-                  </m:oMath>
-                </a14:m>
-                <a:r>
-                  <a:rPr lang="en-US" sz="2200" dirty="0">
-                    <a:solidFill>
-                      <a:schemeClr val="tx1"/>
-                    </a:solidFill>
-                    <a:latin typeface="Open Sans" panose="020B0606030504020204" pitchFamily="34" charset="0"/>
-                  </a:rPr>
-                  <a:t>. </a:t>
-                </a:r>
-              </a:p>
-              <a:p>
-                <a:pPr marL="0" indent="0">
-                  <a:buNone/>
-                </a:pPr>
-                <a:r>
-                  <a:rPr lang="en-US" sz="2200" dirty="0">
-                    <a:solidFill>
-                      <a:schemeClr val="tx1"/>
-                    </a:solidFill>
-                    <a:latin typeface="Open Sans" panose="020B0606030504020204" pitchFamily="34" charset="0"/>
-                  </a:rPr>
-                  <a:t>Then </a:t>
-                </a:r>
-                <a14:m>
-                  <m:oMath xmlns:m="http://schemas.openxmlformats.org/officeDocument/2006/math">
-                    <m:r>
-                      <a:rPr lang="en-US" sz="2200" b="0" i="1" smtClean="0">
-                        <a:solidFill>
-                          <a:schemeClr val="tx1"/>
-                        </a:solidFill>
-                        <a:latin typeface="Cambria Math" panose="02040503050406030204" pitchFamily="18" charset="0"/>
-                      </a:rPr>
-                      <m:t>𝑎</m:t>
-                    </m:r>
-                    <m:r>
-                      <a:rPr lang="en-US" sz="2200" b="0" i="1" smtClean="0">
-                        <a:solidFill>
-                          <a:schemeClr val="tx1"/>
-                        </a:solidFill>
-                        <a:latin typeface="Cambria Math" panose="02040503050406030204" pitchFamily="18" charset="0"/>
-                      </a:rPr>
-                      <m:t>+</m:t>
-                    </m:r>
-                    <m:r>
-                      <a:rPr lang="en-US" sz="2200" b="0" i="1" smtClean="0">
-                        <a:solidFill>
-                          <a:schemeClr val="tx1"/>
-                        </a:solidFill>
-                        <a:latin typeface="Cambria Math" panose="02040503050406030204" pitchFamily="18" charset="0"/>
-                      </a:rPr>
-                      <m:t>𝑏</m:t>
-                    </m:r>
-                    <m:r>
-                      <a:rPr lang="en-US" sz="2200" b="0" i="1" smtClean="0">
-                        <a:solidFill>
-                          <a:schemeClr val="tx1"/>
-                        </a:solidFill>
-                        <a:latin typeface="Cambria Math" panose="02040503050406030204" pitchFamily="18" charset="0"/>
-                      </a:rPr>
-                      <m:t>=1+3=4.</m:t>
-                    </m:r>
-                  </m:oMath>
-                </a14:m>
-                <a:endParaRPr lang="en-US" sz="2200" dirty="0">
-                  <a:solidFill>
-                    <a:schemeClr val="tx1"/>
-                  </a:solidFill>
-                  <a:latin typeface="Open Sans" panose="020B0606030504020204" pitchFamily="34" charset="0"/>
-                </a:endParaRPr>
-              </a:p>
-              <a:p>
-                <a:pPr marL="0" indent="0">
-                  <a:buNone/>
-                </a:pPr>
-                <a:r>
-                  <a:rPr lang="en-US" sz="2200" dirty="0">
-                    <a:solidFill>
-                      <a:schemeClr val="tx1"/>
-                    </a:solidFill>
-                    <a:latin typeface="Open Sans" panose="020B0606030504020204" pitchFamily="34" charset="0"/>
-                  </a:rPr>
-                  <a:t>4 is not odd; we have found an example where the statement is not true.</a:t>
-                </a:r>
-              </a:p>
-              <a:p>
-                <a:pPr marL="0" indent="0">
-                  <a:buNone/>
-                </a:pPr>
-                <a:endParaRPr lang="en-US" sz="2200" dirty="0">
-                  <a:solidFill>
-                    <a:schemeClr val="tx1"/>
-                  </a:solidFill>
-                  <a:latin typeface="Open Sans" panose="020B0606030504020204" pitchFamily="34" charset="0"/>
-                </a:endParaRPr>
-              </a:p>
-              <a:p>
-                <a:pPr marL="0" indent="0">
-                  <a:buNone/>
-                </a:pPr>
-                <a:r>
-                  <a:rPr lang="en-US" sz="2200" dirty="0">
-                    <a:solidFill>
-                      <a:schemeClr val="tx1"/>
-                    </a:solidFill>
-                    <a:latin typeface="Open Sans" panose="020B0606030504020204" pitchFamily="34" charset="0"/>
-                  </a:rPr>
-                  <a:t>Thus, the statement is false.  </a:t>
-                </a:r>
-              </a:p>
-              <a:p>
-                <a:pPr marL="0" indent="0">
-                  <a:buNone/>
-                </a:pPr>
-                <a:endParaRPr lang="en-US" sz="2200" dirty="0">
-                  <a:solidFill>
-                    <a:schemeClr val="tx1"/>
-                  </a:solidFill>
-                  <a:latin typeface="Open Sans" panose="020B0606030504020204" pitchFamily="34" charset="0"/>
-                </a:endParaRPr>
+                  <a:t>Find an exception to the statement </a:t>
+                </a:r>
               </a:p>
             </p:txBody>
           </p:sp>
         </mc:Choice>
-        <mc:Fallback>
+        <mc:Fallback xmlns="">
           <p:sp>
             <p:nvSpPr>
               <p:cNvPr id="6" name="Content Placeholder 2">
@@ -18414,6 +18024,482 @@
     </p:spTree>
     <p:extLst>
       <p:ext uri="{BB962C8B-B14F-4D97-AF65-F5344CB8AC3E}">
+        <p14:creationId xmlns:p14="http://schemas.microsoft.com/office/powerpoint/2010/main" val="1064910976"/>
+      </p:ext>
+    </p:extLst>
+  </p:cSld>
+  <p:clrMapOvr>
+    <a:masterClrMapping/>
+  </p:clrMapOvr>
+</p:sld>
+</file>
+
+<file path=ppt/slides/slide29.xml><?xml version="1.0" encoding="utf-8"?>
+<p:sld xmlns:a="http://schemas.openxmlformats.org/drawingml/2006/main" xmlns:r="http://schemas.openxmlformats.org/officeDocument/2006/relationships" xmlns:p="http://schemas.openxmlformats.org/presentationml/2006/main">
+  <p:cSld>
+    <p:spTree>
+      <p:nvGrpSpPr>
+        <p:cNvPr id="1" name=""/>
+        <p:cNvGrpSpPr/>
+        <p:nvPr/>
+      </p:nvGrpSpPr>
+      <p:grpSpPr>
+        <a:xfrm>
+          <a:off x="0" y="0"/>
+          <a:ext cx="0" cy="0"/>
+          <a:chOff x="0" y="0"/>
+          <a:chExt cx="0" cy="0"/>
+        </a:xfrm>
+      </p:grpSpPr>
+      <p:sp>
+        <p:nvSpPr>
+          <p:cNvPr id="2" name="Title 1"/>
+          <p:cNvSpPr>
+            <a:spLocks noGrp="1"/>
+          </p:cNvSpPr>
+          <p:nvPr>
+            <p:ph type="title"/>
+          </p:nvPr>
+        </p:nvSpPr>
+        <p:spPr/>
+        <p:txBody>
+          <a:bodyPr/>
+          <a:lstStyle/>
+          <a:p>
+            <a:r>
+              <a:rPr lang="en-US" dirty="0"/>
+              <a:t>Proof by Counter Example</a:t>
+            </a:r>
+          </a:p>
+        </p:txBody>
+      </p:sp>
+      <mc:AlternateContent xmlns:mc="http://schemas.openxmlformats.org/markup-compatibility/2006" xmlns:a14="http://schemas.microsoft.com/office/drawing/2010/main">
+        <mc:Choice Requires="a14">
+          <p:sp>
+            <p:nvSpPr>
+              <p:cNvPr id="6" name="Content Placeholder 2">
+                <a:extLst>
+                  <a:ext uri="{FF2B5EF4-FFF2-40B4-BE49-F238E27FC236}">
+                    <a16:creationId xmlns:a16="http://schemas.microsoft.com/office/drawing/2014/main" id="{5DFEF51D-F265-61A0-FAE6-BBE496D688A3}"/>
+                  </a:ext>
+                </a:extLst>
+              </p:cNvPr>
+              <p:cNvSpPr>
+                <a:spLocks noGrp="1"/>
+              </p:cNvSpPr>
+              <p:nvPr>
+                <p:ph idx="1"/>
+              </p:nvPr>
+            </p:nvSpPr>
+            <p:spPr>
+              <a:xfrm>
+                <a:off x="3515517" y="728420"/>
+                <a:ext cx="8603673" cy="6129580"/>
+              </a:xfrm>
+            </p:spPr>
+            <p:txBody>
+              <a:bodyPr anchor="t">
+                <a:normAutofit/>
+              </a:bodyPr>
+              <a:lstStyle/>
+              <a:p>
+                <a:pPr marL="0" indent="0">
+                  <a:buNone/>
+                </a:pPr>
+                <a:r>
+                  <a:rPr lang="en-US" sz="2400" b="1" i="1" dirty="0">
+                    <a:solidFill>
+                      <a:schemeClr val="tx1"/>
+                    </a:solidFill>
+                    <a:latin typeface="Open Sans" panose="020B0606030504020204" pitchFamily="34" charset="0"/>
+                  </a:rPr>
+                  <a:t>Proof: </a:t>
+                </a:r>
+                <a:r>
+                  <a:rPr lang="en-US" sz="2400" dirty="0">
+                    <a:solidFill>
+                      <a:schemeClr val="tx1"/>
+                    </a:solidFill>
+                    <a:latin typeface="Open Sans" panose="020B0606030504020204" pitchFamily="34" charset="0"/>
+                  </a:rPr>
+                  <a:t>We will show that the statement for all integers </a:t>
+                </a:r>
+                <a14:m>
+                  <m:oMath xmlns:m="http://schemas.openxmlformats.org/officeDocument/2006/math">
+                    <m:r>
+                      <a:rPr lang="en-US" sz="2400" b="0" i="1" smtClean="0">
+                        <a:solidFill>
+                          <a:schemeClr val="tx1"/>
+                        </a:solidFill>
+                        <a:latin typeface="Cambria Math" panose="02040503050406030204" pitchFamily="18" charset="0"/>
+                      </a:rPr>
+                      <m:t>𝑎</m:t>
+                    </m:r>
+                  </m:oMath>
+                </a14:m>
+                <a:r>
+                  <a:rPr lang="en-US" sz="2200" dirty="0">
+                    <a:solidFill>
+                      <a:schemeClr val="tx1"/>
+                    </a:solidFill>
+                    <a:latin typeface="Open Sans" panose="020B0606030504020204" pitchFamily="34" charset="0"/>
+                  </a:rPr>
+                  <a:t> and </a:t>
+                </a:r>
+                <a14:m>
+                  <m:oMath xmlns:m="http://schemas.openxmlformats.org/officeDocument/2006/math">
+                    <m:r>
+                      <a:rPr lang="en-US" sz="2200" b="0" i="1" smtClean="0">
+                        <a:solidFill>
+                          <a:schemeClr val="tx1"/>
+                        </a:solidFill>
+                        <a:latin typeface="Cambria Math" panose="02040503050406030204" pitchFamily="18" charset="0"/>
+                      </a:rPr>
+                      <m:t>𝑏</m:t>
+                    </m:r>
+                  </m:oMath>
+                </a14:m>
+                <a:r>
+                  <a:rPr lang="en-US" sz="2200" dirty="0">
+                    <a:solidFill>
+                      <a:schemeClr val="tx1"/>
+                    </a:solidFill>
+                    <a:latin typeface="Open Sans" panose="020B0606030504020204" pitchFamily="34" charset="0"/>
+                  </a:rPr>
+                  <a:t>, if </a:t>
+                </a:r>
+                <a14:m>
+                  <m:oMath xmlns:m="http://schemas.openxmlformats.org/officeDocument/2006/math">
+                    <m:r>
+                      <a:rPr lang="en-US" sz="2200" b="0" i="1" smtClean="0">
+                        <a:solidFill>
+                          <a:schemeClr val="tx1"/>
+                        </a:solidFill>
+                        <a:latin typeface="Cambria Math" panose="02040503050406030204" pitchFamily="18" charset="0"/>
+                      </a:rPr>
+                      <m:t>𝑎</m:t>
+                    </m:r>
+                  </m:oMath>
+                </a14:m>
+                <a:r>
+                  <a:rPr lang="en-US" sz="2200" dirty="0">
+                    <a:solidFill>
+                      <a:schemeClr val="tx1"/>
+                    </a:solidFill>
+                    <a:latin typeface="Open Sans" panose="020B0606030504020204" pitchFamily="34" charset="0"/>
+                  </a:rPr>
+                  <a:t> is odd or </a:t>
+                </a:r>
+                <a14:m>
+                  <m:oMath xmlns:m="http://schemas.openxmlformats.org/officeDocument/2006/math">
+                    <m:r>
+                      <a:rPr lang="en-US" sz="2200" b="0" i="1" smtClean="0">
+                        <a:solidFill>
+                          <a:schemeClr val="tx1"/>
+                        </a:solidFill>
+                        <a:latin typeface="Cambria Math" panose="02040503050406030204" pitchFamily="18" charset="0"/>
+                      </a:rPr>
+                      <m:t>𝑏</m:t>
+                    </m:r>
+                  </m:oMath>
+                </a14:m>
+                <a:r>
+                  <a:rPr lang="en-US" sz="2200" dirty="0">
+                    <a:solidFill>
+                      <a:schemeClr val="tx1"/>
+                    </a:solidFill>
+                    <a:latin typeface="Open Sans" panose="020B0606030504020204" pitchFamily="34" charset="0"/>
+                  </a:rPr>
+                  <a:t> is odd, then </a:t>
+                </a:r>
+                <a14:m>
+                  <m:oMath xmlns:m="http://schemas.openxmlformats.org/officeDocument/2006/math">
+                    <m:r>
+                      <a:rPr lang="en-US" sz="2200" b="0" i="1" smtClean="0">
+                        <a:solidFill>
+                          <a:schemeClr val="tx1"/>
+                        </a:solidFill>
+                        <a:latin typeface="Cambria Math" panose="02040503050406030204" pitchFamily="18" charset="0"/>
+                      </a:rPr>
+                      <m:t>𝑎</m:t>
+                    </m:r>
+                    <m:r>
+                      <a:rPr lang="en-US" sz="2200" b="0" i="1" smtClean="0">
+                        <a:solidFill>
+                          <a:schemeClr val="tx1"/>
+                        </a:solidFill>
+                        <a:latin typeface="Cambria Math" panose="02040503050406030204" pitchFamily="18" charset="0"/>
+                      </a:rPr>
+                      <m:t>+</m:t>
+                    </m:r>
+                    <m:r>
+                      <a:rPr lang="en-US" sz="2200" b="0" i="1" smtClean="0">
+                        <a:solidFill>
+                          <a:schemeClr val="tx1"/>
+                        </a:solidFill>
+                        <a:latin typeface="Cambria Math" panose="02040503050406030204" pitchFamily="18" charset="0"/>
+                      </a:rPr>
+                      <m:t>𝑏</m:t>
+                    </m:r>
+                  </m:oMath>
+                </a14:m>
+                <a:r>
+                  <a:rPr lang="en-US" sz="2200" dirty="0">
+                    <a:solidFill>
+                      <a:schemeClr val="tx1"/>
+                    </a:solidFill>
+                    <a:latin typeface="Open Sans" panose="020B0606030504020204" pitchFamily="34" charset="0"/>
+                  </a:rPr>
+                  <a:t> is odd. </a:t>
+                </a:r>
+              </a:p>
+              <a:p>
+                <a:pPr marL="0" indent="0">
+                  <a:buNone/>
+                </a:pPr>
+                <a:endParaRPr lang="en-US" sz="2200" dirty="0">
+                  <a:solidFill>
+                    <a:schemeClr val="tx1"/>
+                  </a:solidFill>
+                  <a:latin typeface="Open Sans" panose="020B0606030504020204" pitchFamily="34" charset="0"/>
+                </a:endParaRPr>
+              </a:p>
+              <a:p>
+                <a:pPr marL="0" indent="0">
+                  <a:buNone/>
+                </a:pPr>
+                <a:r>
+                  <a:rPr lang="en-US" sz="2200" dirty="0">
+                    <a:solidFill>
+                      <a:schemeClr val="tx1"/>
+                    </a:solidFill>
+                    <a:latin typeface="Open Sans" panose="020B0606030504020204" pitchFamily="34" charset="0"/>
+                  </a:rPr>
+                  <a:t>Let </a:t>
+                </a:r>
+                <a14:m>
+                  <m:oMath xmlns:m="http://schemas.openxmlformats.org/officeDocument/2006/math">
+                    <m:r>
+                      <a:rPr lang="en-US" sz="2200" b="0" i="1" smtClean="0">
+                        <a:solidFill>
+                          <a:schemeClr val="tx1"/>
+                        </a:solidFill>
+                        <a:latin typeface="Cambria Math" panose="02040503050406030204" pitchFamily="18" charset="0"/>
+                      </a:rPr>
+                      <m:t>𝑎</m:t>
+                    </m:r>
+                    <m:r>
+                      <a:rPr lang="en-US" sz="2200" b="0" i="1" smtClean="0">
+                        <a:solidFill>
+                          <a:schemeClr val="tx1"/>
+                        </a:solidFill>
+                        <a:latin typeface="Cambria Math" panose="02040503050406030204" pitchFamily="18" charset="0"/>
+                      </a:rPr>
+                      <m:t>=1</m:t>
+                    </m:r>
+                  </m:oMath>
+                </a14:m>
+                <a:r>
+                  <a:rPr lang="en-US" sz="2200" dirty="0">
+                    <a:solidFill>
+                      <a:schemeClr val="tx1"/>
+                    </a:solidFill>
+                    <a:latin typeface="Open Sans" panose="020B0606030504020204" pitchFamily="34" charset="0"/>
+                  </a:rPr>
+                  <a:t>, and </a:t>
+                </a:r>
+                <a14:m>
+                  <m:oMath xmlns:m="http://schemas.openxmlformats.org/officeDocument/2006/math">
+                    <m:r>
+                      <a:rPr lang="en-US" sz="2200" b="0" i="1" smtClean="0">
+                        <a:solidFill>
+                          <a:schemeClr val="tx1"/>
+                        </a:solidFill>
+                        <a:latin typeface="Cambria Math" panose="02040503050406030204" pitchFamily="18" charset="0"/>
+                      </a:rPr>
+                      <m:t>𝑏</m:t>
+                    </m:r>
+                    <m:r>
+                      <a:rPr lang="en-US" sz="2200" b="0" i="1" smtClean="0">
+                        <a:solidFill>
+                          <a:schemeClr val="tx1"/>
+                        </a:solidFill>
+                        <a:latin typeface="Cambria Math" panose="02040503050406030204" pitchFamily="18" charset="0"/>
+                      </a:rPr>
+                      <m:t>=3</m:t>
+                    </m:r>
+                  </m:oMath>
+                </a14:m>
+                <a:r>
+                  <a:rPr lang="en-US" sz="2200" dirty="0">
+                    <a:solidFill>
+                      <a:schemeClr val="tx1"/>
+                    </a:solidFill>
+                    <a:latin typeface="Open Sans" panose="020B0606030504020204" pitchFamily="34" charset="0"/>
+                  </a:rPr>
+                  <a:t>. </a:t>
+                </a:r>
+              </a:p>
+              <a:p>
+                <a:pPr marL="0" indent="0">
+                  <a:buNone/>
+                </a:pPr>
+                <a:r>
+                  <a:rPr lang="en-US" sz="2200" dirty="0">
+                    <a:solidFill>
+                      <a:schemeClr val="tx1"/>
+                    </a:solidFill>
+                    <a:latin typeface="Open Sans" panose="020B0606030504020204" pitchFamily="34" charset="0"/>
+                  </a:rPr>
+                  <a:t>Then </a:t>
+                </a:r>
+                <a14:m>
+                  <m:oMath xmlns:m="http://schemas.openxmlformats.org/officeDocument/2006/math">
+                    <m:r>
+                      <a:rPr lang="en-US" sz="2200" b="0" i="1" smtClean="0">
+                        <a:solidFill>
+                          <a:schemeClr val="tx1"/>
+                        </a:solidFill>
+                        <a:latin typeface="Cambria Math" panose="02040503050406030204" pitchFamily="18" charset="0"/>
+                      </a:rPr>
+                      <m:t>𝑎</m:t>
+                    </m:r>
+                    <m:r>
+                      <a:rPr lang="en-US" sz="2200" b="0" i="1" smtClean="0">
+                        <a:solidFill>
+                          <a:schemeClr val="tx1"/>
+                        </a:solidFill>
+                        <a:latin typeface="Cambria Math" panose="02040503050406030204" pitchFamily="18" charset="0"/>
+                      </a:rPr>
+                      <m:t>+</m:t>
+                    </m:r>
+                    <m:r>
+                      <a:rPr lang="en-US" sz="2200" b="0" i="1" smtClean="0">
+                        <a:solidFill>
+                          <a:schemeClr val="tx1"/>
+                        </a:solidFill>
+                        <a:latin typeface="Cambria Math" panose="02040503050406030204" pitchFamily="18" charset="0"/>
+                      </a:rPr>
+                      <m:t>𝑏</m:t>
+                    </m:r>
+                    <m:r>
+                      <a:rPr lang="en-US" sz="2200" b="0" i="1" smtClean="0">
+                        <a:solidFill>
+                          <a:schemeClr val="tx1"/>
+                        </a:solidFill>
+                        <a:latin typeface="Cambria Math" panose="02040503050406030204" pitchFamily="18" charset="0"/>
+                      </a:rPr>
+                      <m:t>=1+3=4.</m:t>
+                    </m:r>
+                  </m:oMath>
+                </a14:m>
+                <a:endParaRPr lang="en-US" sz="2200" dirty="0">
+                  <a:solidFill>
+                    <a:schemeClr val="tx1"/>
+                  </a:solidFill>
+                  <a:latin typeface="Open Sans" panose="020B0606030504020204" pitchFamily="34" charset="0"/>
+                </a:endParaRPr>
+              </a:p>
+              <a:p>
+                <a:pPr marL="0" indent="0">
+                  <a:buNone/>
+                </a:pPr>
+                <a:r>
+                  <a:rPr lang="en-US" sz="2200" dirty="0">
+                    <a:solidFill>
+                      <a:schemeClr val="tx1"/>
+                    </a:solidFill>
+                    <a:latin typeface="Open Sans" panose="020B0606030504020204" pitchFamily="34" charset="0"/>
+                  </a:rPr>
+                  <a:t>4 is not odd; we have found an example where the statement is not true.</a:t>
+                </a:r>
+              </a:p>
+              <a:p>
+                <a:pPr marL="0" indent="0">
+                  <a:buNone/>
+                </a:pPr>
+                <a:endParaRPr lang="en-US" sz="2200" dirty="0">
+                  <a:solidFill>
+                    <a:schemeClr val="tx1"/>
+                  </a:solidFill>
+                  <a:latin typeface="Open Sans" panose="020B0606030504020204" pitchFamily="34" charset="0"/>
+                </a:endParaRPr>
+              </a:p>
+              <a:p>
+                <a:pPr marL="0" indent="0">
+                  <a:buNone/>
+                </a:pPr>
+                <a:r>
+                  <a:rPr lang="en-US" sz="2200" dirty="0">
+                    <a:solidFill>
+                      <a:schemeClr val="tx1"/>
+                    </a:solidFill>
+                    <a:latin typeface="Open Sans" panose="020B0606030504020204" pitchFamily="34" charset="0"/>
+                  </a:rPr>
+                  <a:t>Thus, the statement is false.  </a:t>
+                </a:r>
+              </a:p>
+              <a:p>
+                <a:pPr marL="0" indent="0">
+                  <a:buNone/>
+                </a:pPr>
+                <a:endParaRPr lang="en-US" sz="2200" dirty="0">
+                  <a:solidFill>
+                    <a:schemeClr val="tx1"/>
+                  </a:solidFill>
+                  <a:latin typeface="Open Sans" panose="020B0606030504020204" pitchFamily="34" charset="0"/>
+                </a:endParaRPr>
+              </a:p>
+            </p:txBody>
+          </p:sp>
+        </mc:Choice>
+        <mc:Fallback xmlns="">
+          <p:sp>
+            <p:nvSpPr>
+              <p:cNvPr id="6" name="Content Placeholder 2">
+                <a:extLst>
+                  <a:ext uri="{FF2B5EF4-FFF2-40B4-BE49-F238E27FC236}">
+                    <a16:creationId xmlns:a16="http://schemas.microsoft.com/office/drawing/2014/main" id="{5DFEF51D-F265-61A0-FAE6-BBE496D688A3}"/>
+                  </a:ext>
+                </a:extLst>
+              </p:cNvPr>
+              <p:cNvSpPr>
+                <a:spLocks noGrp="1" noRot="1" noChangeAspect="1" noMove="1" noResize="1" noEditPoints="1" noAdjustHandles="1" noChangeArrowheads="1" noChangeShapeType="1" noTextEdit="1"/>
+              </p:cNvSpPr>
+              <p:nvPr>
+                <p:ph idx="1"/>
+              </p:nvPr>
+            </p:nvSpPr>
+            <p:spPr>
+              <a:xfrm>
+                <a:off x="3515517" y="728420"/>
+                <a:ext cx="8603673" cy="6129580"/>
+              </a:xfrm>
+              <a:blipFill>
+                <a:blip r:embed="rId3"/>
+                <a:stretch>
+                  <a:fillRect l="-1031" t="-1449"/>
+                </a:stretch>
+              </a:blipFill>
+            </p:spPr>
+            <p:txBody>
+              <a:bodyPr/>
+              <a:lstStyle/>
+              <a:p>
+                <a:r>
+                  <a:rPr lang="en-US">
+                    <a:noFill/>
+                  </a:rPr>
+                  <a:t> </a:t>
+                </a:r>
+              </a:p>
+            </p:txBody>
+          </p:sp>
+        </mc:Fallback>
+      </mc:AlternateContent>
+    </p:spTree>
+    <p:extLst>
+      <p:ext uri="{BB962C8B-B14F-4D97-AF65-F5344CB8AC3E}">
         <p14:creationId xmlns:p14="http://schemas.microsoft.com/office/powerpoint/2010/main" val="2996644771"/>
       </p:ext>
     </p:extLst>
@@ -18424,7 +18510,597 @@
 </p:sld>
 </file>
 
-<file path=ppt/slides/slide29.xml><?xml version="1.0" encoding="utf-8"?>
+<file path=ppt/slides/slide3.xml><?xml version="1.0" encoding="utf-8"?>
+<p:sld xmlns:a="http://schemas.openxmlformats.org/drawingml/2006/main" xmlns:r="http://schemas.openxmlformats.org/officeDocument/2006/relationships" xmlns:p="http://schemas.openxmlformats.org/presentationml/2006/main">
+  <p:cSld>
+    <p:spTree>
+      <p:nvGrpSpPr>
+        <p:cNvPr id="1" name=""/>
+        <p:cNvGrpSpPr/>
+        <p:nvPr/>
+      </p:nvGrpSpPr>
+      <p:grpSpPr>
+        <a:xfrm>
+          <a:off x="0" y="0"/>
+          <a:ext cx="0" cy="0"/>
+          <a:chOff x="0" y="0"/>
+          <a:chExt cx="0" cy="0"/>
+        </a:xfrm>
+      </p:grpSpPr>
+      <p:sp>
+        <p:nvSpPr>
+          <p:cNvPr id="2" name="Title 1"/>
+          <p:cNvSpPr>
+            <a:spLocks noGrp="1"/>
+          </p:cNvSpPr>
+          <p:nvPr>
+            <p:ph type="title"/>
+          </p:nvPr>
+        </p:nvSpPr>
+        <p:spPr/>
+        <p:txBody>
+          <a:bodyPr/>
+          <a:lstStyle/>
+          <a:p>
+            <a:r>
+              <a:rPr lang="en-US" dirty="0"/>
+              <a:t>Warm Up</a:t>
+            </a:r>
+          </a:p>
+        </p:txBody>
+      </p:sp>
+      <mc:AlternateContent xmlns:mc="http://schemas.openxmlformats.org/markup-compatibility/2006" xmlns:a14="http://schemas.microsoft.com/office/drawing/2010/main">
+        <mc:Choice Requires="a14">
+          <p:sp>
+            <p:nvSpPr>
+              <p:cNvPr id="6" name="Content Placeholder 2">
+                <a:extLst>
+                  <a:ext uri="{FF2B5EF4-FFF2-40B4-BE49-F238E27FC236}">
+                    <a16:creationId xmlns:a16="http://schemas.microsoft.com/office/drawing/2014/main" id="{5DFEF51D-F265-61A0-FAE6-BBE496D688A3}"/>
+                  </a:ext>
+                </a:extLst>
+              </p:cNvPr>
+              <p:cNvSpPr>
+                <a:spLocks noGrp="1"/>
+              </p:cNvSpPr>
+              <p:nvPr>
+                <p:ph idx="1"/>
+              </p:nvPr>
+            </p:nvSpPr>
+            <p:spPr>
+              <a:xfrm>
+                <a:off x="3515517" y="728420"/>
+                <a:ext cx="8603673" cy="6129580"/>
+              </a:xfrm>
+            </p:spPr>
+            <p:txBody>
+              <a:bodyPr anchor="t">
+                <a:normAutofit/>
+              </a:bodyPr>
+              <a:lstStyle/>
+              <a:p>
+                <a:pPr marL="0" indent="0">
+                  <a:buNone/>
+                </a:pPr>
+                <a:r>
+                  <a:rPr lang="en-US" sz="2400" b="1" i="1" dirty="0">
+                    <a:solidFill>
+                      <a:schemeClr val="tx1"/>
+                    </a:solidFill>
+                    <a:latin typeface="Open Sans" panose="020B0606030504020204" pitchFamily="34" charset="0"/>
+                  </a:rPr>
+                  <a:t>Direct proof </a:t>
+                </a:r>
+                <a:r>
+                  <a:rPr lang="en-US" sz="2400" dirty="0">
+                    <a:solidFill>
+                      <a:schemeClr val="tx1"/>
+                    </a:solidFill>
+                    <a:latin typeface="Open Sans" panose="020B0606030504020204" pitchFamily="34" charset="0"/>
+                  </a:rPr>
+                  <a:t>is usually used to prove implications. </a:t>
+                </a:r>
+              </a:p>
+              <a:p>
+                <a:pPr marL="0" indent="0">
+                  <a:buNone/>
+                </a:pPr>
+                <a:r>
+                  <a:rPr lang="en-US" sz="2400" dirty="0">
+                    <a:solidFill>
+                      <a:schemeClr val="tx1"/>
+                    </a:solidFill>
+                    <a:latin typeface="Open Sans" panose="020B0606030504020204" pitchFamily="34" charset="0"/>
+                  </a:rPr>
+                  <a:t>To prove </a:t>
+                </a:r>
+                <a14:m>
+                  <m:oMath xmlns:m="http://schemas.openxmlformats.org/officeDocument/2006/math">
+                    <m:r>
+                      <a:rPr lang="en-US" sz="2400" b="0" i="1" smtClean="0">
+                        <a:solidFill>
+                          <a:schemeClr val="tx1"/>
+                        </a:solidFill>
+                        <a:latin typeface="Cambria Math" panose="02040503050406030204" pitchFamily="18" charset="0"/>
+                      </a:rPr>
+                      <m:t>𝑃</m:t>
+                    </m:r>
+                    <m:r>
+                      <a:rPr lang="en-US" sz="2400" b="0" i="1" smtClean="0">
+                        <a:solidFill>
+                          <a:schemeClr val="tx1"/>
+                        </a:solidFill>
+                        <a:latin typeface="Cambria Math" panose="02040503050406030204" pitchFamily="18" charset="0"/>
+                      </a:rPr>
+                      <m:t>→</m:t>
+                    </m:r>
+                    <m:r>
+                      <a:rPr lang="en-US" sz="2400" b="0" i="1" smtClean="0">
+                        <a:solidFill>
+                          <a:schemeClr val="tx1"/>
+                        </a:solidFill>
+                        <a:latin typeface="Cambria Math" panose="02040503050406030204" pitchFamily="18" charset="0"/>
+                      </a:rPr>
+                      <m:t>𝑄</m:t>
+                    </m:r>
+                  </m:oMath>
+                </a14:m>
+                <a:r>
+                  <a:rPr lang="en-US" sz="2400" dirty="0">
+                    <a:solidFill>
+                      <a:schemeClr val="tx1"/>
+                    </a:solidFill>
+                    <a:latin typeface="Open Sans" panose="020B0606030504020204" pitchFamily="34" charset="0"/>
+                  </a:rPr>
+                  <a:t>, we will </a:t>
+                </a:r>
+              </a:p>
+              <a:p>
+                <a:pPr marL="960120" lvl="1" indent="-457200">
+                  <a:buFont typeface="+mj-lt"/>
+                  <a:buAutoNum type="arabicPeriod"/>
+                </a:pPr>
+                <a:r>
+                  <a:rPr lang="en-US" sz="2200" dirty="0">
+                    <a:solidFill>
+                      <a:schemeClr val="tx1"/>
+                    </a:solidFill>
+                    <a:latin typeface="Open Sans" panose="020B0606030504020204" pitchFamily="34" charset="0"/>
+                  </a:rPr>
+                  <a:t>Assume P is true</a:t>
+                </a:r>
+              </a:p>
+              <a:p>
+                <a:pPr marL="960120" lvl="1" indent="-457200">
+                  <a:buFont typeface="+mj-lt"/>
+                  <a:buAutoNum type="arabicPeriod"/>
+                </a:pPr>
+                <a:r>
+                  <a:rPr lang="en-US" sz="2200" dirty="0">
+                    <a:solidFill>
+                      <a:schemeClr val="tx1"/>
+                    </a:solidFill>
+                    <a:latin typeface="Open Sans" panose="020B0606030504020204" pitchFamily="34" charset="0"/>
+                  </a:rPr>
+                  <a:t>Deduce that Q must then also be true </a:t>
+                </a:r>
+              </a:p>
+              <a:p>
+                <a:pPr marL="960120" lvl="1" indent="-457200">
+                  <a:buFont typeface="+mj-lt"/>
+                  <a:buAutoNum type="arabicPeriod"/>
+                </a:pPr>
+                <a:endParaRPr lang="en-US" sz="2200" dirty="0">
+                  <a:solidFill>
+                    <a:schemeClr val="tx1"/>
+                  </a:solidFill>
+                  <a:latin typeface="Open Sans" panose="020B0606030504020204" pitchFamily="34" charset="0"/>
+                </a:endParaRPr>
+              </a:p>
+              <a:p>
+                <a:pPr marL="0" indent="0">
+                  <a:buNone/>
+                </a:pPr>
+                <a:r>
+                  <a:rPr lang="en-US" sz="2400" b="1" i="1" dirty="0">
+                    <a:solidFill>
+                      <a:schemeClr val="tx1"/>
+                    </a:solidFill>
+                    <a:latin typeface="Open Sans" panose="020B0606030504020204" pitchFamily="34" charset="0"/>
+                  </a:rPr>
+                  <a:t>Proof by contrapositive</a:t>
+                </a:r>
+              </a:p>
+              <a:p>
+                <a:pPr marL="0" indent="0">
+                  <a:buNone/>
+                </a:pPr>
+                <a:r>
+                  <a:rPr lang="en-US" sz="2400" dirty="0">
+                    <a:solidFill>
+                      <a:schemeClr val="tx1"/>
+                    </a:solidFill>
+                    <a:latin typeface="Open Sans" panose="020B0606030504020204" pitchFamily="34" charset="0"/>
+                  </a:rPr>
+                  <a:t>To prove </a:t>
+                </a:r>
+                <a14:m>
+                  <m:oMath xmlns:m="http://schemas.openxmlformats.org/officeDocument/2006/math">
+                    <m:r>
+                      <a:rPr lang="en-US" sz="2400" b="0" i="1" smtClean="0">
+                        <a:solidFill>
+                          <a:schemeClr val="tx1"/>
+                        </a:solidFill>
+                        <a:latin typeface="Cambria Math" panose="02040503050406030204" pitchFamily="18" charset="0"/>
+                      </a:rPr>
+                      <m:t>𝑃</m:t>
+                    </m:r>
+                    <m:r>
+                      <a:rPr lang="en-US" sz="2400" b="0" i="1" smtClean="0">
+                        <a:solidFill>
+                          <a:schemeClr val="tx1"/>
+                        </a:solidFill>
+                        <a:latin typeface="Cambria Math" panose="02040503050406030204" pitchFamily="18" charset="0"/>
+                      </a:rPr>
+                      <m:t>→</m:t>
+                    </m:r>
+                    <m:r>
+                      <a:rPr lang="en-US" sz="2400" b="0" i="1" smtClean="0">
+                        <a:solidFill>
+                          <a:schemeClr val="tx1"/>
+                        </a:solidFill>
+                        <a:latin typeface="Cambria Math" panose="02040503050406030204" pitchFamily="18" charset="0"/>
+                      </a:rPr>
+                      <m:t>𝑄</m:t>
+                    </m:r>
+                  </m:oMath>
+                </a14:m>
+                <a:r>
+                  <a:rPr lang="en-US" sz="2400" dirty="0">
+                    <a:solidFill>
+                      <a:schemeClr val="tx1"/>
+                    </a:solidFill>
+                    <a:latin typeface="Open Sans" panose="020B0606030504020204" pitchFamily="34" charset="0"/>
+                  </a:rPr>
+                  <a:t>, we will </a:t>
+                </a:r>
+              </a:p>
+              <a:p>
+                <a:pPr marL="960120" lvl="1" indent="-457200">
+                  <a:buFont typeface="+mj-lt"/>
+                  <a:buAutoNum type="arabicPeriod"/>
+                </a:pPr>
+                <a:r>
+                  <a:rPr lang="en-US" sz="2200" dirty="0">
+                    <a:solidFill>
+                      <a:schemeClr val="tx1"/>
+                    </a:solidFill>
+                    <a:latin typeface="Open Sans" panose="020B0606030504020204" pitchFamily="34" charset="0"/>
+                  </a:rPr>
+                  <a:t>Prove the contrapositive </a:t>
+                </a:r>
+                <a:r>
+                  <a:rPr lang="en-US" sz="2000" dirty="0">
+                    <a:solidFill>
+                      <a:schemeClr val="tx1"/>
+                    </a:solidFill>
+                    <a:latin typeface="Open Sans" panose="020B0606030504020204" pitchFamily="34" charset="0"/>
+                  </a:rPr>
+                  <a:t>(</a:t>
+                </a:r>
+                <a14:m>
+                  <m:oMath xmlns:m="http://schemas.openxmlformats.org/officeDocument/2006/math">
+                    <m:r>
+                      <a:rPr lang="en-US" sz="2000" i="1" smtClean="0">
+                        <a:solidFill>
+                          <a:schemeClr val="tx1"/>
+                        </a:solidFill>
+                        <a:latin typeface="Cambria Math" panose="02040503050406030204" pitchFamily="18" charset="0"/>
+                        <a:ea typeface="Cambria Math" panose="02040503050406030204" pitchFamily="18" charset="0"/>
+                      </a:rPr>
+                      <m:t>¬</m:t>
+                    </m:r>
+                    <m:r>
+                      <a:rPr lang="en-US" sz="2000" b="0" i="1" smtClean="0">
+                        <a:solidFill>
+                          <a:schemeClr val="tx1"/>
+                        </a:solidFill>
+                        <a:latin typeface="Cambria Math" panose="02040503050406030204" pitchFamily="18" charset="0"/>
+                        <a:ea typeface="Cambria Math" panose="02040503050406030204" pitchFamily="18" charset="0"/>
+                      </a:rPr>
+                      <m:t>𝑄</m:t>
+                    </m:r>
+                    <m:r>
+                      <a:rPr lang="en-US" sz="2000" b="0" i="1" smtClean="0">
+                        <a:solidFill>
+                          <a:schemeClr val="tx1"/>
+                        </a:solidFill>
+                        <a:latin typeface="Cambria Math" panose="02040503050406030204" pitchFamily="18" charset="0"/>
+                        <a:ea typeface="Cambria Math" panose="02040503050406030204" pitchFamily="18" charset="0"/>
+                      </a:rPr>
+                      <m:t>→¬</m:t>
+                    </m:r>
+                    <m:r>
+                      <a:rPr lang="en-US" sz="2000" b="0" i="1" smtClean="0">
+                        <a:solidFill>
+                          <a:schemeClr val="tx1"/>
+                        </a:solidFill>
+                        <a:latin typeface="Cambria Math" panose="02040503050406030204" pitchFamily="18" charset="0"/>
+                        <a:ea typeface="Cambria Math" panose="02040503050406030204" pitchFamily="18" charset="0"/>
+                      </a:rPr>
+                      <m:t>𝑃</m:t>
+                    </m:r>
+                  </m:oMath>
+                </a14:m>
+                <a:r>
+                  <a:rPr lang="en-US" sz="2200" dirty="0">
+                    <a:solidFill>
+                      <a:schemeClr val="tx1"/>
+                    </a:solidFill>
+                    <a:latin typeface="Open Sans" panose="020B0606030504020204" pitchFamily="34" charset="0"/>
+                  </a:rPr>
+                  <a:t>)</a:t>
+                </a:r>
+              </a:p>
+              <a:p>
+                <a:pPr marL="1417320" lvl="2" indent="-457200">
+                  <a:buFont typeface="+mj-lt"/>
+                  <a:buAutoNum type="arabicPeriod"/>
+                </a:pPr>
+                <a:r>
+                  <a:rPr lang="en-US" sz="2000" dirty="0">
+                    <a:solidFill>
+                      <a:schemeClr val="tx1"/>
+                    </a:solidFill>
+                    <a:latin typeface="Open Sans" panose="020B0606030504020204" pitchFamily="34" charset="0"/>
+                  </a:rPr>
+                  <a:t>Assume </a:t>
+                </a:r>
+                <a14:m>
+                  <m:oMath xmlns:m="http://schemas.openxmlformats.org/officeDocument/2006/math">
+                    <m:r>
+                      <a:rPr lang="en-US" sz="2000" i="1" smtClean="0">
+                        <a:solidFill>
+                          <a:schemeClr val="tx1"/>
+                        </a:solidFill>
+                        <a:latin typeface="Cambria Math" panose="02040503050406030204" pitchFamily="18" charset="0"/>
+                        <a:ea typeface="Cambria Math" panose="02040503050406030204" pitchFamily="18" charset="0"/>
+                      </a:rPr>
+                      <m:t>¬</m:t>
+                    </m:r>
+                    <m:r>
+                      <a:rPr lang="en-US" sz="2000" b="0" i="1" smtClean="0">
+                        <a:solidFill>
+                          <a:schemeClr val="tx1"/>
+                        </a:solidFill>
+                        <a:latin typeface="Cambria Math" panose="02040503050406030204" pitchFamily="18" charset="0"/>
+                        <a:ea typeface="Cambria Math" panose="02040503050406030204" pitchFamily="18" charset="0"/>
+                      </a:rPr>
+                      <m:t>𝑄</m:t>
+                    </m:r>
+                  </m:oMath>
+                </a14:m>
+                <a:r>
+                  <a:rPr lang="en-US" sz="2000" dirty="0">
+                    <a:solidFill>
+                      <a:schemeClr val="tx1"/>
+                    </a:solidFill>
+                    <a:latin typeface="Open Sans" panose="020B0606030504020204" pitchFamily="34" charset="0"/>
+                  </a:rPr>
+                  <a:t> is true</a:t>
+                </a:r>
+              </a:p>
+              <a:p>
+                <a:pPr marL="1417320" lvl="2" indent="-457200">
+                  <a:buFont typeface="+mj-lt"/>
+                  <a:buAutoNum type="arabicPeriod"/>
+                </a:pPr>
+                <a:r>
+                  <a:rPr lang="en-US" sz="2000" dirty="0">
+                    <a:solidFill>
+                      <a:schemeClr val="tx1"/>
+                    </a:solidFill>
+                    <a:latin typeface="Open Sans" panose="020B0606030504020204" pitchFamily="34" charset="0"/>
+                  </a:rPr>
+                  <a:t>Deduce that </a:t>
+                </a:r>
+                <a14:m>
+                  <m:oMath xmlns:m="http://schemas.openxmlformats.org/officeDocument/2006/math">
+                    <m:r>
+                      <a:rPr lang="en-US" sz="2000" i="1" smtClean="0">
+                        <a:solidFill>
+                          <a:schemeClr val="tx1"/>
+                        </a:solidFill>
+                        <a:latin typeface="Cambria Math" panose="02040503050406030204" pitchFamily="18" charset="0"/>
+                        <a:ea typeface="Cambria Math" panose="02040503050406030204" pitchFamily="18" charset="0"/>
+                      </a:rPr>
+                      <m:t>¬</m:t>
+                    </m:r>
+                    <m:r>
+                      <a:rPr lang="en-US" sz="2000" b="0" i="1" smtClean="0">
+                        <a:solidFill>
+                          <a:schemeClr val="tx1"/>
+                        </a:solidFill>
+                        <a:latin typeface="Cambria Math" panose="02040503050406030204" pitchFamily="18" charset="0"/>
+                        <a:ea typeface="Cambria Math" panose="02040503050406030204" pitchFamily="18" charset="0"/>
+                      </a:rPr>
+                      <m:t>𝑃</m:t>
+                    </m:r>
+                  </m:oMath>
+                </a14:m>
+                <a:r>
+                  <a:rPr lang="en-US" sz="2000" dirty="0">
+                    <a:solidFill>
+                      <a:schemeClr val="tx1"/>
+                    </a:solidFill>
+                    <a:latin typeface="Open Sans" panose="020B0606030504020204" pitchFamily="34" charset="0"/>
+                  </a:rPr>
+                  <a:t> must then also be true </a:t>
+                </a:r>
+              </a:p>
+              <a:p>
+                <a:pPr marL="0" indent="0">
+                  <a:buNone/>
+                </a:pPr>
+                <a:endParaRPr lang="en-US" sz="2400" dirty="0">
+                  <a:solidFill>
+                    <a:schemeClr val="tx1"/>
+                  </a:solidFill>
+                  <a:latin typeface="Open Sans" panose="020B0606030504020204" pitchFamily="34" charset="0"/>
+                </a:endParaRPr>
+              </a:p>
+              <a:p>
+                <a:pPr marL="0" indent="0">
+                  <a:buNone/>
+                </a:pPr>
+                <a:r>
+                  <a:rPr lang="en-US" sz="2400" dirty="0">
+                    <a:solidFill>
+                      <a:schemeClr val="tx1"/>
+                    </a:solidFill>
+                    <a:latin typeface="Open Sans" panose="020B0606030504020204" pitchFamily="34" charset="0"/>
+                  </a:rPr>
+                  <a:t>Work with a small group to prove if </a:t>
+                </a:r>
+                <a14:m>
+                  <m:oMath xmlns:m="http://schemas.openxmlformats.org/officeDocument/2006/math">
+                    <m:r>
+                      <a:rPr lang="en-US" sz="2400" b="0" i="1" smtClean="0">
+                        <a:solidFill>
+                          <a:schemeClr val="tx1"/>
+                        </a:solidFill>
+                        <a:latin typeface="Cambria Math" panose="02040503050406030204" pitchFamily="18" charset="0"/>
+                      </a:rPr>
+                      <m:t>𝑎𝑏</m:t>
+                    </m:r>
+                  </m:oMath>
+                </a14:m>
+                <a:r>
+                  <a:rPr lang="en-US" sz="2400" dirty="0">
+                    <a:solidFill>
+                      <a:schemeClr val="tx1"/>
+                    </a:solidFill>
+                    <a:latin typeface="Open Sans" panose="020B0606030504020204" pitchFamily="34" charset="0"/>
+                  </a:rPr>
+                  <a:t> is an even number, then </a:t>
+                </a:r>
+                <a14:m>
+                  <m:oMath xmlns:m="http://schemas.openxmlformats.org/officeDocument/2006/math">
+                    <m:r>
+                      <a:rPr lang="en-US" sz="2400" b="0" i="1" smtClean="0">
+                        <a:solidFill>
+                          <a:schemeClr val="tx1"/>
+                        </a:solidFill>
+                        <a:latin typeface="Cambria Math" panose="02040503050406030204" pitchFamily="18" charset="0"/>
+                      </a:rPr>
+                      <m:t>𝑎</m:t>
+                    </m:r>
+                  </m:oMath>
+                </a14:m>
+                <a:r>
+                  <a:rPr lang="en-US" sz="2400" dirty="0">
+                    <a:solidFill>
+                      <a:schemeClr val="tx1"/>
+                    </a:solidFill>
+                    <a:latin typeface="Open Sans" panose="020B0606030504020204" pitchFamily="34" charset="0"/>
+                  </a:rPr>
+                  <a:t>, or </a:t>
+                </a:r>
+                <a14:m>
+                  <m:oMath xmlns:m="http://schemas.openxmlformats.org/officeDocument/2006/math">
+                    <m:r>
+                      <a:rPr lang="en-US" sz="2400" b="0" i="1" smtClean="0">
+                        <a:solidFill>
+                          <a:schemeClr val="tx1"/>
+                        </a:solidFill>
+                        <a:latin typeface="Cambria Math" panose="02040503050406030204" pitchFamily="18" charset="0"/>
+                      </a:rPr>
+                      <m:t>𝑏</m:t>
+                    </m:r>
+                  </m:oMath>
+                </a14:m>
+                <a:r>
+                  <a:rPr lang="en-US" sz="2400" dirty="0">
+                    <a:solidFill>
+                      <a:schemeClr val="tx1"/>
+                    </a:solidFill>
+                    <a:latin typeface="Open Sans" panose="020B0606030504020204" pitchFamily="34" charset="0"/>
+                  </a:rPr>
+                  <a:t> is even. </a:t>
+                </a:r>
+              </a:p>
+              <a:p>
+                <a:pPr marL="0" indent="0">
+                  <a:buNone/>
+                </a:pPr>
+                <a:endParaRPr lang="en-US" sz="2400" dirty="0">
+                  <a:solidFill>
+                    <a:schemeClr val="tx1"/>
+                  </a:solidFill>
+                  <a:latin typeface="Open Sans" panose="020B0606030504020204" pitchFamily="34" charset="0"/>
+                </a:endParaRPr>
+              </a:p>
+            </p:txBody>
+          </p:sp>
+        </mc:Choice>
+        <mc:Fallback xmlns="">
+          <p:sp>
+            <p:nvSpPr>
+              <p:cNvPr id="6" name="Content Placeholder 2">
+                <a:extLst>
+                  <a:ext uri="{FF2B5EF4-FFF2-40B4-BE49-F238E27FC236}">
+                    <a16:creationId xmlns:a16="http://schemas.microsoft.com/office/drawing/2014/main" id="{5DFEF51D-F265-61A0-FAE6-BBE496D688A3}"/>
+                  </a:ext>
+                </a:extLst>
+              </p:cNvPr>
+              <p:cNvSpPr>
+                <a:spLocks noGrp="1" noRot="1" noChangeAspect="1" noMove="1" noResize="1" noEditPoints="1" noAdjustHandles="1" noChangeArrowheads="1" noChangeShapeType="1" noTextEdit="1"/>
+              </p:cNvSpPr>
+              <p:nvPr>
+                <p:ph idx="1"/>
+              </p:nvPr>
+            </p:nvSpPr>
+            <p:spPr>
+              <a:xfrm>
+                <a:off x="3515517" y="728420"/>
+                <a:ext cx="8603673" cy="6129580"/>
+              </a:xfrm>
+              <a:blipFill>
+                <a:blip r:embed="rId3"/>
+                <a:stretch>
+                  <a:fillRect l="-1031" t="-1449"/>
+                </a:stretch>
+              </a:blipFill>
+            </p:spPr>
+            <p:txBody>
+              <a:bodyPr/>
+              <a:lstStyle/>
+              <a:p>
+                <a:r>
+                  <a:rPr lang="en-US">
+                    <a:noFill/>
+                  </a:rPr>
+                  <a:t> </a:t>
+                </a:r>
+              </a:p>
+            </p:txBody>
+          </p:sp>
+        </mc:Fallback>
+      </mc:AlternateContent>
+    </p:spTree>
+    <p:extLst>
+      <p:ext uri="{BB962C8B-B14F-4D97-AF65-F5344CB8AC3E}">
+        <p14:creationId xmlns:p14="http://schemas.microsoft.com/office/powerpoint/2010/main" val="4012712487"/>
+      </p:ext>
+    </p:extLst>
+  </p:cSld>
+  <p:clrMapOvr>
+    <a:masterClrMapping/>
+  </p:clrMapOvr>
+</p:sld>
+</file>
+
+<file path=ppt/slides/slide30.xml><?xml version="1.0" encoding="utf-8"?>
 <p:sld xmlns:a="http://schemas.openxmlformats.org/drawingml/2006/main" xmlns:r="http://schemas.openxmlformats.org/officeDocument/2006/relationships" xmlns:p="http://schemas.openxmlformats.org/presentationml/2006/main">
   <p:cSld>
     <p:spTree>
@@ -18560,8 +19236,8 @@
           </a:p>
         </p:txBody>
       </p:sp>
-      <mc:AlternateContent xmlns:mc="http://schemas.openxmlformats.org/markup-compatibility/2006">
-        <mc:Choice xmlns:a14="http://schemas.microsoft.com/office/drawing/2010/main" Requires="a14">
+      <mc:AlternateContent xmlns:mc="http://schemas.openxmlformats.org/markup-compatibility/2006" xmlns:a14="http://schemas.microsoft.com/office/drawing/2010/main">
+        <mc:Choice Requires="a14">
           <p:sp>
             <p:nvSpPr>
               <p:cNvPr id="3" name="Rounded Rectangle 2">
@@ -18694,7 +19370,7 @@
             </p:txBody>
           </p:sp>
         </mc:Choice>
-        <mc:Fallback>
+        <mc:Fallback xmlns="">
           <p:sp>
             <p:nvSpPr>
               <p:cNvPr id="3" name="Rounded Rectangle 2">
@@ -18743,958 +19419,6 @@
     <p:extLst>
       <p:ext uri="{BB962C8B-B14F-4D97-AF65-F5344CB8AC3E}">
         <p14:creationId xmlns:p14="http://schemas.microsoft.com/office/powerpoint/2010/main" val="412344860"/>
-      </p:ext>
-    </p:extLst>
-  </p:cSld>
-  <p:clrMapOvr>
-    <a:masterClrMapping/>
-  </p:clrMapOvr>
-</p:sld>
-</file>
-
-<file path=ppt/slides/slide3.xml><?xml version="1.0" encoding="utf-8"?>
-<p:sld xmlns:a="http://schemas.openxmlformats.org/drawingml/2006/main" xmlns:r="http://schemas.openxmlformats.org/officeDocument/2006/relationships" xmlns:p="http://schemas.openxmlformats.org/presentationml/2006/main">
-  <p:cSld>
-    <p:spTree>
-      <p:nvGrpSpPr>
-        <p:cNvPr id="1" name=""/>
-        <p:cNvGrpSpPr/>
-        <p:nvPr/>
-      </p:nvGrpSpPr>
-      <p:grpSpPr>
-        <a:xfrm>
-          <a:off x="0" y="0"/>
-          <a:ext cx="0" cy="0"/>
-          <a:chOff x="0" y="0"/>
-          <a:chExt cx="0" cy="0"/>
-        </a:xfrm>
-      </p:grpSpPr>
-      <p:sp>
-        <p:nvSpPr>
-          <p:cNvPr id="2" name="Title 1"/>
-          <p:cNvSpPr>
-            <a:spLocks noGrp="1"/>
-          </p:cNvSpPr>
-          <p:nvPr>
-            <p:ph type="title"/>
-          </p:nvPr>
-        </p:nvSpPr>
-        <p:spPr/>
-        <p:txBody>
-          <a:bodyPr/>
-          <a:lstStyle/>
-          <a:p>
-            <a:r>
-              <a:rPr lang="en-US" dirty="0"/>
-              <a:t>Warm Up</a:t>
-            </a:r>
-          </a:p>
-        </p:txBody>
-      </p:sp>
-      <mc:AlternateContent xmlns:mc="http://schemas.openxmlformats.org/markup-compatibility/2006" xmlns:a14="http://schemas.microsoft.com/office/drawing/2010/main">
-        <mc:Choice Requires="a14">
-          <p:sp>
-            <p:nvSpPr>
-              <p:cNvPr id="6" name="Content Placeholder 2">
-                <a:extLst>
-                  <a:ext uri="{FF2B5EF4-FFF2-40B4-BE49-F238E27FC236}">
-                    <a16:creationId xmlns:a16="http://schemas.microsoft.com/office/drawing/2014/main" id="{5DFEF51D-F265-61A0-FAE6-BBE496D688A3}"/>
-                  </a:ext>
-                </a:extLst>
-              </p:cNvPr>
-              <p:cNvSpPr>
-                <a:spLocks noGrp="1"/>
-              </p:cNvSpPr>
-              <p:nvPr>
-                <p:ph idx="1"/>
-              </p:nvPr>
-            </p:nvSpPr>
-            <p:spPr>
-              <a:xfrm>
-                <a:off x="3515517" y="728420"/>
-                <a:ext cx="8603673" cy="6129580"/>
-              </a:xfrm>
-            </p:spPr>
-            <p:txBody>
-              <a:bodyPr anchor="t">
-                <a:normAutofit/>
-              </a:bodyPr>
-              <a:lstStyle/>
-              <a:p>
-                <a:pPr marL="0" indent="0">
-                  <a:buNone/>
-                </a:pPr>
-                <a:r>
-                  <a:rPr lang="en-US" sz="2400" b="1" i="1" dirty="0">
-                    <a:solidFill>
-                      <a:schemeClr val="tx1"/>
-                    </a:solidFill>
-                    <a:latin typeface="Open Sans" panose="020B0606030504020204" pitchFamily="34" charset="0"/>
-                  </a:rPr>
-                  <a:t>Direct proof </a:t>
-                </a:r>
-                <a:r>
-                  <a:rPr lang="en-US" sz="2400" dirty="0">
-                    <a:solidFill>
-                      <a:schemeClr val="tx1"/>
-                    </a:solidFill>
-                    <a:latin typeface="Open Sans" panose="020B0606030504020204" pitchFamily="34" charset="0"/>
-                  </a:rPr>
-                  <a:t>is usually used to prove implications. </a:t>
-                </a:r>
-              </a:p>
-              <a:p>
-                <a:pPr marL="0" indent="0">
-                  <a:buNone/>
-                </a:pPr>
-                <a:r>
-                  <a:rPr lang="en-US" sz="2400" dirty="0">
-                    <a:solidFill>
-                      <a:schemeClr val="tx1"/>
-                    </a:solidFill>
-                    <a:latin typeface="Open Sans" panose="020B0606030504020204" pitchFamily="34" charset="0"/>
-                  </a:rPr>
-                  <a:t>To prove </a:t>
-                </a:r>
-                <a14:m>
-                  <m:oMath xmlns:m="http://schemas.openxmlformats.org/officeDocument/2006/math">
-                    <m:r>
-                      <a:rPr lang="en-US" sz="2400" b="0" i="1" smtClean="0">
-                        <a:solidFill>
-                          <a:schemeClr val="tx1"/>
-                        </a:solidFill>
-                        <a:latin typeface="Cambria Math" panose="02040503050406030204" pitchFamily="18" charset="0"/>
-                      </a:rPr>
-                      <m:t>𝑃</m:t>
-                    </m:r>
-                    <m:r>
-                      <a:rPr lang="en-US" sz="2400" b="0" i="1" smtClean="0">
-                        <a:solidFill>
-                          <a:schemeClr val="tx1"/>
-                        </a:solidFill>
-                        <a:latin typeface="Cambria Math" panose="02040503050406030204" pitchFamily="18" charset="0"/>
-                      </a:rPr>
-                      <m:t>→</m:t>
-                    </m:r>
-                    <m:r>
-                      <a:rPr lang="en-US" sz="2400" b="0" i="1" smtClean="0">
-                        <a:solidFill>
-                          <a:schemeClr val="tx1"/>
-                        </a:solidFill>
-                        <a:latin typeface="Cambria Math" panose="02040503050406030204" pitchFamily="18" charset="0"/>
-                      </a:rPr>
-                      <m:t>𝑄</m:t>
-                    </m:r>
-                  </m:oMath>
-                </a14:m>
-                <a:r>
-                  <a:rPr lang="en-US" sz="2400" dirty="0">
-                    <a:solidFill>
-                      <a:schemeClr val="tx1"/>
-                    </a:solidFill>
-                    <a:latin typeface="Open Sans" panose="020B0606030504020204" pitchFamily="34" charset="0"/>
-                  </a:rPr>
-                  <a:t>, we will </a:t>
-                </a:r>
-              </a:p>
-              <a:p>
-                <a:pPr marL="960120" lvl="1" indent="-457200">
-                  <a:buFont typeface="+mj-lt"/>
-                  <a:buAutoNum type="arabicPeriod"/>
-                </a:pPr>
-                <a:r>
-                  <a:rPr lang="en-US" sz="2200" dirty="0">
-                    <a:solidFill>
-                      <a:schemeClr val="tx1"/>
-                    </a:solidFill>
-                    <a:latin typeface="Open Sans" panose="020B0606030504020204" pitchFamily="34" charset="0"/>
-                  </a:rPr>
-                  <a:t>Assume P is true</a:t>
-                </a:r>
-              </a:p>
-              <a:p>
-                <a:pPr marL="960120" lvl="1" indent="-457200">
-                  <a:buFont typeface="+mj-lt"/>
-                  <a:buAutoNum type="arabicPeriod"/>
-                </a:pPr>
-                <a:r>
-                  <a:rPr lang="en-US" sz="2200" dirty="0">
-                    <a:solidFill>
-                      <a:schemeClr val="tx1"/>
-                    </a:solidFill>
-                    <a:latin typeface="Open Sans" panose="020B0606030504020204" pitchFamily="34" charset="0"/>
-                  </a:rPr>
-                  <a:t>Deduce that Q must then also be true </a:t>
-                </a:r>
-              </a:p>
-              <a:p>
-                <a:pPr marL="960120" lvl="1" indent="-457200">
-                  <a:buFont typeface="+mj-lt"/>
-                  <a:buAutoNum type="arabicPeriod"/>
-                </a:pPr>
-                <a:endParaRPr lang="en-US" sz="2200" dirty="0">
-                  <a:solidFill>
-                    <a:schemeClr val="tx1"/>
-                  </a:solidFill>
-                  <a:latin typeface="Open Sans" panose="020B0606030504020204" pitchFamily="34" charset="0"/>
-                </a:endParaRPr>
-              </a:p>
-              <a:p>
-                <a:pPr marL="0" indent="0">
-                  <a:buNone/>
-                </a:pPr>
-                <a:r>
-                  <a:rPr lang="en-US" sz="2400" b="1" i="1" dirty="0">
-                    <a:solidFill>
-                      <a:schemeClr val="tx1"/>
-                    </a:solidFill>
-                    <a:latin typeface="Open Sans" panose="020B0606030504020204" pitchFamily="34" charset="0"/>
-                  </a:rPr>
-                  <a:t>Proof by contrapositive</a:t>
-                </a:r>
-              </a:p>
-              <a:p>
-                <a:pPr marL="0" indent="0">
-                  <a:buNone/>
-                </a:pPr>
-                <a:r>
-                  <a:rPr lang="en-US" sz="2400" dirty="0">
-                    <a:solidFill>
-                      <a:schemeClr val="tx1"/>
-                    </a:solidFill>
-                    <a:latin typeface="Open Sans" panose="020B0606030504020204" pitchFamily="34" charset="0"/>
-                  </a:rPr>
-                  <a:t>To prove </a:t>
-                </a:r>
-                <a14:m>
-                  <m:oMath xmlns:m="http://schemas.openxmlformats.org/officeDocument/2006/math">
-                    <m:r>
-                      <a:rPr lang="en-US" sz="2400" b="0" i="1" smtClean="0">
-                        <a:solidFill>
-                          <a:schemeClr val="tx1"/>
-                        </a:solidFill>
-                        <a:latin typeface="Cambria Math" panose="02040503050406030204" pitchFamily="18" charset="0"/>
-                      </a:rPr>
-                      <m:t>𝑃</m:t>
-                    </m:r>
-                    <m:r>
-                      <a:rPr lang="en-US" sz="2400" b="0" i="1" smtClean="0">
-                        <a:solidFill>
-                          <a:schemeClr val="tx1"/>
-                        </a:solidFill>
-                        <a:latin typeface="Cambria Math" panose="02040503050406030204" pitchFamily="18" charset="0"/>
-                      </a:rPr>
-                      <m:t>→</m:t>
-                    </m:r>
-                    <m:r>
-                      <a:rPr lang="en-US" sz="2400" b="0" i="1" smtClean="0">
-                        <a:solidFill>
-                          <a:schemeClr val="tx1"/>
-                        </a:solidFill>
-                        <a:latin typeface="Cambria Math" panose="02040503050406030204" pitchFamily="18" charset="0"/>
-                      </a:rPr>
-                      <m:t>𝑄</m:t>
-                    </m:r>
-                  </m:oMath>
-                </a14:m>
-                <a:r>
-                  <a:rPr lang="en-US" sz="2400" dirty="0">
-                    <a:solidFill>
-                      <a:schemeClr val="tx1"/>
-                    </a:solidFill>
-                    <a:latin typeface="Open Sans" panose="020B0606030504020204" pitchFamily="34" charset="0"/>
-                  </a:rPr>
-                  <a:t>, we will </a:t>
-                </a:r>
-              </a:p>
-              <a:p>
-                <a:pPr marL="960120" lvl="1" indent="-457200">
-                  <a:buFont typeface="+mj-lt"/>
-                  <a:buAutoNum type="arabicPeriod"/>
-                </a:pPr>
-                <a:r>
-                  <a:rPr lang="en-US" sz="2200" dirty="0">
-                    <a:solidFill>
-                      <a:schemeClr val="tx1"/>
-                    </a:solidFill>
-                    <a:latin typeface="Open Sans" panose="020B0606030504020204" pitchFamily="34" charset="0"/>
-                  </a:rPr>
-                  <a:t>Prove the contrapositive </a:t>
-                </a:r>
-                <a:r>
-                  <a:rPr lang="en-US" sz="2000" dirty="0">
-                    <a:solidFill>
-                      <a:schemeClr val="tx1"/>
-                    </a:solidFill>
-                    <a:latin typeface="Open Sans" panose="020B0606030504020204" pitchFamily="34" charset="0"/>
-                  </a:rPr>
-                  <a:t>(</a:t>
-                </a:r>
-                <a14:m>
-                  <m:oMath xmlns:m="http://schemas.openxmlformats.org/officeDocument/2006/math">
-                    <m:r>
-                      <a:rPr lang="en-US" sz="2000" i="1" smtClean="0">
-                        <a:solidFill>
-                          <a:schemeClr val="tx1"/>
-                        </a:solidFill>
-                        <a:latin typeface="Cambria Math" panose="02040503050406030204" pitchFamily="18" charset="0"/>
-                        <a:ea typeface="Cambria Math" panose="02040503050406030204" pitchFamily="18" charset="0"/>
-                      </a:rPr>
-                      <m:t>¬</m:t>
-                    </m:r>
-                    <m:r>
-                      <a:rPr lang="en-US" sz="2000" b="0" i="1" smtClean="0">
-                        <a:solidFill>
-                          <a:schemeClr val="tx1"/>
-                        </a:solidFill>
-                        <a:latin typeface="Cambria Math" panose="02040503050406030204" pitchFamily="18" charset="0"/>
-                        <a:ea typeface="Cambria Math" panose="02040503050406030204" pitchFamily="18" charset="0"/>
-                      </a:rPr>
-                      <m:t>𝑄</m:t>
-                    </m:r>
-                    <m:r>
-                      <a:rPr lang="en-US" sz="2000" b="0" i="1" smtClean="0">
-                        <a:solidFill>
-                          <a:schemeClr val="tx1"/>
-                        </a:solidFill>
-                        <a:latin typeface="Cambria Math" panose="02040503050406030204" pitchFamily="18" charset="0"/>
-                        <a:ea typeface="Cambria Math" panose="02040503050406030204" pitchFamily="18" charset="0"/>
-                      </a:rPr>
-                      <m:t>→¬</m:t>
-                    </m:r>
-                    <m:r>
-                      <a:rPr lang="en-US" sz="2000" b="0" i="1" smtClean="0">
-                        <a:solidFill>
-                          <a:schemeClr val="tx1"/>
-                        </a:solidFill>
-                        <a:latin typeface="Cambria Math" panose="02040503050406030204" pitchFamily="18" charset="0"/>
-                        <a:ea typeface="Cambria Math" panose="02040503050406030204" pitchFamily="18" charset="0"/>
-                      </a:rPr>
-                      <m:t>𝑃</m:t>
-                    </m:r>
-                  </m:oMath>
-                </a14:m>
-                <a:r>
-                  <a:rPr lang="en-US" sz="2200" dirty="0">
-                    <a:solidFill>
-                      <a:schemeClr val="tx1"/>
-                    </a:solidFill>
-                    <a:latin typeface="Open Sans" panose="020B0606030504020204" pitchFamily="34" charset="0"/>
-                  </a:rPr>
-                  <a:t>)</a:t>
-                </a:r>
-              </a:p>
-              <a:p>
-                <a:pPr marL="1417320" lvl="2" indent="-457200">
-                  <a:buFont typeface="+mj-lt"/>
-                  <a:buAutoNum type="arabicPeriod"/>
-                </a:pPr>
-                <a:r>
-                  <a:rPr lang="en-US" sz="2000" dirty="0">
-                    <a:solidFill>
-                      <a:schemeClr val="tx1"/>
-                    </a:solidFill>
-                    <a:latin typeface="Open Sans" panose="020B0606030504020204" pitchFamily="34" charset="0"/>
-                  </a:rPr>
-                  <a:t>Assume </a:t>
-                </a:r>
-                <a14:m>
-                  <m:oMath xmlns:m="http://schemas.openxmlformats.org/officeDocument/2006/math">
-                    <m:r>
-                      <a:rPr lang="en-US" sz="2000" i="1" smtClean="0">
-                        <a:solidFill>
-                          <a:schemeClr val="tx1"/>
-                        </a:solidFill>
-                        <a:latin typeface="Cambria Math" panose="02040503050406030204" pitchFamily="18" charset="0"/>
-                        <a:ea typeface="Cambria Math" panose="02040503050406030204" pitchFamily="18" charset="0"/>
-                      </a:rPr>
-                      <m:t>¬</m:t>
-                    </m:r>
-                    <m:r>
-                      <a:rPr lang="en-US" sz="2000" b="0" i="1" smtClean="0">
-                        <a:solidFill>
-                          <a:schemeClr val="tx1"/>
-                        </a:solidFill>
-                        <a:latin typeface="Cambria Math" panose="02040503050406030204" pitchFamily="18" charset="0"/>
-                        <a:ea typeface="Cambria Math" panose="02040503050406030204" pitchFamily="18" charset="0"/>
-                      </a:rPr>
-                      <m:t>𝑄</m:t>
-                    </m:r>
-                  </m:oMath>
-                </a14:m>
-                <a:r>
-                  <a:rPr lang="en-US" sz="2000" dirty="0">
-                    <a:solidFill>
-                      <a:schemeClr val="tx1"/>
-                    </a:solidFill>
-                    <a:latin typeface="Open Sans" panose="020B0606030504020204" pitchFamily="34" charset="0"/>
-                  </a:rPr>
-                  <a:t> is true</a:t>
-                </a:r>
-              </a:p>
-              <a:p>
-                <a:pPr marL="1417320" lvl="2" indent="-457200">
-                  <a:buFont typeface="+mj-lt"/>
-                  <a:buAutoNum type="arabicPeriod"/>
-                </a:pPr>
-                <a:r>
-                  <a:rPr lang="en-US" sz="2000" dirty="0">
-                    <a:solidFill>
-                      <a:schemeClr val="tx1"/>
-                    </a:solidFill>
-                    <a:latin typeface="Open Sans" panose="020B0606030504020204" pitchFamily="34" charset="0"/>
-                  </a:rPr>
-                  <a:t>Deduce that </a:t>
-                </a:r>
-                <a14:m>
-                  <m:oMath xmlns:m="http://schemas.openxmlformats.org/officeDocument/2006/math">
-                    <m:r>
-                      <a:rPr lang="en-US" sz="2000" i="1" smtClean="0">
-                        <a:solidFill>
-                          <a:schemeClr val="tx1"/>
-                        </a:solidFill>
-                        <a:latin typeface="Cambria Math" panose="02040503050406030204" pitchFamily="18" charset="0"/>
-                        <a:ea typeface="Cambria Math" panose="02040503050406030204" pitchFamily="18" charset="0"/>
-                      </a:rPr>
-                      <m:t>¬</m:t>
-                    </m:r>
-                    <m:r>
-                      <a:rPr lang="en-US" sz="2000" b="0" i="1" smtClean="0">
-                        <a:solidFill>
-                          <a:schemeClr val="tx1"/>
-                        </a:solidFill>
-                        <a:latin typeface="Cambria Math" panose="02040503050406030204" pitchFamily="18" charset="0"/>
-                        <a:ea typeface="Cambria Math" panose="02040503050406030204" pitchFamily="18" charset="0"/>
-                      </a:rPr>
-                      <m:t>𝑃</m:t>
-                    </m:r>
-                  </m:oMath>
-                </a14:m>
-                <a:r>
-                  <a:rPr lang="en-US" sz="2000" dirty="0">
-                    <a:solidFill>
-                      <a:schemeClr val="tx1"/>
-                    </a:solidFill>
-                    <a:latin typeface="Open Sans" panose="020B0606030504020204" pitchFamily="34" charset="0"/>
-                  </a:rPr>
-                  <a:t> must then also be true </a:t>
-                </a:r>
-              </a:p>
-              <a:p>
-                <a:pPr marL="0" indent="0">
-                  <a:buNone/>
-                </a:pPr>
-                <a:endParaRPr lang="en-US" sz="2400" dirty="0">
-                  <a:solidFill>
-                    <a:schemeClr val="tx1"/>
-                  </a:solidFill>
-                  <a:latin typeface="Open Sans" panose="020B0606030504020204" pitchFamily="34" charset="0"/>
-                </a:endParaRPr>
-              </a:p>
-              <a:p>
-                <a:pPr marL="0" indent="0">
-                  <a:buNone/>
-                </a:pPr>
-                <a:r>
-                  <a:rPr lang="en-US" sz="2400" dirty="0">
-                    <a:solidFill>
-                      <a:schemeClr val="tx1"/>
-                    </a:solidFill>
-                    <a:latin typeface="Open Sans" panose="020B0606030504020204" pitchFamily="34" charset="0"/>
-                  </a:rPr>
-                  <a:t>Work with a small group to prove if </a:t>
-                </a:r>
-                <a14:m>
-                  <m:oMath xmlns:m="http://schemas.openxmlformats.org/officeDocument/2006/math">
-                    <m:r>
-                      <a:rPr lang="en-US" sz="2400" b="0" i="1" smtClean="0">
-                        <a:solidFill>
-                          <a:schemeClr val="tx1"/>
-                        </a:solidFill>
-                        <a:latin typeface="Cambria Math" panose="02040503050406030204" pitchFamily="18" charset="0"/>
-                      </a:rPr>
-                      <m:t>𝑎𝑏</m:t>
-                    </m:r>
-                  </m:oMath>
-                </a14:m>
-                <a:r>
-                  <a:rPr lang="en-US" sz="2400" dirty="0">
-                    <a:solidFill>
-                      <a:schemeClr val="tx1"/>
-                    </a:solidFill>
-                    <a:latin typeface="Open Sans" panose="020B0606030504020204" pitchFamily="34" charset="0"/>
-                  </a:rPr>
-                  <a:t> is an even number, then </a:t>
-                </a:r>
-                <a14:m>
-                  <m:oMath xmlns:m="http://schemas.openxmlformats.org/officeDocument/2006/math">
-                    <m:r>
-                      <a:rPr lang="en-US" sz="2400" b="0" i="1" smtClean="0">
-                        <a:solidFill>
-                          <a:schemeClr val="tx1"/>
-                        </a:solidFill>
-                        <a:latin typeface="Cambria Math" panose="02040503050406030204" pitchFamily="18" charset="0"/>
-                      </a:rPr>
-                      <m:t>𝑎</m:t>
-                    </m:r>
-                  </m:oMath>
-                </a14:m>
-                <a:r>
-                  <a:rPr lang="en-US" sz="2400" dirty="0">
-                    <a:solidFill>
-                      <a:schemeClr val="tx1"/>
-                    </a:solidFill>
-                    <a:latin typeface="Open Sans" panose="020B0606030504020204" pitchFamily="34" charset="0"/>
-                  </a:rPr>
-                  <a:t>, or </a:t>
-                </a:r>
-                <a14:m>
-                  <m:oMath xmlns:m="http://schemas.openxmlformats.org/officeDocument/2006/math">
-                    <m:r>
-                      <a:rPr lang="en-US" sz="2400" b="0" i="1" smtClean="0">
-                        <a:solidFill>
-                          <a:schemeClr val="tx1"/>
-                        </a:solidFill>
-                        <a:latin typeface="Cambria Math" panose="02040503050406030204" pitchFamily="18" charset="0"/>
-                      </a:rPr>
-                      <m:t>𝑏</m:t>
-                    </m:r>
-                  </m:oMath>
-                </a14:m>
-                <a:r>
-                  <a:rPr lang="en-US" sz="2400" dirty="0">
-                    <a:solidFill>
-                      <a:schemeClr val="tx1"/>
-                    </a:solidFill>
-                    <a:latin typeface="Open Sans" panose="020B0606030504020204" pitchFamily="34" charset="0"/>
-                  </a:rPr>
-                  <a:t> is even. </a:t>
-                </a:r>
-              </a:p>
-              <a:p>
-                <a:pPr marL="0" indent="0">
-                  <a:buNone/>
-                </a:pPr>
-                <a:endParaRPr lang="en-US" sz="2400" dirty="0">
-                  <a:solidFill>
-                    <a:schemeClr val="tx1"/>
-                  </a:solidFill>
-                  <a:latin typeface="Open Sans" panose="020B0606030504020204" pitchFamily="34" charset="0"/>
-                </a:endParaRPr>
-              </a:p>
-            </p:txBody>
-          </p:sp>
-        </mc:Choice>
-        <mc:Fallback xmlns="">
-          <p:sp>
-            <p:nvSpPr>
-              <p:cNvPr id="6" name="Content Placeholder 2">
-                <a:extLst>
-                  <a:ext uri="{FF2B5EF4-FFF2-40B4-BE49-F238E27FC236}">
-                    <a16:creationId xmlns:a16="http://schemas.microsoft.com/office/drawing/2014/main" id="{5DFEF51D-F265-61A0-FAE6-BBE496D688A3}"/>
-                  </a:ext>
-                </a:extLst>
-              </p:cNvPr>
-              <p:cNvSpPr>
-                <a:spLocks noGrp="1" noRot="1" noChangeAspect="1" noMove="1" noResize="1" noEditPoints="1" noAdjustHandles="1" noChangeArrowheads="1" noChangeShapeType="1" noTextEdit="1"/>
-              </p:cNvSpPr>
-              <p:nvPr>
-                <p:ph idx="1"/>
-              </p:nvPr>
-            </p:nvSpPr>
-            <p:spPr>
-              <a:xfrm>
-                <a:off x="3515517" y="728420"/>
-                <a:ext cx="8603673" cy="6129580"/>
-              </a:xfrm>
-              <a:blipFill>
-                <a:blip r:embed="rId3"/>
-                <a:stretch>
-                  <a:fillRect l="-1031" t="-1449"/>
-                </a:stretch>
-              </a:blipFill>
-            </p:spPr>
-            <p:txBody>
-              <a:bodyPr/>
-              <a:lstStyle/>
-              <a:p>
-                <a:r>
-                  <a:rPr lang="en-US">
-                    <a:noFill/>
-                  </a:rPr>
-                  <a:t> </a:t>
-                </a:r>
-              </a:p>
-            </p:txBody>
-          </p:sp>
-        </mc:Fallback>
-      </mc:AlternateContent>
-    </p:spTree>
-    <p:extLst>
-      <p:ext uri="{BB962C8B-B14F-4D97-AF65-F5344CB8AC3E}">
-        <p14:creationId xmlns:p14="http://schemas.microsoft.com/office/powerpoint/2010/main" val="4012712487"/>
-      </p:ext>
-    </p:extLst>
-  </p:cSld>
-  <p:clrMapOvr>
-    <a:masterClrMapping/>
-  </p:clrMapOvr>
-</p:sld>
-</file>
-
-<file path=ppt/slides/slide30.xml><?xml version="1.0" encoding="utf-8"?>
-<p:sld xmlns:a="http://schemas.openxmlformats.org/drawingml/2006/main" xmlns:r="http://schemas.openxmlformats.org/officeDocument/2006/relationships" xmlns:p="http://schemas.openxmlformats.org/presentationml/2006/main">
-  <p:cSld>
-    <p:spTree>
-      <p:nvGrpSpPr>
-        <p:cNvPr id="1" name=""/>
-        <p:cNvGrpSpPr/>
-        <p:nvPr/>
-      </p:nvGrpSpPr>
-      <p:grpSpPr>
-        <a:xfrm>
-          <a:off x="0" y="0"/>
-          <a:ext cx="0" cy="0"/>
-          <a:chOff x="0" y="0"/>
-          <a:chExt cx="0" cy="0"/>
-        </a:xfrm>
-      </p:grpSpPr>
-      <p:sp>
-        <p:nvSpPr>
-          <p:cNvPr id="2" name="Title 1"/>
-          <p:cNvSpPr>
-            <a:spLocks noGrp="1"/>
-          </p:cNvSpPr>
-          <p:nvPr>
-            <p:ph type="title"/>
-          </p:nvPr>
-        </p:nvSpPr>
-        <p:spPr/>
-        <p:txBody>
-          <a:bodyPr/>
-          <a:lstStyle/>
-          <a:p>
-            <a:r>
-              <a:rPr lang="en-US" dirty="0"/>
-              <a:t>Notes about proofs</a:t>
-            </a:r>
-          </a:p>
-        </p:txBody>
-      </p:sp>
-      <mc:AlternateContent xmlns:mc="http://schemas.openxmlformats.org/markup-compatibility/2006">
-        <mc:Choice xmlns:a14="http://schemas.microsoft.com/office/drawing/2010/main" Requires="a14">
-          <p:sp>
-            <p:nvSpPr>
-              <p:cNvPr id="6" name="Content Placeholder 2">
-                <a:extLst>
-                  <a:ext uri="{FF2B5EF4-FFF2-40B4-BE49-F238E27FC236}">
-                    <a16:creationId xmlns:a16="http://schemas.microsoft.com/office/drawing/2014/main" id="{5DFEF51D-F265-61A0-FAE6-BBE496D688A3}"/>
-                  </a:ext>
-                </a:extLst>
-              </p:cNvPr>
-              <p:cNvSpPr>
-                <a:spLocks noGrp="1"/>
-              </p:cNvSpPr>
-              <p:nvPr>
-                <p:ph idx="1"/>
-              </p:nvPr>
-            </p:nvSpPr>
-            <p:spPr>
-              <a:xfrm>
-                <a:off x="3515518" y="728420"/>
-                <a:ext cx="8205428" cy="6129580"/>
-              </a:xfrm>
-            </p:spPr>
-            <p:txBody>
-              <a:bodyPr anchor="t">
-                <a:normAutofit/>
-              </a:bodyPr>
-              <a:lstStyle/>
-              <a:p>
-                <a:pPr marL="0" indent="0">
-                  <a:buNone/>
-                </a:pPr>
-                <a:r>
-                  <a:rPr lang="en-US" sz="2200" dirty="0">
-                    <a:solidFill>
-                      <a:schemeClr val="tx1"/>
-                    </a:solidFill>
-                    <a:latin typeface="Open Sans" panose="020B0606030504020204" pitchFamily="34" charset="0"/>
-                  </a:rPr>
-                  <a:t>Sometimes you will need to break a proof into </a:t>
-                </a:r>
-                <a:r>
-                  <a:rPr lang="en-US" sz="2200" b="1" i="1" dirty="0">
-                    <a:solidFill>
-                      <a:schemeClr val="tx1"/>
-                    </a:solidFill>
-                    <a:latin typeface="Open Sans" panose="020B0606030504020204" pitchFamily="34" charset="0"/>
-                  </a:rPr>
-                  <a:t>cases</a:t>
-                </a:r>
-                <a:r>
-                  <a:rPr lang="en-US" sz="2200" dirty="0">
-                    <a:solidFill>
-                      <a:schemeClr val="tx1"/>
-                    </a:solidFill>
-                    <a:latin typeface="Open Sans" panose="020B0606030504020204" pitchFamily="34" charset="0"/>
-                  </a:rPr>
-                  <a:t>. </a:t>
-                </a:r>
-              </a:p>
-              <a:p>
-                <a:pPr marL="0" indent="0">
-                  <a:buNone/>
-                </a:pPr>
-                <a:endParaRPr lang="en-US" sz="2200" dirty="0">
-                  <a:solidFill>
-                    <a:schemeClr val="tx1"/>
-                  </a:solidFill>
-                  <a:latin typeface="Open Sans" panose="020B0606030504020204" pitchFamily="34" charset="0"/>
-                </a:endParaRPr>
-              </a:p>
-              <a:p>
-                <a:pPr marL="0" indent="0">
-                  <a:buNone/>
-                </a:pPr>
-                <a:r>
-                  <a:rPr lang="en-US" sz="2200" dirty="0">
-                    <a:solidFill>
-                      <a:schemeClr val="tx1"/>
-                    </a:solidFill>
-                    <a:latin typeface="Open Sans" panose="020B0606030504020204" pitchFamily="34" charset="0"/>
-                  </a:rPr>
-                  <a:t>For example, if you were to prove this:</a:t>
-                </a:r>
-              </a:p>
-              <a:p>
-                <a:pPr marL="0" indent="0">
-                  <a:buNone/>
-                </a:pPr>
-                <a:r>
-                  <a:rPr lang="en-US" sz="2200" dirty="0">
-                    <a:solidFill>
-                      <a:schemeClr val="tx1"/>
-                    </a:solidFill>
-                    <a:latin typeface="Open Sans" panose="020B0606030504020204" pitchFamily="34" charset="0"/>
-                  </a:rPr>
-                  <a:t>	For any integer </a:t>
-                </a:r>
-                <a14:m>
-                  <m:oMath xmlns:m="http://schemas.openxmlformats.org/officeDocument/2006/math">
-                    <m:r>
-                      <a:rPr lang="en-US" sz="2200" b="0" i="1" smtClean="0">
-                        <a:solidFill>
-                          <a:schemeClr val="tx1"/>
-                        </a:solidFill>
-                        <a:latin typeface="Cambria Math" panose="02040503050406030204" pitchFamily="18" charset="0"/>
-                      </a:rPr>
-                      <m:t>𝑛</m:t>
-                    </m:r>
-                  </m:oMath>
-                </a14:m>
-                <a:r>
-                  <a:rPr lang="en-US" sz="2200" dirty="0">
-                    <a:solidFill>
-                      <a:schemeClr val="tx1"/>
-                    </a:solidFill>
-                    <a:latin typeface="Open Sans" panose="020B0606030504020204" pitchFamily="34" charset="0"/>
-                  </a:rPr>
-                  <a:t>, the number </a:t>
-                </a:r>
-                <a14:m>
-                  <m:oMath xmlns:m="http://schemas.openxmlformats.org/officeDocument/2006/math">
-                    <m:r>
-                      <a:rPr lang="en-US" sz="2200" b="0" i="1" smtClean="0">
-                        <a:solidFill>
-                          <a:schemeClr val="tx1"/>
-                        </a:solidFill>
-                        <a:latin typeface="Cambria Math" panose="02040503050406030204" pitchFamily="18" charset="0"/>
-                      </a:rPr>
-                      <m:t>(</m:t>
-                    </m:r>
-                    <m:sSup>
-                      <m:sSupPr>
-                        <m:ctrlPr>
-                          <a:rPr lang="en-US" sz="2200" b="0" i="1" smtClean="0">
-                            <a:solidFill>
-                              <a:schemeClr val="tx1"/>
-                            </a:solidFill>
-                            <a:latin typeface="Cambria Math" panose="02040503050406030204" pitchFamily="18" charset="0"/>
-                          </a:rPr>
-                        </m:ctrlPr>
-                      </m:sSupPr>
-                      <m:e>
-                        <m:r>
-                          <a:rPr lang="en-US" sz="2200" b="0" i="1" smtClean="0">
-                            <a:solidFill>
-                              <a:schemeClr val="tx1"/>
-                            </a:solidFill>
-                            <a:latin typeface="Cambria Math" panose="02040503050406030204" pitchFamily="18" charset="0"/>
-                          </a:rPr>
-                          <m:t>𝑛</m:t>
-                        </m:r>
-                      </m:e>
-                      <m:sup>
-                        <m:r>
-                          <a:rPr lang="en-US" sz="2200" b="0" i="1" smtClean="0">
-                            <a:solidFill>
-                              <a:schemeClr val="tx1"/>
-                            </a:solidFill>
-                            <a:latin typeface="Cambria Math" panose="02040503050406030204" pitchFamily="18" charset="0"/>
-                          </a:rPr>
-                          <m:t>3</m:t>
-                        </m:r>
-                      </m:sup>
-                    </m:sSup>
-                    <m:r>
-                      <a:rPr lang="en-US" sz="2200" b="0" i="1" smtClean="0">
-                        <a:solidFill>
-                          <a:schemeClr val="tx1"/>
-                        </a:solidFill>
-                        <a:latin typeface="Cambria Math" panose="02040503050406030204" pitchFamily="18" charset="0"/>
-                      </a:rPr>
-                      <m:t>−</m:t>
-                    </m:r>
-                    <m:r>
-                      <a:rPr lang="en-US" sz="2200" b="0" i="1" smtClean="0">
-                        <a:solidFill>
-                          <a:schemeClr val="tx1"/>
-                        </a:solidFill>
-                        <a:latin typeface="Cambria Math" panose="02040503050406030204" pitchFamily="18" charset="0"/>
-                      </a:rPr>
-                      <m:t>𝑛</m:t>
-                    </m:r>
-                    <m:r>
-                      <a:rPr lang="en-US" sz="2200" b="0" i="1" smtClean="0">
-                        <a:solidFill>
-                          <a:schemeClr val="tx1"/>
-                        </a:solidFill>
-                        <a:latin typeface="Cambria Math" panose="02040503050406030204" pitchFamily="18" charset="0"/>
-                      </a:rPr>
-                      <m:t>)</m:t>
-                    </m:r>
-                  </m:oMath>
-                </a14:m>
-                <a:r>
-                  <a:rPr lang="en-US" sz="2200" dirty="0">
-                    <a:solidFill>
-                      <a:schemeClr val="tx1"/>
-                    </a:solidFill>
-                    <a:latin typeface="Open Sans" panose="020B0606030504020204" pitchFamily="34" charset="0"/>
-                  </a:rPr>
-                  <a:t> is even. </a:t>
-                </a:r>
-              </a:p>
-              <a:p>
-                <a:pPr marL="0" indent="0">
-                  <a:buNone/>
-                </a:pPr>
-                <a:r>
-                  <a:rPr lang="en-US" sz="2200" dirty="0">
-                    <a:solidFill>
-                      <a:schemeClr val="tx1"/>
-                    </a:solidFill>
-                    <a:latin typeface="Open Sans" panose="020B0606030504020204" pitchFamily="34" charset="0"/>
-                  </a:rPr>
-                  <a:t>You might look at a case where </a:t>
-                </a:r>
-                <a14:m>
-                  <m:oMath xmlns:m="http://schemas.openxmlformats.org/officeDocument/2006/math">
-                    <m:r>
-                      <a:rPr lang="en-US" sz="2200" b="0" i="1" smtClean="0">
-                        <a:solidFill>
-                          <a:schemeClr val="tx1"/>
-                        </a:solidFill>
-                        <a:latin typeface="Cambria Math" panose="02040503050406030204" pitchFamily="18" charset="0"/>
-                      </a:rPr>
-                      <m:t>𝑛</m:t>
-                    </m:r>
-                  </m:oMath>
-                </a14:m>
-                <a:r>
-                  <a:rPr lang="en-US" sz="2200" dirty="0">
-                    <a:solidFill>
-                      <a:schemeClr val="tx1"/>
-                    </a:solidFill>
-                    <a:latin typeface="Open Sans" panose="020B0606030504020204" pitchFamily="34" charset="0"/>
-                  </a:rPr>
-                  <a:t> is even and a care where </a:t>
-                </a:r>
-                <a14:m>
-                  <m:oMath xmlns:m="http://schemas.openxmlformats.org/officeDocument/2006/math">
-                    <m:r>
-                      <a:rPr lang="en-US" sz="2200" b="0" i="1" smtClean="0">
-                        <a:solidFill>
-                          <a:schemeClr val="tx1"/>
-                        </a:solidFill>
-                        <a:latin typeface="Cambria Math" panose="02040503050406030204" pitchFamily="18" charset="0"/>
-                      </a:rPr>
-                      <m:t>𝑛</m:t>
-                    </m:r>
-                  </m:oMath>
-                </a14:m>
-                <a:r>
-                  <a:rPr lang="en-US" sz="2200" dirty="0">
-                    <a:solidFill>
-                      <a:schemeClr val="tx1"/>
-                    </a:solidFill>
-                    <a:latin typeface="Open Sans" panose="020B0606030504020204" pitchFamily="34" charset="0"/>
-                  </a:rPr>
-                  <a:t> is odd. </a:t>
-                </a:r>
-              </a:p>
-            </p:txBody>
-          </p:sp>
-        </mc:Choice>
-        <mc:Fallback>
-          <p:sp>
-            <p:nvSpPr>
-              <p:cNvPr id="6" name="Content Placeholder 2">
-                <a:extLst>
-                  <a:ext uri="{FF2B5EF4-FFF2-40B4-BE49-F238E27FC236}">
-                    <a16:creationId xmlns:a16="http://schemas.microsoft.com/office/drawing/2014/main" id="{5DFEF51D-F265-61A0-FAE6-BBE496D688A3}"/>
-                  </a:ext>
-                </a:extLst>
-              </p:cNvPr>
-              <p:cNvSpPr>
-                <a:spLocks noGrp="1" noRot="1" noChangeAspect="1" noMove="1" noResize="1" noEditPoints="1" noAdjustHandles="1" noChangeArrowheads="1" noChangeShapeType="1" noTextEdit="1"/>
-              </p:cNvSpPr>
-              <p:nvPr>
-                <p:ph idx="1"/>
-              </p:nvPr>
-            </p:nvSpPr>
-            <p:spPr>
-              <a:xfrm>
-                <a:off x="3515518" y="728420"/>
-                <a:ext cx="8205428" cy="6129580"/>
-              </a:xfrm>
-              <a:blipFill>
-                <a:blip r:embed="rId3"/>
-                <a:stretch>
-                  <a:fillRect l="-926" t="-1242"/>
-                </a:stretch>
-              </a:blipFill>
-            </p:spPr>
-            <p:txBody>
-              <a:bodyPr/>
-              <a:lstStyle/>
-              <a:p>
-                <a:r>
-                  <a:rPr lang="en-US">
-                    <a:noFill/>
-                  </a:rPr>
-                  <a:t> </a:t>
-                </a:r>
-              </a:p>
-            </p:txBody>
-          </p:sp>
-        </mc:Fallback>
-      </mc:AlternateContent>
-    </p:spTree>
-    <p:extLst>
-      <p:ext uri="{BB962C8B-B14F-4D97-AF65-F5344CB8AC3E}">
-        <p14:creationId xmlns:p14="http://schemas.microsoft.com/office/powerpoint/2010/main" val="4279767893"/>
       </p:ext>
     </p:extLst>
   </p:cSld>
@@ -19743,8 +19467,8 @@
           </a:p>
         </p:txBody>
       </p:sp>
-      <mc:AlternateContent xmlns:mc="http://schemas.openxmlformats.org/markup-compatibility/2006">
-        <mc:Choice xmlns:a14="http://schemas.microsoft.com/office/drawing/2010/main" Requires="a14">
+      <mc:AlternateContent xmlns:mc="http://schemas.openxmlformats.org/markup-compatibility/2006" xmlns:a14="http://schemas.microsoft.com/office/drawing/2010/main">
+        <mc:Choice Requires="a14">
           <p:sp>
             <p:nvSpPr>
               <p:cNvPr id="6" name="Content Placeholder 2">
@@ -20009,7 +19733,7 @@
             </p:txBody>
           </p:sp>
         </mc:Choice>
-        <mc:Fallback>
+        <mc:Fallback xmlns="">
           <p:sp>
             <p:nvSpPr>
               <p:cNvPr id="6" name="Content Placeholder 2">
@@ -20053,174 +19777,10 @@
           </p:sp>
         </mc:Fallback>
       </mc:AlternateContent>
-      <mc:AlternateContent xmlns:mc="http://schemas.openxmlformats.org/markup-compatibility/2006">
-        <mc:Choice xmlns:a14="http://schemas.microsoft.com/office/drawing/2010/main" Requires="a14">
-          <p:sp>
-            <p:nvSpPr>
-              <p:cNvPr id="3" name="Rounded Rectangle 2">
-                <a:extLst>
-                  <a:ext uri="{FF2B5EF4-FFF2-40B4-BE49-F238E27FC236}">
-                    <a16:creationId xmlns:a16="http://schemas.microsoft.com/office/drawing/2014/main" id="{8E54B677-6A43-66BD-F769-32DD1FF26CA0}"/>
-                  </a:ext>
-                </a:extLst>
-              </p:cNvPr>
-              <p:cNvSpPr/>
-              <p:nvPr/>
-            </p:nvSpPr>
-            <p:spPr>
-              <a:xfrm>
-                <a:off x="3515518" y="3586254"/>
-                <a:ext cx="8180288" cy="1551011"/>
-              </a:xfrm>
-              <a:prstGeom prst="roundRect">
-                <a:avLst/>
-              </a:prstGeom>
-            </p:spPr>
-            <p:style>
-              <a:lnRef idx="2">
-                <a:schemeClr val="accent5">
-                  <a:shade val="15000"/>
-                </a:schemeClr>
-              </a:lnRef>
-              <a:fillRef idx="1">
-                <a:schemeClr val="accent5"/>
-              </a:fillRef>
-              <a:effectRef idx="0">
-                <a:schemeClr val="accent5"/>
-              </a:effectRef>
-              <a:fontRef idx="minor">
-                <a:schemeClr val="lt1"/>
-              </a:fontRef>
-            </p:style>
-            <p:txBody>
-              <a:bodyPr rtlCol="0" anchor="t"/>
-              <a:lstStyle/>
-              <a:p>
-                <a:r>
-                  <a:rPr lang="en-US" sz="2400" b="1" dirty="0"/>
-                  <a:t>Practice</a:t>
-                </a:r>
-                <a:r>
-                  <a:rPr lang="en-US" sz="2400" dirty="0"/>
-                  <a:t>: Prove the following…</a:t>
-                </a:r>
-              </a:p>
-              <a:p>
-                <a:endParaRPr lang="en-US" sz="2400" dirty="0"/>
-              </a:p>
-              <a:p>
-                <a:r>
-                  <a:rPr lang="en-US" sz="2400" dirty="0"/>
-                  <a:t>For any integer </a:t>
-                </a:r>
-                <a14:m>
-                  <m:oMath xmlns:m="http://schemas.openxmlformats.org/officeDocument/2006/math">
-                    <m:r>
-                      <a:rPr lang="en-US" sz="2400"/>
-                      <m:t>𝑛</m:t>
-                    </m:r>
-                  </m:oMath>
-                </a14:m>
-                <a:r>
-                  <a:rPr lang="en-US" sz="2400" dirty="0"/>
-                  <a:t>, the number </a:t>
-                </a:r>
-                <a14:m>
-                  <m:oMath xmlns:m="http://schemas.openxmlformats.org/officeDocument/2006/math">
-                    <m:r>
-                      <a:rPr lang="en-US" sz="2400"/>
-                      <m:t>(</m:t>
-                    </m:r>
-                    <m:sSup>
-                      <m:sSupPr>
-                        <m:ctrlPr>
-                          <a:rPr lang="en-US" sz="2400"/>
-                        </m:ctrlPr>
-                      </m:sSupPr>
-                      <m:e>
-                        <m:r>
-                          <a:rPr lang="en-US" sz="2400"/>
-                          <m:t>𝑛</m:t>
-                        </m:r>
-                      </m:e>
-                      <m:sup>
-                        <m:r>
-                          <a:rPr lang="en-US" sz="2400"/>
-                          <m:t>3</m:t>
-                        </m:r>
-                      </m:sup>
-                    </m:sSup>
-                    <m:r>
-                      <a:rPr lang="en-US" sz="2400"/>
-                      <m:t>−</m:t>
-                    </m:r>
-                    <m:r>
-                      <a:rPr lang="en-US" sz="2400"/>
-                      <m:t>𝑛</m:t>
-                    </m:r>
-                    <m:r>
-                      <a:rPr lang="en-US" sz="2400"/>
-                      <m:t>)</m:t>
-                    </m:r>
-                  </m:oMath>
-                </a14:m>
-                <a:r>
-                  <a:rPr lang="en-US" sz="2400" dirty="0"/>
-                  <a:t> is even.</a:t>
-                </a:r>
-              </a:p>
-            </p:txBody>
-          </p:sp>
-        </mc:Choice>
-        <mc:Fallback>
-          <p:sp>
-            <p:nvSpPr>
-              <p:cNvPr id="3" name="Rounded Rectangle 2">
-                <a:extLst>
-                  <a:ext uri="{FF2B5EF4-FFF2-40B4-BE49-F238E27FC236}">
-                    <a16:creationId xmlns:a16="http://schemas.microsoft.com/office/drawing/2014/main" id="{8E54B677-6A43-66BD-F769-32DD1FF26CA0}"/>
-                  </a:ext>
-                </a:extLst>
-              </p:cNvPr>
-              <p:cNvSpPr>
-                <a:spLocks noRot="1" noChangeAspect="1" noMove="1" noResize="1" noEditPoints="1" noAdjustHandles="1" noChangeArrowheads="1" noChangeShapeType="1" noTextEdit="1"/>
-              </p:cNvSpPr>
-              <p:nvPr/>
-            </p:nvSpPr>
-            <p:spPr>
-              <a:xfrm>
-                <a:off x="3515518" y="3586254"/>
-                <a:ext cx="8180288" cy="1551011"/>
-              </a:xfrm>
-              <a:prstGeom prst="roundRect">
-                <a:avLst/>
-              </a:prstGeom>
-              <a:blipFill>
-                <a:blip r:embed="rId4"/>
-                <a:stretch>
-                  <a:fillRect l="-155"/>
-                </a:stretch>
-              </a:blipFill>
-            </p:spPr>
-            <p:txBody>
-              <a:bodyPr/>
-              <a:lstStyle/>
-              <a:p>
-                <a:r>
-                  <a:rPr lang="en-US">
-                    <a:noFill/>
-                  </a:rPr>
-                  <a:t> </a:t>
-                </a:r>
-              </a:p>
-            </p:txBody>
-          </p:sp>
-        </mc:Fallback>
-      </mc:AlternateContent>
     </p:spTree>
     <p:extLst>
       <p:ext uri="{BB962C8B-B14F-4D97-AF65-F5344CB8AC3E}">
-        <p14:creationId xmlns:p14="http://schemas.microsoft.com/office/powerpoint/2010/main" val="1591364430"/>
+        <p14:creationId xmlns:p14="http://schemas.microsoft.com/office/powerpoint/2010/main" val="4279767893"/>
       </p:ext>
     </p:extLst>
   </p:cSld>
@@ -20269,8 +19829,8 @@
           </a:p>
         </p:txBody>
       </p:sp>
-      <mc:AlternateContent xmlns:mc="http://schemas.openxmlformats.org/markup-compatibility/2006">
-        <mc:Choice xmlns:a14="http://schemas.microsoft.com/office/drawing/2010/main" Requires="a14">
+      <mc:AlternateContent xmlns:mc="http://schemas.openxmlformats.org/markup-compatibility/2006" xmlns:a14="http://schemas.microsoft.com/office/drawing/2010/main">
+        <mc:Choice Requires="a14">
           <p:sp>
             <p:nvSpPr>
               <p:cNvPr id="6" name="Content Placeholder 2">
@@ -20309,16 +19869,16 @@
                     </a:solidFill>
                     <a:latin typeface="Open Sans" panose="020B0606030504020204" pitchFamily="34" charset="0"/>
                   </a:rPr>
-                  <a:t>To prove a biconditional, you must prove </a:t>
-                </a:r>
-                <a:r>
-                  <a:rPr lang="en-US" sz="2200" i="1" dirty="0">
-                    <a:solidFill>
-                      <a:schemeClr val="tx1"/>
-                    </a:solidFill>
-                    <a:latin typeface="Open Sans" panose="020B0606030504020204" pitchFamily="34" charset="0"/>
-                  </a:rPr>
-                  <a:t>both</a:t>
+                  <a:t>Sometimes you will need to break a proof into </a:t>
+                </a:r>
+                <a:r>
+                  <a:rPr lang="en-US" sz="2200" b="1" i="1" dirty="0">
+                    <a:solidFill>
+                      <a:schemeClr val="tx1"/>
+                    </a:solidFill>
+                    <a:latin typeface="Open Sans" panose="020B0606030504020204" pitchFamily="34" charset="0"/>
+                  </a:rPr>
+                  <a:t>cases</a:t>
                 </a:r>
                 <a:r>
                   <a:rPr lang="en-US" sz="2200" dirty="0">
@@ -20327,7 +19887,7 @@
                     </a:solidFill>
                     <a:latin typeface="Open Sans" panose="020B0606030504020204" pitchFamily="34" charset="0"/>
                   </a:rPr>
-                  <a:t> implications.</a:t>
+                  <a:t>. </a:t>
                 </a:r>
               </a:p>
               <a:p>
@@ -20366,7 +19926,7 @@
                     </a:solidFill>
                     <a:latin typeface="Open Sans" panose="020B0606030504020204" pitchFamily="34" charset="0"/>
                   </a:rPr>
-                  <a:t>	For all integers </a:t>
+                  <a:t>	For any integer </a:t>
                 </a:r>
                 <a14:m>
                   <m:oMath xmlns:m="http://schemas.openxmlformats.org/officeDocument/2006/math">
@@ -20388,7 +19948,7 @@
                     </a:solidFill>
                     <a:latin typeface="Open Sans" panose="020B0606030504020204" pitchFamily="34" charset="0"/>
                   </a:rPr>
-                  <a:t>, it is the case that </a:t>
+                  <a:t>, the number </a:t>
                 </a:r>
                 <a14:m>
                   <m:oMath xmlns:m="http://schemas.openxmlformats.org/officeDocument/2006/math">
@@ -20399,21 +19959,42 @@
                         </a:solidFill>
                         <a:latin typeface="Cambria Math" panose="02040503050406030204" pitchFamily="18" charset="0"/>
                       </a:rPr>
-                      <m:t>𝑛</m:t>
-                    </m:r>
-                  </m:oMath>
-                </a14:m>
-                <a:r>
-                  <a:rPr lang="en-US" sz="2200" dirty="0">
-                    <a:solidFill>
-                      <a:schemeClr val="tx1"/>
-                    </a:solidFill>
-                    <a:latin typeface="Open Sans" panose="020B0606030504020204" pitchFamily="34" charset="0"/>
-                  </a:rPr>
-                  <a:t> is even if and 	only if </a:t>
-                </a:r>
-                <a14:m>
-                  <m:oMath xmlns:m="http://schemas.openxmlformats.org/officeDocument/2006/math">
+                      <m:t>(</m:t>
+                    </m:r>
+                    <m:sSup>
+                      <m:sSupPr>
+                        <m:ctrlPr>
+                          <a:rPr lang="en-US" sz="2200" b="0" i="1" smtClean="0">
+                            <a:solidFill>
+                              <a:schemeClr val="tx1"/>
+                            </a:solidFill>
+                            <a:latin typeface="Cambria Math" panose="02040503050406030204" pitchFamily="18" charset="0"/>
+                          </a:rPr>
+                        </m:ctrlPr>
+                      </m:sSupPr>
+                      <m:e>
+                        <m:r>
+                          <a:rPr lang="en-US" sz="2200" b="0" i="1" smtClean="0">
+                            <a:solidFill>
+                              <a:schemeClr val="tx1"/>
+                            </a:solidFill>
+                            <a:latin typeface="Cambria Math" panose="02040503050406030204" pitchFamily="18" charset="0"/>
+                          </a:rPr>
+                          <m:t>𝑛</m:t>
+                        </m:r>
+                      </m:e>
+                      <m:sup>
+                        <m:r>
+                          <a:rPr lang="en-US" sz="2200" b="0" i="1" smtClean="0">
+                            <a:solidFill>
+                              <a:schemeClr val="tx1"/>
+                            </a:solidFill>
+                            <a:latin typeface="Cambria Math" panose="02040503050406030204" pitchFamily="18" charset="0"/>
+                          </a:rPr>
+                          <m:t>3</m:t>
+                        </m:r>
+                      </m:sup>
+                    </m:sSup>
                     <m:r>
                       <a:rPr lang="en-US" sz="2200" b="0" i="1" smtClean="0">
                         <a:solidFill>
@@ -20421,7 +20002,7 @@
                         </a:solidFill>
                         <a:latin typeface="Cambria Math" panose="02040503050406030204" pitchFamily="18" charset="0"/>
                       </a:rPr>
-                      <m:t>3</m:t>
+                      <m:t>−</m:t>
                     </m:r>
                     <m:r>
                       <a:rPr lang="en-US" sz="2200" b="0" i="1" smtClean="0">
@@ -20432,6 +20013,15 @@
                       </a:rPr>
                       <m:t>𝑛</m:t>
                     </m:r>
+                    <m:r>
+                      <a:rPr lang="en-US" sz="2200" b="0" i="1" smtClean="0">
+                        <a:solidFill>
+                          <a:schemeClr val="tx1"/>
+                        </a:solidFill>
+                        <a:latin typeface="Cambria Math" panose="02040503050406030204" pitchFamily="18" charset="0"/>
+                      </a:rPr>
+                      <m:t>)</m:t>
+                    </m:r>
                   </m:oMath>
                 </a14:m>
                 <a:r>
@@ -20441,13 +20031,71 @@
                     </a:solidFill>
                     <a:latin typeface="Open Sans" panose="020B0606030504020204" pitchFamily="34" charset="0"/>
                   </a:rPr>
-                  <a:t> is even.</a:t>
+                  <a:t> is even. </a:t>
+                </a:r>
+              </a:p>
+              <a:p>
+                <a:pPr marL="0" indent="0">
+                  <a:buNone/>
+                </a:pPr>
+                <a:r>
+                  <a:rPr lang="en-US" sz="2200" dirty="0">
+                    <a:solidFill>
+                      <a:schemeClr val="tx1"/>
+                    </a:solidFill>
+                    <a:latin typeface="Open Sans" panose="020B0606030504020204" pitchFamily="34" charset="0"/>
+                  </a:rPr>
+                  <a:t>You might look at a case where </a:t>
+                </a:r>
+                <a14:m>
+                  <m:oMath xmlns:m="http://schemas.openxmlformats.org/officeDocument/2006/math">
+                    <m:r>
+                      <a:rPr lang="en-US" sz="2200" b="0" i="1" smtClean="0">
+                        <a:solidFill>
+                          <a:schemeClr val="tx1"/>
+                        </a:solidFill>
+                        <a:latin typeface="Cambria Math" panose="02040503050406030204" pitchFamily="18" charset="0"/>
+                      </a:rPr>
+                      <m:t>𝑛</m:t>
+                    </m:r>
+                  </m:oMath>
+                </a14:m>
+                <a:r>
+                  <a:rPr lang="en-US" sz="2200" dirty="0">
+                    <a:solidFill>
+                      <a:schemeClr val="tx1"/>
+                    </a:solidFill>
+                    <a:latin typeface="Open Sans" panose="020B0606030504020204" pitchFamily="34" charset="0"/>
+                  </a:rPr>
+                  <a:t> is even and a care where </a:t>
+                </a:r>
+                <a14:m>
+                  <m:oMath xmlns:m="http://schemas.openxmlformats.org/officeDocument/2006/math">
+                    <m:r>
+                      <a:rPr lang="en-US" sz="2200" b="0" i="1" smtClean="0">
+                        <a:solidFill>
+                          <a:schemeClr val="tx1"/>
+                        </a:solidFill>
+                        <a:latin typeface="Cambria Math" panose="02040503050406030204" pitchFamily="18" charset="0"/>
+                      </a:rPr>
+                      <m:t>𝑛</m:t>
+                    </m:r>
+                  </m:oMath>
+                </a14:m>
+                <a:r>
+                  <a:rPr lang="en-US" sz="2200" dirty="0">
+                    <a:solidFill>
+                      <a:schemeClr val="tx1"/>
+                    </a:solidFill>
+                    <a:latin typeface="Open Sans" panose="020B0606030504020204" pitchFamily="34" charset="0"/>
+                  </a:rPr>
+                  <a:t> is odd. </a:t>
                 </a:r>
               </a:p>
             </p:txBody>
           </p:sp>
         </mc:Choice>
-        <mc:Fallback>
+        <mc:Fallback xmlns="">
           <p:sp>
             <p:nvSpPr>
               <p:cNvPr id="6" name="Content Placeholder 2">
@@ -20491,10 +20139,190 @@
           </p:sp>
         </mc:Fallback>
       </mc:AlternateContent>
+      <mc:AlternateContent xmlns:mc="http://schemas.openxmlformats.org/markup-compatibility/2006" xmlns:a14="http://schemas.microsoft.com/office/drawing/2010/main">
+        <mc:Choice Requires="a14">
+          <p:sp>
+            <p:nvSpPr>
+              <p:cNvPr id="3" name="Rounded Rectangle 2">
+                <a:extLst>
+                  <a:ext uri="{FF2B5EF4-FFF2-40B4-BE49-F238E27FC236}">
+                    <a16:creationId xmlns:a16="http://schemas.microsoft.com/office/drawing/2014/main" id="{8E54B677-6A43-66BD-F769-32DD1FF26CA0}"/>
+                  </a:ext>
+                </a:extLst>
+              </p:cNvPr>
+              <p:cNvSpPr/>
+              <p:nvPr/>
+            </p:nvSpPr>
+            <p:spPr>
+              <a:xfrm>
+                <a:off x="3515518" y="3586254"/>
+                <a:ext cx="8180288" cy="1551011"/>
+              </a:xfrm>
+              <a:prstGeom prst="roundRect">
+                <a:avLst/>
+              </a:prstGeom>
+            </p:spPr>
+            <p:style>
+              <a:lnRef idx="2">
+                <a:schemeClr val="accent5">
+                  <a:shade val="15000"/>
+                </a:schemeClr>
+              </a:lnRef>
+              <a:fillRef idx="1">
+                <a:schemeClr val="accent5"/>
+              </a:fillRef>
+              <a:effectRef idx="0">
+                <a:schemeClr val="accent5"/>
+              </a:effectRef>
+              <a:fontRef idx="minor">
+                <a:schemeClr val="lt1"/>
+              </a:fontRef>
+            </p:style>
+            <p:txBody>
+              <a:bodyPr rtlCol="0" anchor="t"/>
+              <a:lstStyle/>
+              <a:p>
+                <a:r>
+                  <a:rPr lang="en-US" sz="2400" b="1" dirty="0"/>
+                  <a:t>Practice</a:t>
+                </a:r>
+                <a:r>
+                  <a:rPr lang="en-US" sz="2400" dirty="0"/>
+                  <a:t>: Prove the following…</a:t>
+                </a:r>
+              </a:p>
+              <a:p>
+                <a:endParaRPr lang="en-US" sz="2400" dirty="0"/>
+              </a:p>
+              <a:p>
+                <a:r>
+                  <a:rPr lang="en-US" sz="2400" dirty="0"/>
+                  <a:t>For any integer </a:t>
+                </a:r>
+                <a14:m>
+                  <m:oMath xmlns:m="http://schemas.openxmlformats.org/officeDocument/2006/math">
+                    <m:r>
+                      <a:rPr lang="en-US" sz="2400">
+                        <a:latin typeface="Cambria Math" panose="02040503050406030204" pitchFamily="18" charset="0"/>
+                      </a:rPr>
+                      <m:t>𝑛</m:t>
+                    </m:r>
+                  </m:oMath>
+                </a14:m>
+                <a:r>
+                  <a:rPr lang="en-US" sz="2400" dirty="0"/>
+                  <a:t>, the number </a:t>
+                </a:r>
+                <a14:m>
+                  <m:oMath xmlns:m="http://schemas.openxmlformats.org/officeDocument/2006/math">
+                    <m:r>
+                      <a:rPr lang="en-US" sz="2400">
+                        <a:latin typeface="Cambria Math" panose="02040503050406030204" pitchFamily="18" charset="0"/>
+                      </a:rPr>
+                      <m:t>(</m:t>
+                    </m:r>
+                    <m:sSup>
+                      <m:sSupPr>
+                        <m:ctrlPr>
+                          <a:rPr lang="en-US" sz="2400" i="1">
+                            <a:latin typeface="Cambria Math" panose="02040503050406030204" pitchFamily="18" charset="0"/>
+                          </a:rPr>
+                        </m:ctrlPr>
+                      </m:sSupPr>
+                      <m:e>
+                        <m:r>
+                          <a:rPr lang="en-US" sz="2400">
+                            <a:latin typeface="Cambria Math" panose="02040503050406030204" pitchFamily="18" charset="0"/>
+                          </a:rPr>
+                          <m:t>𝑛</m:t>
+                        </m:r>
+                      </m:e>
+                      <m:sup>
+                        <m:r>
+                          <a:rPr lang="en-US" sz="2400">
+                            <a:latin typeface="Cambria Math" panose="02040503050406030204" pitchFamily="18" charset="0"/>
+                          </a:rPr>
+                          <m:t>3</m:t>
+                        </m:r>
+                      </m:sup>
+                    </m:sSup>
+                    <m:r>
+                      <a:rPr lang="en-US" sz="2400">
+                        <a:latin typeface="Cambria Math" panose="02040503050406030204" pitchFamily="18" charset="0"/>
+                      </a:rPr>
+                      <m:t>−</m:t>
+                    </m:r>
+                    <m:r>
+                      <a:rPr lang="en-US" sz="2400">
+                        <a:latin typeface="Cambria Math" panose="02040503050406030204" pitchFamily="18" charset="0"/>
+                      </a:rPr>
+                      <m:t>𝑛</m:t>
+                    </m:r>
+                    <m:r>
+                      <a:rPr lang="en-US" sz="2400">
+                        <a:latin typeface="Cambria Math" panose="02040503050406030204" pitchFamily="18" charset="0"/>
+                      </a:rPr>
+                      <m:t>)</m:t>
+                    </m:r>
+                  </m:oMath>
+                </a14:m>
+                <a:r>
+                  <a:rPr lang="en-US" sz="2400" dirty="0"/>
+                  <a:t> is even.</a:t>
+                </a:r>
+              </a:p>
+            </p:txBody>
+          </p:sp>
+        </mc:Choice>
+        <mc:Fallback xmlns="">
+          <p:sp>
+            <p:nvSpPr>
+              <p:cNvPr id="3" name="Rounded Rectangle 2">
+                <a:extLst>
+                  <a:ext uri="{FF2B5EF4-FFF2-40B4-BE49-F238E27FC236}">
+                    <a16:creationId xmlns:a16="http://schemas.microsoft.com/office/drawing/2014/main" id="{8E54B677-6A43-66BD-F769-32DD1FF26CA0}"/>
+                  </a:ext>
+                </a:extLst>
+              </p:cNvPr>
+              <p:cNvSpPr>
+                <a:spLocks noRot="1" noChangeAspect="1" noMove="1" noResize="1" noEditPoints="1" noAdjustHandles="1" noChangeArrowheads="1" noChangeShapeType="1" noTextEdit="1"/>
+              </p:cNvSpPr>
+              <p:nvPr/>
+            </p:nvSpPr>
+            <p:spPr>
+              <a:xfrm>
+                <a:off x="3515518" y="3586254"/>
+                <a:ext cx="8180288" cy="1551011"/>
+              </a:xfrm>
+              <a:prstGeom prst="roundRect">
+                <a:avLst/>
+              </a:prstGeom>
+              <a:blipFill>
+                <a:blip r:embed="rId4"/>
+                <a:stretch>
+                  <a:fillRect l="-155"/>
+                </a:stretch>
+              </a:blipFill>
+            </p:spPr>
+            <p:txBody>
+              <a:bodyPr/>
+              <a:lstStyle/>
+              <a:p>
+                <a:r>
+                  <a:rPr lang="en-US">
+                    <a:noFill/>
+                  </a:rPr>
+                  <a:t> </a:t>
+                </a:r>
+              </a:p>
+            </p:txBody>
+          </p:sp>
+        </mc:Fallback>
+      </mc:AlternateContent>
     </p:spTree>
     <p:extLst>
       <p:ext uri="{BB962C8B-B14F-4D97-AF65-F5344CB8AC3E}">
-        <p14:creationId xmlns:p14="http://schemas.microsoft.com/office/powerpoint/2010/main" val="2731184601"/>
+        <p14:creationId xmlns:p14="http://schemas.microsoft.com/office/powerpoint/2010/main" val="1591364430"/>
       </p:ext>
     </p:extLst>
   </p:cSld>
@@ -20543,8 +20371,8 @@
           </a:p>
         </p:txBody>
       </p:sp>
-      <mc:AlternateContent xmlns:mc="http://schemas.openxmlformats.org/markup-compatibility/2006">
-        <mc:Choice xmlns:a14="http://schemas.microsoft.com/office/drawing/2010/main" Requires="a14">
+      <mc:AlternateContent xmlns:mc="http://schemas.openxmlformats.org/markup-compatibility/2006" xmlns:a14="http://schemas.microsoft.com/office/drawing/2010/main">
+        <mc:Choice Requires="a14">
           <p:sp>
             <p:nvSpPr>
               <p:cNvPr id="6" name="Content Placeholder 2">
@@ -20718,191 +20546,10 @@
                   <a:t> is even.</a:t>
                 </a:r>
               </a:p>
-              <a:p>
-                <a:pPr marL="0" indent="0">
-                  <a:buNone/>
-                </a:pPr>
-                <a:r>
-                  <a:rPr lang="en-US" sz="2200" dirty="0">
-                    <a:solidFill>
-                      <a:schemeClr val="tx1"/>
-                    </a:solidFill>
-                    <a:latin typeface="Open Sans" panose="020B0606030504020204" pitchFamily="34" charset="0"/>
-                  </a:rPr>
-                  <a:t>You would need to prove that for all integers </a:t>
-                </a:r>
-                <a14:m>
-                  <m:oMath xmlns:m="http://schemas.openxmlformats.org/officeDocument/2006/math">
-                    <m:r>
-                      <a:rPr lang="en-US" sz="2200" b="0" i="1" smtClean="0">
-                        <a:solidFill>
-                          <a:schemeClr val="tx1"/>
-                        </a:solidFill>
-                        <a:latin typeface="Cambria Math" panose="02040503050406030204" pitchFamily="18" charset="0"/>
-                      </a:rPr>
-                      <m:t>𝑛</m:t>
-                    </m:r>
-                  </m:oMath>
-                </a14:m>
-                <a:endParaRPr lang="en-US" sz="2200" dirty="0">
-                  <a:solidFill>
-                    <a:schemeClr val="tx1"/>
-                  </a:solidFill>
-                  <a:latin typeface="Open Sans" panose="020B0606030504020204" pitchFamily="34" charset="0"/>
-                </a:endParaRPr>
-              </a:p>
-              <a:p>
-                <a:pPr marL="0" indent="0">
-                  <a:buNone/>
-                </a:pPr>
-                <a:r>
-                  <a:rPr lang="en-US" sz="2200" dirty="0">
-                    <a:solidFill>
-                      <a:schemeClr val="tx1"/>
-                    </a:solidFill>
-                    <a:latin typeface="Open Sans" panose="020B0606030504020204" pitchFamily="34" charset="0"/>
-                  </a:rPr>
-                  <a:t>	(a) If </a:t>
-                </a:r>
-                <a14:m>
-                  <m:oMath xmlns:m="http://schemas.openxmlformats.org/officeDocument/2006/math">
-                    <m:r>
-                      <a:rPr lang="en-US" sz="2200" b="0" i="1" smtClean="0">
-                        <a:solidFill>
-                          <a:schemeClr val="tx1"/>
-                        </a:solidFill>
-                        <a:latin typeface="Cambria Math" panose="02040503050406030204" pitchFamily="18" charset="0"/>
-                      </a:rPr>
-                      <m:t>𝑛</m:t>
-                    </m:r>
-                  </m:oMath>
-                </a14:m>
-                <a:r>
-                  <a:rPr lang="en-US" sz="2200" dirty="0">
-                    <a:solidFill>
-                      <a:schemeClr val="tx1"/>
-                    </a:solidFill>
-                    <a:latin typeface="Open Sans" panose="020B0606030504020204" pitchFamily="34" charset="0"/>
-                  </a:rPr>
-                  <a:t> is even then </a:t>
-                </a:r>
-                <a14:m>
-                  <m:oMath xmlns:m="http://schemas.openxmlformats.org/officeDocument/2006/math">
-                    <m:r>
-                      <a:rPr lang="en-US" sz="2200" b="0" i="1" smtClean="0">
-                        <a:solidFill>
-                          <a:schemeClr val="tx1"/>
-                        </a:solidFill>
-                        <a:latin typeface="Cambria Math" panose="02040503050406030204" pitchFamily="18" charset="0"/>
-                      </a:rPr>
-                      <m:t>3</m:t>
-                    </m:r>
-                    <m:r>
-                      <a:rPr lang="en-US" sz="2200" b="0" i="1" smtClean="0">
-                        <a:solidFill>
-                          <a:schemeClr val="tx1"/>
-                        </a:solidFill>
-                        <a:latin typeface="Cambria Math" panose="02040503050406030204" pitchFamily="18" charset="0"/>
-                      </a:rPr>
-                      <m:t>𝑛</m:t>
-                    </m:r>
-                  </m:oMath>
-                </a14:m>
-                <a:r>
-                  <a:rPr lang="en-US" sz="2200" dirty="0">
-                    <a:solidFill>
-                      <a:schemeClr val="tx1"/>
-                    </a:solidFill>
-                    <a:latin typeface="Open Sans" panose="020B0606030504020204" pitchFamily="34" charset="0"/>
-                  </a:rPr>
-                  <a:t> is even</a:t>
-                </a:r>
-              </a:p>
-              <a:p>
-                <a:pPr marL="0" indent="0">
-                  <a:buNone/>
-                </a:pPr>
-                <a:r>
-                  <a:rPr lang="en-US" sz="2200" dirty="0">
-                    <a:solidFill>
-                      <a:schemeClr val="tx1"/>
-                    </a:solidFill>
-                    <a:latin typeface="Open Sans" panose="020B0606030504020204" pitchFamily="34" charset="0"/>
-                  </a:rPr>
-                  <a:t>	and</a:t>
-                </a:r>
-              </a:p>
-              <a:p>
-                <a:pPr marL="0" indent="0">
-                  <a:buNone/>
-                </a:pPr>
-                <a:r>
-                  <a:rPr lang="en-US" sz="2200" dirty="0">
-                    <a:solidFill>
-                      <a:schemeClr val="tx1"/>
-                    </a:solidFill>
-                    <a:latin typeface="Open Sans" panose="020B0606030504020204" pitchFamily="34" charset="0"/>
-                  </a:rPr>
-                  <a:t>	(b) If </a:t>
-                </a:r>
-                <a14:m>
-                  <m:oMath xmlns:m="http://schemas.openxmlformats.org/officeDocument/2006/math">
-                    <m:r>
-                      <a:rPr lang="en-US" sz="2200" b="0" i="1" smtClean="0">
-                        <a:solidFill>
-                          <a:schemeClr val="tx1"/>
-                        </a:solidFill>
-                        <a:latin typeface="Cambria Math" panose="02040503050406030204" pitchFamily="18" charset="0"/>
-                      </a:rPr>
-                      <m:t>3</m:t>
-                    </m:r>
-                    <m:r>
-                      <a:rPr lang="en-US" sz="2200" b="0" i="1" smtClean="0">
-                        <a:solidFill>
-                          <a:schemeClr val="tx1"/>
-                        </a:solidFill>
-                        <a:latin typeface="Cambria Math" panose="02040503050406030204" pitchFamily="18" charset="0"/>
-                      </a:rPr>
-                      <m:t>𝑛</m:t>
-                    </m:r>
-                  </m:oMath>
-                </a14:m>
-                <a:r>
-                  <a:rPr lang="en-US" sz="2200" dirty="0">
-                    <a:solidFill>
-                      <a:schemeClr val="tx1"/>
-                    </a:solidFill>
-                    <a:latin typeface="Open Sans" panose="020B0606030504020204" pitchFamily="34" charset="0"/>
-                  </a:rPr>
-                  <a:t> is even then </a:t>
-                </a:r>
-                <a14:m>
-                  <m:oMath xmlns:m="http://schemas.openxmlformats.org/officeDocument/2006/math">
-                    <m:r>
-                      <a:rPr lang="en-US" sz="2200" b="0" i="1" smtClean="0">
-                        <a:solidFill>
-                          <a:schemeClr val="tx1"/>
-                        </a:solidFill>
-                        <a:latin typeface="Cambria Math" panose="02040503050406030204" pitchFamily="18" charset="0"/>
-                      </a:rPr>
-                      <m:t>𝑛</m:t>
-                    </m:r>
-                  </m:oMath>
-                </a14:m>
-                <a:r>
-                  <a:rPr lang="en-US" sz="2200" dirty="0">
-                    <a:solidFill>
-                      <a:schemeClr val="tx1"/>
-                    </a:solidFill>
-                    <a:latin typeface="Open Sans" panose="020B0606030504020204" pitchFamily="34" charset="0"/>
-                  </a:rPr>
-                  <a:t> is even  </a:t>
-                </a:r>
-              </a:p>
             </p:txBody>
           </p:sp>
         </mc:Choice>
-        <mc:Fallback>
+        <mc:Fallback xmlns="">
           <p:sp>
             <p:nvSpPr>
               <p:cNvPr id="6" name="Content Placeholder 2">
@@ -20949,7 +20596,7 @@
     </p:spTree>
     <p:extLst>
       <p:ext uri="{BB962C8B-B14F-4D97-AF65-F5344CB8AC3E}">
-        <p14:creationId xmlns:p14="http://schemas.microsoft.com/office/powerpoint/2010/main" val="2470183055"/>
+        <p14:creationId xmlns:p14="http://schemas.microsoft.com/office/powerpoint/2010/main" val="2731184601"/>
       </p:ext>
     </p:extLst>
   </p:cSld>
@@ -20998,8 +20645,8 @@
           </a:p>
         </p:txBody>
       </p:sp>
-      <mc:AlternateContent xmlns:mc="http://schemas.openxmlformats.org/markup-compatibility/2006">
-        <mc:Choice xmlns:a14="http://schemas.microsoft.com/office/drawing/2010/main" Requires="a14">
+      <mc:AlternateContent xmlns:mc="http://schemas.openxmlformats.org/markup-compatibility/2006" xmlns:a14="http://schemas.microsoft.com/office/drawing/2010/main">
+        <mc:Choice Requires="a14">
           <p:sp>
             <p:nvSpPr>
               <p:cNvPr id="6" name="Content Placeholder 2">
@@ -21357,7 +21004,7 @@
             </p:txBody>
           </p:sp>
         </mc:Choice>
-        <mc:Fallback>
+        <mc:Fallback xmlns="">
           <p:sp>
             <p:nvSpPr>
               <p:cNvPr id="6" name="Content Placeholder 2">
@@ -21401,8 +21048,463 @@
           </p:sp>
         </mc:Fallback>
       </mc:AlternateContent>
-      <mc:AlternateContent xmlns:mc="http://schemas.openxmlformats.org/markup-compatibility/2006">
-        <mc:Choice xmlns:a14="http://schemas.microsoft.com/office/drawing/2010/main" Requires="a14">
+    </p:spTree>
+    <p:extLst>
+      <p:ext uri="{BB962C8B-B14F-4D97-AF65-F5344CB8AC3E}">
+        <p14:creationId xmlns:p14="http://schemas.microsoft.com/office/powerpoint/2010/main" val="2470183055"/>
+      </p:ext>
+    </p:extLst>
+  </p:cSld>
+  <p:clrMapOvr>
+    <a:masterClrMapping/>
+  </p:clrMapOvr>
+</p:sld>
+</file>
+
+<file path=ppt/slides/slide35.xml><?xml version="1.0" encoding="utf-8"?>
+<p:sld xmlns:a="http://schemas.openxmlformats.org/drawingml/2006/main" xmlns:r="http://schemas.openxmlformats.org/officeDocument/2006/relationships" xmlns:p="http://schemas.openxmlformats.org/presentationml/2006/main">
+  <p:cSld>
+    <p:spTree>
+      <p:nvGrpSpPr>
+        <p:cNvPr id="1" name=""/>
+        <p:cNvGrpSpPr/>
+        <p:nvPr/>
+      </p:nvGrpSpPr>
+      <p:grpSpPr>
+        <a:xfrm>
+          <a:off x="0" y="0"/>
+          <a:ext cx="0" cy="0"/>
+          <a:chOff x="0" y="0"/>
+          <a:chExt cx="0" cy="0"/>
+        </a:xfrm>
+      </p:grpSpPr>
+      <p:sp>
+        <p:nvSpPr>
+          <p:cNvPr id="2" name="Title 1"/>
+          <p:cNvSpPr>
+            <a:spLocks noGrp="1"/>
+          </p:cNvSpPr>
+          <p:nvPr>
+            <p:ph type="title"/>
+          </p:nvPr>
+        </p:nvSpPr>
+        <p:spPr/>
+        <p:txBody>
+          <a:bodyPr/>
+          <a:lstStyle/>
+          <a:p>
+            <a:r>
+              <a:rPr lang="en-US" dirty="0"/>
+              <a:t>Notes about proofs</a:t>
+            </a:r>
+          </a:p>
+        </p:txBody>
+      </p:sp>
+      <mc:AlternateContent xmlns:mc="http://schemas.openxmlformats.org/markup-compatibility/2006" xmlns:a14="http://schemas.microsoft.com/office/drawing/2010/main">
+        <mc:Choice Requires="a14">
+          <p:sp>
+            <p:nvSpPr>
+              <p:cNvPr id="6" name="Content Placeholder 2">
+                <a:extLst>
+                  <a:ext uri="{FF2B5EF4-FFF2-40B4-BE49-F238E27FC236}">
+                    <a16:creationId xmlns:a16="http://schemas.microsoft.com/office/drawing/2014/main" id="{5DFEF51D-F265-61A0-FAE6-BBE496D688A3}"/>
+                  </a:ext>
+                </a:extLst>
+              </p:cNvPr>
+              <p:cNvSpPr>
+                <a:spLocks noGrp="1"/>
+              </p:cNvSpPr>
+              <p:nvPr>
+                <p:ph idx="1"/>
+              </p:nvPr>
+            </p:nvSpPr>
+            <p:spPr>
+              <a:xfrm>
+                <a:off x="3515518" y="728420"/>
+                <a:ext cx="8205428" cy="6129580"/>
+              </a:xfrm>
+            </p:spPr>
+            <p:txBody>
+              <a:bodyPr anchor="t">
+                <a:normAutofit/>
+              </a:bodyPr>
+              <a:lstStyle/>
+              <a:p>
+                <a:pPr marL="0" indent="0">
+                  <a:buNone/>
+                </a:pPr>
+                <a:r>
+                  <a:rPr lang="en-US" sz="2200" dirty="0">
+                    <a:solidFill>
+                      <a:schemeClr val="tx1"/>
+                    </a:solidFill>
+                    <a:latin typeface="Open Sans" panose="020B0606030504020204" pitchFamily="34" charset="0"/>
+                  </a:rPr>
+                  <a:t>To prove a biconditional, you must prove </a:t>
+                </a:r>
+                <a:r>
+                  <a:rPr lang="en-US" sz="2200" i="1" dirty="0">
+                    <a:solidFill>
+                      <a:schemeClr val="tx1"/>
+                    </a:solidFill>
+                    <a:latin typeface="Open Sans" panose="020B0606030504020204" pitchFamily="34" charset="0"/>
+                  </a:rPr>
+                  <a:t>both</a:t>
+                </a:r>
+                <a:r>
+                  <a:rPr lang="en-US" sz="2200" dirty="0">
+                    <a:solidFill>
+                      <a:schemeClr val="tx1"/>
+                    </a:solidFill>
+                    <a:latin typeface="Open Sans" panose="020B0606030504020204" pitchFamily="34" charset="0"/>
+                  </a:rPr>
+                  <a:t> implications.</a:t>
+                </a:r>
+              </a:p>
+              <a:p>
+                <a:pPr marL="0" indent="0">
+                  <a:buNone/>
+                </a:pPr>
+                <a:endParaRPr lang="en-US" sz="2200" dirty="0">
+                  <a:solidFill>
+                    <a:schemeClr val="tx1"/>
+                  </a:solidFill>
+                  <a:latin typeface="Open Sans" panose="020B0606030504020204" pitchFamily="34" charset="0"/>
+                </a:endParaRPr>
+              </a:p>
+              <a:p>
+                <a:pPr marL="0" indent="0">
+                  <a:buNone/>
+                </a:pPr>
+                <a:r>
+                  <a:rPr lang="en-US" sz="2200" dirty="0">
+                    <a:solidFill>
+                      <a:schemeClr val="tx1"/>
+                    </a:solidFill>
+                    <a:latin typeface="Open Sans" panose="020B0606030504020204" pitchFamily="34" charset="0"/>
+                  </a:rPr>
+                  <a:t>For example, if you were to prove this:</a:t>
+                </a:r>
+              </a:p>
+              <a:p>
+                <a:pPr marL="0" indent="0">
+                  <a:buNone/>
+                </a:pPr>
+                <a:r>
+                  <a:rPr lang="en-US" sz="2200" dirty="0">
+                    <a:solidFill>
+                      <a:schemeClr val="tx1"/>
+                    </a:solidFill>
+                    <a:latin typeface="Open Sans" panose="020B0606030504020204" pitchFamily="34" charset="0"/>
+                  </a:rPr>
+                  <a:t>	For all integers </a:t>
+                </a:r>
+                <a14:m>
+                  <m:oMath xmlns:m="http://schemas.openxmlformats.org/officeDocument/2006/math">
+                    <m:r>
+                      <a:rPr lang="en-US" sz="2200" b="0" i="1" smtClean="0">
+                        <a:solidFill>
+                          <a:schemeClr val="tx1"/>
+                        </a:solidFill>
+                        <a:latin typeface="Cambria Math" panose="02040503050406030204" pitchFamily="18" charset="0"/>
+                      </a:rPr>
+                      <m:t>𝑛</m:t>
+                    </m:r>
+                  </m:oMath>
+                </a14:m>
+                <a:r>
+                  <a:rPr lang="en-US" sz="2200" dirty="0">
+                    <a:solidFill>
+                      <a:schemeClr val="tx1"/>
+                    </a:solidFill>
+                    <a:latin typeface="Open Sans" panose="020B0606030504020204" pitchFamily="34" charset="0"/>
+                  </a:rPr>
+                  <a:t>, it is the case that </a:t>
+                </a:r>
+                <a14:m>
+                  <m:oMath xmlns:m="http://schemas.openxmlformats.org/officeDocument/2006/math">
+                    <m:r>
+                      <a:rPr lang="en-US" sz="2200" b="0" i="1" smtClean="0">
+                        <a:solidFill>
+                          <a:schemeClr val="tx1"/>
+                        </a:solidFill>
+                        <a:latin typeface="Cambria Math" panose="02040503050406030204" pitchFamily="18" charset="0"/>
+                      </a:rPr>
+                      <m:t>𝑛</m:t>
+                    </m:r>
+                  </m:oMath>
+                </a14:m>
+                <a:r>
+                  <a:rPr lang="en-US" sz="2200" dirty="0">
+                    <a:solidFill>
+                      <a:schemeClr val="tx1"/>
+                    </a:solidFill>
+                    <a:latin typeface="Open Sans" panose="020B0606030504020204" pitchFamily="34" charset="0"/>
+                  </a:rPr>
+                  <a:t> is even if and 	only if </a:t>
+                </a:r>
+                <a14:m>
+                  <m:oMath xmlns:m="http://schemas.openxmlformats.org/officeDocument/2006/math">
+                    <m:r>
+                      <a:rPr lang="en-US" sz="2200" b="0" i="1" smtClean="0">
+                        <a:solidFill>
+                          <a:schemeClr val="tx1"/>
+                        </a:solidFill>
+                        <a:latin typeface="Cambria Math" panose="02040503050406030204" pitchFamily="18" charset="0"/>
+                      </a:rPr>
+                      <m:t>3</m:t>
+                    </m:r>
+                    <m:r>
+                      <a:rPr lang="en-US" sz="2200" b="0" i="1" smtClean="0">
+                        <a:solidFill>
+                          <a:schemeClr val="tx1"/>
+                        </a:solidFill>
+                        <a:latin typeface="Cambria Math" panose="02040503050406030204" pitchFamily="18" charset="0"/>
+                      </a:rPr>
+                      <m:t>𝑛</m:t>
+                    </m:r>
+                  </m:oMath>
+                </a14:m>
+                <a:r>
+                  <a:rPr lang="en-US" sz="2200" dirty="0">
+                    <a:solidFill>
+                      <a:schemeClr val="tx1"/>
+                    </a:solidFill>
+                    <a:latin typeface="Open Sans" panose="020B0606030504020204" pitchFamily="34" charset="0"/>
+                  </a:rPr>
+                  <a:t> is even.</a:t>
+                </a:r>
+              </a:p>
+              <a:p>
+                <a:pPr marL="0" indent="0">
+                  <a:buNone/>
+                </a:pPr>
+                <a:r>
+                  <a:rPr lang="en-US" sz="2200" dirty="0">
+                    <a:solidFill>
+                      <a:schemeClr val="tx1"/>
+                    </a:solidFill>
+                    <a:latin typeface="Open Sans" panose="020B0606030504020204" pitchFamily="34" charset="0"/>
+                  </a:rPr>
+                  <a:t>You would need to prove that for all integers </a:t>
+                </a:r>
+                <a14:m>
+                  <m:oMath xmlns:m="http://schemas.openxmlformats.org/officeDocument/2006/math">
+                    <m:r>
+                      <a:rPr lang="en-US" sz="2200" b="0" i="1" smtClean="0">
+                        <a:solidFill>
+                          <a:schemeClr val="tx1"/>
+                        </a:solidFill>
+                        <a:latin typeface="Cambria Math" panose="02040503050406030204" pitchFamily="18" charset="0"/>
+                      </a:rPr>
+                      <m:t>𝑛</m:t>
+                    </m:r>
+                  </m:oMath>
+                </a14:m>
+                <a:endParaRPr lang="en-US" sz="2200" dirty="0">
+                  <a:solidFill>
+                    <a:schemeClr val="tx1"/>
+                  </a:solidFill>
+                  <a:latin typeface="Open Sans" panose="020B0606030504020204" pitchFamily="34" charset="0"/>
+                </a:endParaRPr>
+              </a:p>
+              <a:p>
+                <a:pPr marL="0" indent="0">
+                  <a:buNone/>
+                </a:pPr>
+                <a:r>
+                  <a:rPr lang="en-US" sz="2200" dirty="0">
+                    <a:solidFill>
+                      <a:schemeClr val="tx1"/>
+                    </a:solidFill>
+                    <a:latin typeface="Open Sans" panose="020B0606030504020204" pitchFamily="34" charset="0"/>
+                  </a:rPr>
+                  <a:t>	(a) If </a:t>
+                </a:r>
+                <a14:m>
+                  <m:oMath xmlns:m="http://schemas.openxmlformats.org/officeDocument/2006/math">
+                    <m:r>
+                      <a:rPr lang="en-US" sz="2200" b="0" i="1" smtClean="0">
+                        <a:solidFill>
+                          <a:schemeClr val="tx1"/>
+                        </a:solidFill>
+                        <a:latin typeface="Cambria Math" panose="02040503050406030204" pitchFamily="18" charset="0"/>
+                      </a:rPr>
+                      <m:t>𝑛</m:t>
+                    </m:r>
+                  </m:oMath>
+                </a14:m>
+                <a:r>
+                  <a:rPr lang="en-US" sz="2200" dirty="0">
+                    <a:solidFill>
+                      <a:schemeClr val="tx1"/>
+                    </a:solidFill>
+                    <a:latin typeface="Open Sans" panose="020B0606030504020204" pitchFamily="34" charset="0"/>
+                  </a:rPr>
+                  <a:t> is even then </a:t>
+                </a:r>
+                <a14:m>
+                  <m:oMath xmlns:m="http://schemas.openxmlformats.org/officeDocument/2006/math">
+                    <m:r>
+                      <a:rPr lang="en-US" sz="2200" b="0" i="1" smtClean="0">
+                        <a:solidFill>
+                          <a:schemeClr val="tx1"/>
+                        </a:solidFill>
+                        <a:latin typeface="Cambria Math" panose="02040503050406030204" pitchFamily="18" charset="0"/>
+                      </a:rPr>
+                      <m:t>3</m:t>
+                    </m:r>
+                    <m:r>
+                      <a:rPr lang="en-US" sz="2200" b="0" i="1" smtClean="0">
+                        <a:solidFill>
+                          <a:schemeClr val="tx1"/>
+                        </a:solidFill>
+                        <a:latin typeface="Cambria Math" panose="02040503050406030204" pitchFamily="18" charset="0"/>
+                      </a:rPr>
+                      <m:t>𝑛</m:t>
+                    </m:r>
+                  </m:oMath>
+                </a14:m>
+                <a:r>
+                  <a:rPr lang="en-US" sz="2200" dirty="0">
+                    <a:solidFill>
+                      <a:schemeClr val="tx1"/>
+                    </a:solidFill>
+                    <a:latin typeface="Open Sans" panose="020B0606030504020204" pitchFamily="34" charset="0"/>
+                  </a:rPr>
+                  <a:t> is even</a:t>
+                </a:r>
+              </a:p>
+              <a:p>
+                <a:pPr marL="0" indent="0">
+                  <a:buNone/>
+                </a:pPr>
+                <a:r>
+                  <a:rPr lang="en-US" sz="2200" dirty="0">
+                    <a:solidFill>
+                      <a:schemeClr val="tx1"/>
+                    </a:solidFill>
+                    <a:latin typeface="Open Sans" panose="020B0606030504020204" pitchFamily="34" charset="0"/>
+                  </a:rPr>
+                  <a:t>	and</a:t>
+                </a:r>
+              </a:p>
+              <a:p>
+                <a:pPr marL="0" indent="0">
+                  <a:buNone/>
+                </a:pPr>
+                <a:r>
+                  <a:rPr lang="en-US" sz="2200" dirty="0">
+                    <a:solidFill>
+                      <a:schemeClr val="tx1"/>
+                    </a:solidFill>
+                    <a:latin typeface="Open Sans" panose="020B0606030504020204" pitchFamily="34" charset="0"/>
+                  </a:rPr>
+                  <a:t>	(b) If </a:t>
+                </a:r>
+                <a14:m>
+                  <m:oMath xmlns:m="http://schemas.openxmlformats.org/officeDocument/2006/math">
+                    <m:r>
+                      <a:rPr lang="en-US" sz="2200" b="0" i="1" smtClean="0">
+                        <a:solidFill>
+                          <a:schemeClr val="tx1"/>
+                        </a:solidFill>
+                        <a:latin typeface="Cambria Math" panose="02040503050406030204" pitchFamily="18" charset="0"/>
+                      </a:rPr>
+                      <m:t>3</m:t>
+                    </m:r>
+                    <m:r>
+                      <a:rPr lang="en-US" sz="2200" b="0" i="1" smtClean="0">
+                        <a:solidFill>
+                          <a:schemeClr val="tx1"/>
+                        </a:solidFill>
+                        <a:latin typeface="Cambria Math" panose="02040503050406030204" pitchFamily="18" charset="0"/>
+                      </a:rPr>
+                      <m:t>𝑛</m:t>
+                    </m:r>
+                  </m:oMath>
+                </a14:m>
+                <a:r>
+                  <a:rPr lang="en-US" sz="2200" dirty="0">
+                    <a:solidFill>
+                      <a:schemeClr val="tx1"/>
+                    </a:solidFill>
+                    <a:latin typeface="Open Sans" panose="020B0606030504020204" pitchFamily="34" charset="0"/>
+                  </a:rPr>
+                  <a:t> is even then </a:t>
+                </a:r>
+                <a14:m>
+                  <m:oMath xmlns:m="http://schemas.openxmlformats.org/officeDocument/2006/math">
+                    <m:r>
+                      <a:rPr lang="en-US" sz="2200" b="0" i="1" smtClean="0">
+                        <a:solidFill>
+                          <a:schemeClr val="tx1"/>
+                        </a:solidFill>
+                        <a:latin typeface="Cambria Math" panose="02040503050406030204" pitchFamily="18" charset="0"/>
+                      </a:rPr>
+                      <m:t>𝑛</m:t>
+                    </m:r>
+                  </m:oMath>
+                </a14:m>
+                <a:r>
+                  <a:rPr lang="en-US" sz="2200" dirty="0">
+                    <a:solidFill>
+                      <a:schemeClr val="tx1"/>
+                    </a:solidFill>
+                    <a:latin typeface="Open Sans" panose="020B0606030504020204" pitchFamily="34" charset="0"/>
+                  </a:rPr>
+                  <a:t> is even  </a:t>
+                </a:r>
+              </a:p>
+            </p:txBody>
+          </p:sp>
+        </mc:Choice>
+        <mc:Fallback xmlns="">
+          <p:sp>
+            <p:nvSpPr>
+              <p:cNvPr id="6" name="Content Placeholder 2">
+                <a:extLst>
+                  <a:ext uri="{FF2B5EF4-FFF2-40B4-BE49-F238E27FC236}">
+                    <a16:creationId xmlns:a16="http://schemas.microsoft.com/office/drawing/2014/main" id="{5DFEF51D-F265-61A0-FAE6-BBE496D688A3}"/>
+                  </a:ext>
+                </a:extLst>
+              </p:cNvPr>
+              <p:cNvSpPr>
+                <a:spLocks noGrp="1" noRot="1" noChangeAspect="1" noMove="1" noResize="1" noEditPoints="1" noAdjustHandles="1" noChangeArrowheads="1" noChangeShapeType="1" noTextEdit="1"/>
+              </p:cNvSpPr>
+              <p:nvPr>
+                <p:ph idx="1"/>
+              </p:nvPr>
+            </p:nvSpPr>
+            <p:spPr>
+              <a:xfrm>
+                <a:off x="3515518" y="728420"/>
+                <a:ext cx="8205428" cy="6129580"/>
+              </a:xfrm>
+              <a:blipFill>
+                <a:blip r:embed="rId3"/>
+                <a:stretch>
+                  <a:fillRect l="-926" t="-1242"/>
+                </a:stretch>
+              </a:blipFill>
+            </p:spPr>
+            <p:txBody>
+              <a:bodyPr/>
+              <a:lstStyle/>
+              <a:p>
+                <a:r>
+                  <a:rPr lang="en-US">
+                    <a:noFill/>
+                  </a:rPr>
+                  <a:t> </a:t>
+                </a:r>
+              </a:p>
+            </p:txBody>
+          </p:sp>
+        </mc:Fallback>
+      </mc:AlternateContent>
+      <mc:AlternateContent xmlns:mc="http://schemas.openxmlformats.org/markup-compatibility/2006" xmlns:a14="http://schemas.microsoft.com/office/drawing/2010/main">
+        <mc:Choice Requires="a14">
           <p:sp>
             <p:nvSpPr>
               <p:cNvPr id="3" name="Rounded Rectangle 2">
@@ -21464,7 +21566,9 @@
                 <a14:m>
                   <m:oMath xmlns:m="http://schemas.openxmlformats.org/officeDocument/2006/math">
                     <m:r>
-                      <a:rPr lang="en-US" sz="2400"/>
+                      <a:rPr lang="en-US" sz="2400">
+                        <a:latin typeface="Cambria Math" panose="02040503050406030204" pitchFamily="18" charset="0"/>
+                      </a:rPr>
                       <m:t>𝑛</m:t>
                     </m:r>
                   </m:oMath>
@@ -21476,7 +21580,9 @@
                 <a14:m>
                   <m:oMath xmlns:m="http://schemas.openxmlformats.org/officeDocument/2006/math">
                     <m:r>
-                      <a:rPr lang="en-US" sz="2400"/>
+                      <a:rPr lang="en-US" sz="2400">
+                        <a:latin typeface="Cambria Math" panose="02040503050406030204" pitchFamily="18" charset="0"/>
+                      </a:rPr>
                       <m:t>𝑛</m:t>
                     </m:r>
                   </m:oMath>
@@ -21488,11 +21594,15 @@
                 <a14:m>
                   <m:oMath xmlns:m="http://schemas.openxmlformats.org/officeDocument/2006/math">
                     <m:r>
-                      <a:rPr lang="en-US" sz="2400"/>
+                      <a:rPr lang="en-US" sz="2400">
+                        <a:latin typeface="Cambria Math" panose="02040503050406030204" pitchFamily="18" charset="0"/>
+                      </a:rPr>
                       <m:t>3</m:t>
                     </m:r>
                     <m:r>
-                      <a:rPr lang="en-US" sz="2400"/>
+                      <a:rPr lang="en-US" sz="2400">
+                        <a:latin typeface="Cambria Math" panose="02040503050406030204" pitchFamily="18" charset="0"/>
+                      </a:rPr>
                       <m:t>𝑛</m:t>
                     </m:r>
                   </m:oMath>
@@ -21508,7 +21618,7 @@
             </p:txBody>
           </p:sp>
         </mc:Choice>
-        <mc:Fallback>
+        <mc:Fallback xmlns="">
           <p:sp>
             <p:nvSpPr>
               <p:cNvPr id="3" name="Rounded Rectangle 2">
@@ -25260,8 +25370,8 @@
           </a:p>
         </p:txBody>
       </p:sp>
-      <mc:AlternateContent xmlns:mc="http://schemas.openxmlformats.org/markup-compatibility/2006" xmlns:a14="http://schemas.microsoft.com/office/drawing/2010/main">
-        <mc:Choice Requires="a14">
+      <mc:AlternateContent xmlns:mc="http://schemas.openxmlformats.org/markup-compatibility/2006">
+        <mc:Choice xmlns:a14="http://schemas.microsoft.com/office/drawing/2010/main" Requires="a14">
           <p:sp>
             <p:nvSpPr>
               <p:cNvPr id="6" name="Content Placeholder 2">
@@ -25320,7 +25430,7 @@
                     </a:solidFill>
                     <a:latin typeface="Open Sans" panose="020B0606030504020204" pitchFamily="34" charset="0"/>
                   </a:rPr>
-                  <a:t>proof by contradiction</a:t>
+                  <a:t>proof by contradiction </a:t>
                 </a:r>
                 <a:r>
                   <a:rPr lang="en-US" sz="2400" dirty="0">
@@ -25329,7 +25439,7 @@
                     </a:solidFill>
                     <a:latin typeface="Open Sans" panose="020B0606030504020204" pitchFamily="34" charset="0"/>
                   </a:rPr>
-                  <a:t>:</a:t>
+                  <a:t>(on P):</a:t>
                 </a:r>
                 <a:endParaRPr lang="en-US" sz="2200" dirty="0">
                   <a:solidFill>
@@ -25492,7 +25602,7 @@
             </p:txBody>
           </p:sp>
         </mc:Choice>
-        <mc:Fallback xmlns="">
+        <mc:Fallback>
           <p:sp>
             <p:nvSpPr>
               <p:cNvPr id="6" name="Content Placeholder 2">
